--- a/Преза.pptx
+++ b/Преза.pptx
@@ -111,7 +111,1689 @@
       </a:defRPr>
     </a:lvl9pPr>
   </p:defaultTextStyle>
+  <p:extLst>
+    <p:ext uri="{EFAFB233-063F-42B5-8137-9DF3F51BA10A}">
+      <p15:sldGuideLst xmlns:p15="http://schemas.microsoft.com/office/powerpoint/2012/main"/>
+    </p:ext>
+  </p:extLst>
 </p:presentation>
+</file>
+
+<file path=ppt/charts/chart1.xml><?xml version="1.0" encoding="utf-8"?>
+<c:chartSpace xmlns:c="http://schemas.openxmlformats.org/drawingml/2006/chart" xmlns:a="http://schemas.openxmlformats.org/drawingml/2006/main" xmlns:r="http://schemas.openxmlformats.org/officeDocument/2006/relationships" xmlns:c16r2="http://schemas.microsoft.com/office/drawing/2015/06/chart">
+  <c:date1904 val="0"/>
+  <c:lang val="ru-RU"/>
+  <c:roundedCorners val="0"/>
+  <mc:AlternateContent xmlns:mc="http://schemas.openxmlformats.org/markup-compatibility/2006">
+    <mc:Choice xmlns:c14="http://schemas.microsoft.com/office/drawing/2007/8/2/chart" Requires="c14">
+      <c14:style val="102"/>
+    </mc:Choice>
+    <mc:Fallback>
+      <c:style val="2"/>
+    </mc:Fallback>
+  </mc:AlternateContent>
+  <c:chart>
+    <c:title>
+      <c:overlay val="0"/>
+      <c:spPr>
+        <a:noFill/>
+        <a:ln>
+          <a:noFill/>
+        </a:ln>
+        <a:effectLst/>
+      </c:spPr>
+      <c:txPr>
+        <a:bodyPr rot="0" spcFirstLastPara="1" vertOverflow="ellipsis" vert="horz" wrap="square" anchor="ctr" anchorCtr="1"/>
+        <a:lstStyle/>
+        <a:p>
+          <a:pPr>
+            <a:defRPr sz="1862" b="0" i="0" u="none" strike="noStrike" kern="1200" spc="0" baseline="0">
+              <a:solidFill>
+                <a:schemeClr val="tx1">
+                  <a:lumMod val="65000"/>
+                  <a:lumOff val="35000"/>
+                </a:schemeClr>
+              </a:solidFill>
+              <a:latin typeface="+mn-lt"/>
+              <a:ea typeface="+mn-ea"/>
+              <a:cs typeface="+mn-cs"/>
+            </a:defRPr>
+          </a:pPr>
+          <a:endParaRPr lang="ru-RU"/>
+        </a:p>
+      </c:txPr>
+    </c:title>
+    <c:autoTitleDeleted val="0"/>
+    <c:plotArea>
+      <c:layout/>
+      <c:pieChart>
+        <c:varyColors val="1"/>
+        <c:ser>
+          <c:idx val="0"/>
+          <c:order val="0"/>
+          <c:tx>
+            <c:strRef>
+              <c:f>Лист1!$B$1</c:f>
+              <c:strCache>
+                <c:ptCount val="1"/>
+                <c:pt idx="0">
+                  <c:v>Поломка элементов</c:v>
+                </c:pt>
+              </c:strCache>
+            </c:strRef>
+          </c:tx>
+          <c:dPt>
+            <c:idx val="0"/>
+            <c:bubble3D val="0"/>
+            <c:spPr>
+              <a:solidFill>
+                <a:schemeClr val="accent1"/>
+              </a:solidFill>
+              <a:ln w="19050">
+                <a:solidFill>
+                  <a:schemeClr val="lt1"/>
+                </a:solidFill>
+              </a:ln>
+              <a:effectLst/>
+            </c:spPr>
+          </c:dPt>
+          <c:dPt>
+            <c:idx val="1"/>
+            <c:bubble3D val="0"/>
+            <c:spPr>
+              <a:solidFill>
+                <a:schemeClr val="accent2"/>
+              </a:solidFill>
+              <a:ln w="19050">
+                <a:solidFill>
+                  <a:schemeClr val="lt1"/>
+                </a:solidFill>
+              </a:ln>
+              <a:effectLst/>
+            </c:spPr>
+          </c:dPt>
+          <c:dPt>
+            <c:idx val="2"/>
+            <c:bubble3D val="0"/>
+            <c:spPr>
+              <a:solidFill>
+                <a:schemeClr val="accent3"/>
+              </a:solidFill>
+              <a:ln w="19050">
+                <a:solidFill>
+                  <a:schemeClr val="lt1"/>
+                </a:solidFill>
+              </a:ln>
+              <a:effectLst/>
+            </c:spPr>
+          </c:dPt>
+          <c:dPt>
+            <c:idx val="3"/>
+            <c:bubble3D val="0"/>
+            <c:spPr>
+              <a:solidFill>
+                <a:schemeClr val="accent4"/>
+              </a:solidFill>
+              <a:ln w="19050">
+                <a:solidFill>
+                  <a:schemeClr val="lt1"/>
+                </a:solidFill>
+              </a:ln>
+              <a:effectLst/>
+            </c:spPr>
+          </c:dPt>
+          <c:cat>
+            <c:strRef>
+              <c:f>Лист1!$A$2:$A$5</c:f>
+              <c:strCache>
+                <c:ptCount val="4"/>
+                <c:pt idx="0">
+                  <c:v>Диод VD1</c:v>
+                </c:pt>
+                <c:pt idx="1">
+                  <c:v>Транзистор VT11</c:v>
+                </c:pt>
+                <c:pt idx="2">
+                  <c:v>Switch </c:v>
+                </c:pt>
+                <c:pt idx="3">
+                  <c:v>RJ 45</c:v>
+                </c:pt>
+              </c:strCache>
+            </c:strRef>
+          </c:cat>
+          <c:val>
+            <c:numRef>
+              <c:f>Лист1!$B$2:$B$5</c:f>
+              <c:numCache>
+                <c:formatCode>General</c:formatCode>
+                <c:ptCount val="4"/>
+                <c:pt idx="0">
+                  <c:v>8.1999999999999993</c:v>
+                </c:pt>
+                <c:pt idx="1">
+                  <c:v>3.2</c:v>
+                </c:pt>
+                <c:pt idx="2">
+                  <c:v>1.4</c:v>
+                </c:pt>
+                <c:pt idx="3">
+                  <c:v>1.2</c:v>
+                </c:pt>
+              </c:numCache>
+            </c:numRef>
+          </c:val>
+          <c:extLst>
+            <c:ext xmlns:c16="http://schemas.microsoft.com/office/drawing/2014/chart" uri="{C3380CC4-5D6E-409C-BE32-E72D297353CC}">
+              <c16:uniqueId val="{00000000-C8F6-48C4-BBA6-987462628B68}"/>
+            </c:ext>
+          </c:extLst>
+        </c:ser>
+        <c:dLbls>
+          <c:showLegendKey val="0"/>
+          <c:showVal val="0"/>
+          <c:showCatName val="0"/>
+          <c:showSerName val="0"/>
+          <c:showPercent val="0"/>
+          <c:showBubbleSize val="0"/>
+          <c:showLeaderLines val="1"/>
+        </c:dLbls>
+        <c:firstSliceAng val="0"/>
+      </c:pieChart>
+      <c:spPr>
+        <a:noFill/>
+        <a:ln>
+          <a:noFill/>
+        </a:ln>
+        <a:effectLst/>
+      </c:spPr>
+    </c:plotArea>
+    <c:legend>
+      <c:legendPos val="b"/>
+      <c:overlay val="0"/>
+      <c:spPr>
+        <a:noFill/>
+        <a:ln>
+          <a:noFill/>
+        </a:ln>
+        <a:effectLst/>
+      </c:spPr>
+      <c:txPr>
+        <a:bodyPr rot="0" spcFirstLastPara="1" vertOverflow="ellipsis" vert="horz" wrap="square" anchor="ctr" anchorCtr="1"/>
+        <a:lstStyle/>
+        <a:p>
+          <a:pPr>
+            <a:defRPr sz="1197" b="0" i="0" u="none" strike="noStrike" kern="1200" baseline="0">
+              <a:solidFill>
+                <a:schemeClr val="tx1">
+                  <a:lumMod val="65000"/>
+                  <a:lumOff val="35000"/>
+                </a:schemeClr>
+              </a:solidFill>
+              <a:latin typeface="+mn-lt"/>
+              <a:ea typeface="+mn-ea"/>
+              <a:cs typeface="+mn-cs"/>
+            </a:defRPr>
+          </a:pPr>
+          <a:endParaRPr lang="ru-RU"/>
+        </a:p>
+      </c:txPr>
+    </c:legend>
+    <c:plotVisOnly val="1"/>
+    <c:dispBlanksAs val="gap"/>
+    <c:extLst>
+      <c:ext xmlns:c16r3="http://schemas.microsoft.com/office/drawing/2017/03/chart" uri="{56B9EC1D-385E-4148-901F-78D8002777C0}">
+        <c16r3:dataDisplayOptions16>
+          <c16r3:dispNaAsBlank val="1"/>
+        </c16r3:dataDisplayOptions16>
+      </c:ext>
+    </c:extLst>
+    <c:showDLblsOverMax val="0"/>
+  </c:chart>
+  <c:spPr>
+    <a:noFill/>
+    <a:ln>
+      <a:noFill/>
+    </a:ln>
+    <a:effectLst/>
+  </c:spPr>
+  <c:txPr>
+    <a:bodyPr/>
+    <a:lstStyle/>
+    <a:p>
+      <a:pPr>
+        <a:defRPr/>
+      </a:pPr>
+      <a:endParaRPr lang="ru-RU"/>
+    </a:p>
+  </c:txPr>
+  <c:externalData r:id="rId3">
+    <c:autoUpdate val="0"/>
+  </c:externalData>
+</c:chartSpace>
+</file>
+
+<file path=ppt/charts/chart2.xml><?xml version="1.0" encoding="utf-8"?>
+<c:chartSpace xmlns:c="http://schemas.openxmlformats.org/drawingml/2006/chart" xmlns:a="http://schemas.openxmlformats.org/drawingml/2006/main" xmlns:r="http://schemas.openxmlformats.org/officeDocument/2006/relationships" xmlns:c16r2="http://schemas.microsoft.com/office/drawing/2015/06/chart">
+  <c:date1904 val="0"/>
+  <c:lang val="ru-RU"/>
+  <c:roundedCorners val="0"/>
+  <mc:AlternateContent xmlns:mc="http://schemas.openxmlformats.org/markup-compatibility/2006">
+    <mc:Choice xmlns:c14="http://schemas.microsoft.com/office/drawing/2007/8/2/chart" Requires="c14">
+      <c14:style val="102"/>
+    </mc:Choice>
+    <mc:Fallback>
+      <c:style val="2"/>
+    </mc:Fallback>
+  </mc:AlternateContent>
+  <c:chart>
+    <c:title>
+      <c:tx>
+        <c:rich>
+          <a:bodyPr rot="0" spcFirstLastPara="1" vertOverflow="ellipsis" vert="horz" wrap="square" anchor="ctr" anchorCtr="1"/>
+          <a:lstStyle/>
+          <a:p>
+            <a:pPr>
+              <a:defRPr sz="1862" b="0" i="0" u="none" strike="noStrike" kern="1200" spc="0" baseline="0">
+                <a:solidFill>
+                  <a:schemeClr val="tx1">
+                    <a:lumMod val="65000"/>
+                    <a:lumOff val="35000"/>
+                  </a:schemeClr>
+                </a:solidFill>
+                <a:latin typeface="+mn-lt"/>
+                <a:ea typeface="+mn-ea"/>
+                <a:cs typeface="+mn-cs"/>
+              </a:defRPr>
+            </a:pPr>
+            <a:r>
+              <a:rPr lang="ru-RU" sz="1600" dirty="0"/>
+              <a:t>Количество</a:t>
+            </a:r>
+            <a:r>
+              <a:rPr lang="ru-RU" sz="1600" baseline="0" dirty="0"/>
+              <a:t> обращений</a:t>
+            </a:r>
+            <a:endParaRPr lang="ru-RU" sz="1600" dirty="0"/>
+          </a:p>
+        </c:rich>
+      </c:tx>
+      <c:overlay val="0"/>
+      <c:spPr>
+        <a:noFill/>
+        <a:ln>
+          <a:noFill/>
+        </a:ln>
+        <a:effectLst/>
+      </c:spPr>
+      <c:txPr>
+        <a:bodyPr rot="0" spcFirstLastPara="1" vertOverflow="ellipsis" vert="horz" wrap="square" anchor="ctr" anchorCtr="1"/>
+        <a:lstStyle/>
+        <a:p>
+          <a:pPr>
+            <a:defRPr sz="1862" b="0" i="0" u="none" strike="noStrike" kern="1200" spc="0" baseline="0">
+              <a:solidFill>
+                <a:schemeClr val="tx1">
+                  <a:lumMod val="65000"/>
+                  <a:lumOff val="35000"/>
+                </a:schemeClr>
+              </a:solidFill>
+              <a:latin typeface="+mn-lt"/>
+              <a:ea typeface="+mn-ea"/>
+              <a:cs typeface="+mn-cs"/>
+            </a:defRPr>
+          </a:pPr>
+          <a:endParaRPr lang="ru-RU"/>
+        </a:p>
+      </c:txPr>
+    </c:title>
+    <c:autoTitleDeleted val="0"/>
+    <c:plotArea>
+      <c:layout/>
+      <c:pieChart>
+        <c:varyColors val="1"/>
+        <c:ser>
+          <c:idx val="0"/>
+          <c:order val="0"/>
+          <c:tx>
+            <c:strRef>
+              <c:f>Лист1!$B$1</c:f>
+              <c:strCache>
+                <c:ptCount val="1"/>
+                <c:pt idx="0">
+                  <c:v>Поломка элементов</c:v>
+                </c:pt>
+              </c:strCache>
+            </c:strRef>
+          </c:tx>
+          <c:dPt>
+            <c:idx val="0"/>
+            <c:bubble3D val="0"/>
+            <c:spPr>
+              <a:solidFill>
+                <a:schemeClr val="accent1"/>
+              </a:solidFill>
+              <a:ln w="19050">
+                <a:solidFill>
+                  <a:schemeClr val="lt1"/>
+                </a:solidFill>
+              </a:ln>
+              <a:effectLst/>
+            </c:spPr>
+            <c:extLst>
+              <c:ext xmlns:c16="http://schemas.microsoft.com/office/drawing/2014/chart" uri="{C3380CC4-5D6E-409C-BE32-E72D297353CC}">
+                <c16:uniqueId val="{00000001-AFDE-4E14-A07C-C5BBE074E8F1}"/>
+              </c:ext>
+            </c:extLst>
+          </c:dPt>
+          <c:dPt>
+            <c:idx val="1"/>
+            <c:bubble3D val="0"/>
+            <c:spPr>
+              <a:solidFill>
+                <a:schemeClr val="accent2"/>
+              </a:solidFill>
+              <a:ln w="19050">
+                <a:solidFill>
+                  <a:schemeClr val="lt1"/>
+                </a:solidFill>
+              </a:ln>
+              <a:effectLst/>
+            </c:spPr>
+            <c:extLst>
+              <c:ext xmlns:c16="http://schemas.microsoft.com/office/drawing/2014/chart" uri="{C3380CC4-5D6E-409C-BE32-E72D297353CC}">
+                <c16:uniqueId val="{00000003-AFDE-4E14-A07C-C5BBE074E8F1}"/>
+              </c:ext>
+            </c:extLst>
+          </c:dPt>
+          <c:dPt>
+            <c:idx val="2"/>
+            <c:bubble3D val="0"/>
+            <c:spPr>
+              <a:solidFill>
+                <a:schemeClr val="accent3"/>
+              </a:solidFill>
+              <a:ln w="19050">
+                <a:solidFill>
+                  <a:schemeClr val="lt1"/>
+                </a:solidFill>
+              </a:ln>
+              <a:effectLst/>
+            </c:spPr>
+            <c:extLst>
+              <c:ext xmlns:c16="http://schemas.microsoft.com/office/drawing/2014/chart" uri="{C3380CC4-5D6E-409C-BE32-E72D297353CC}">
+                <c16:uniqueId val="{00000005-AFDE-4E14-A07C-C5BBE074E8F1}"/>
+              </c:ext>
+            </c:extLst>
+          </c:dPt>
+          <c:dPt>
+            <c:idx val="3"/>
+            <c:bubble3D val="0"/>
+            <c:spPr>
+              <a:solidFill>
+                <a:schemeClr val="accent4"/>
+              </a:solidFill>
+              <a:ln w="19050">
+                <a:solidFill>
+                  <a:schemeClr val="lt1"/>
+                </a:solidFill>
+              </a:ln>
+              <a:effectLst/>
+            </c:spPr>
+            <c:extLst>
+              <c:ext xmlns:c16="http://schemas.microsoft.com/office/drawing/2014/chart" uri="{C3380CC4-5D6E-409C-BE32-E72D297353CC}">
+                <c16:uniqueId val="{00000007-AFDE-4E14-A07C-C5BBE074E8F1}"/>
+              </c:ext>
+            </c:extLst>
+          </c:dPt>
+          <c:cat>
+            <c:numRef>
+              <c:f>Лист1!$A$2:$A$5</c:f>
+              <c:numCache>
+                <c:formatCode>mmm\-yy</c:formatCode>
+                <c:ptCount val="4"/>
+                <c:pt idx="0">
+                  <c:v>45413</c:v>
+                </c:pt>
+                <c:pt idx="1">
+                  <c:v>45444</c:v>
+                </c:pt>
+                <c:pt idx="2">
+                  <c:v>45474</c:v>
+                </c:pt>
+                <c:pt idx="3">
+                  <c:v>45505</c:v>
+                </c:pt>
+              </c:numCache>
+            </c:numRef>
+          </c:cat>
+          <c:val>
+            <c:numRef>
+              <c:f>Лист1!$B$2:$B$5</c:f>
+              <c:numCache>
+                <c:formatCode>General</c:formatCode>
+                <c:ptCount val="4"/>
+                <c:pt idx="0">
+                  <c:v>460</c:v>
+                </c:pt>
+                <c:pt idx="1">
+                  <c:v>402</c:v>
+                </c:pt>
+                <c:pt idx="2">
+                  <c:v>350</c:v>
+                </c:pt>
+                <c:pt idx="3">
+                  <c:v>255</c:v>
+                </c:pt>
+              </c:numCache>
+            </c:numRef>
+          </c:val>
+          <c:extLst>
+            <c:ext xmlns:c16="http://schemas.microsoft.com/office/drawing/2014/chart" uri="{C3380CC4-5D6E-409C-BE32-E72D297353CC}">
+              <c16:uniqueId val="{00000008-AFDE-4E14-A07C-C5BBE074E8F1}"/>
+            </c:ext>
+          </c:extLst>
+        </c:ser>
+        <c:dLbls>
+          <c:showLegendKey val="0"/>
+          <c:showVal val="0"/>
+          <c:showCatName val="0"/>
+          <c:showSerName val="0"/>
+          <c:showPercent val="0"/>
+          <c:showBubbleSize val="0"/>
+          <c:showLeaderLines val="1"/>
+        </c:dLbls>
+        <c:firstSliceAng val="0"/>
+      </c:pieChart>
+      <c:spPr>
+        <a:noFill/>
+        <a:ln>
+          <a:noFill/>
+        </a:ln>
+        <a:effectLst/>
+      </c:spPr>
+    </c:plotArea>
+    <c:legend>
+      <c:legendPos val="b"/>
+      <c:overlay val="0"/>
+      <c:spPr>
+        <a:noFill/>
+        <a:ln>
+          <a:noFill/>
+        </a:ln>
+        <a:effectLst/>
+      </c:spPr>
+      <c:txPr>
+        <a:bodyPr rot="0" spcFirstLastPara="1" vertOverflow="ellipsis" vert="horz" wrap="square" anchor="ctr" anchorCtr="1"/>
+        <a:lstStyle/>
+        <a:p>
+          <a:pPr>
+            <a:defRPr sz="1197" b="0" i="0" u="none" strike="noStrike" kern="1200" baseline="0">
+              <a:solidFill>
+                <a:schemeClr val="tx1">
+                  <a:lumMod val="65000"/>
+                  <a:lumOff val="35000"/>
+                </a:schemeClr>
+              </a:solidFill>
+              <a:latin typeface="+mn-lt"/>
+              <a:ea typeface="+mn-ea"/>
+              <a:cs typeface="+mn-cs"/>
+            </a:defRPr>
+          </a:pPr>
+          <a:endParaRPr lang="ru-RU"/>
+        </a:p>
+      </c:txPr>
+    </c:legend>
+    <c:plotVisOnly val="1"/>
+    <c:dispBlanksAs val="gap"/>
+    <c:extLst>
+      <c:ext xmlns:c16r3="http://schemas.microsoft.com/office/drawing/2017/03/chart" uri="{56B9EC1D-385E-4148-901F-78D8002777C0}">
+        <c16r3:dataDisplayOptions16>
+          <c16r3:dispNaAsBlank val="1"/>
+        </c16r3:dataDisplayOptions16>
+      </c:ext>
+    </c:extLst>
+    <c:showDLblsOverMax val="0"/>
+  </c:chart>
+  <c:spPr>
+    <a:noFill/>
+    <a:ln>
+      <a:noFill/>
+    </a:ln>
+    <a:effectLst/>
+  </c:spPr>
+  <c:txPr>
+    <a:bodyPr/>
+    <a:lstStyle/>
+    <a:p>
+      <a:pPr>
+        <a:defRPr/>
+      </a:pPr>
+      <a:endParaRPr lang="ru-RU"/>
+    </a:p>
+  </c:txPr>
+  <c:externalData r:id="rId3">
+    <c:autoUpdate val="0"/>
+  </c:externalData>
+</c:chartSpace>
+</file>
+
+<file path=ppt/charts/colors1.xml><?xml version="1.0" encoding="utf-8"?>
+<cs:colorStyle xmlns:cs="http://schemas.microsoft.com/office/drawing/2012/chartStyle" xmlns:a="http://schemas.openxmlformats.org/drawingml/2006/main" meth="cycle" id="10">
+  <a:schemeClr val="accent1"/>
+  <a:schemeClr val="accent2"/>
+  <a:schemeClr val="accent3"/>
+  <a:schemeClr val="accent4"/>
+  <a:schemeClr val="accent5"/>
+  <a:schemeClr val="accent6"/>
+  <cs:variation/>
+  <cs:variation>
+    <a:lumMod val="60000"/>
+  </cs:variation>
+  <cs:variation>
+    <a:lumMod val="80000"/>
+    <a:lumOff val="20000"/>
+  </cs:variation>
+  <cs:variation>
+    <a:lumMod val="80000"/>
+  </cs:variation>
+  <cs:variation>
+    <a:lumMod val="60000"/>
+    <a:lumOff val="40000"/>
+  </cs:variation>
+  <cs:variation>
+    <a:lumMod val="50000"/>
+  </cs:variation>
+  <cs:variation>
+    <a:lumMod val="70000"/>
+    <a:lumOff val="30000"/>
+  </cs:variation>
+  <cs:variation>
+    <a:lumMod val="70000"/>
+  </cs:variation>
+  <cs:variation>
+    <a:lumMod val="50000"/>
+    <a:lumOff val="50000"/>
+  </cs:variation>
+</cs:colorStyle>
+</file>
+
+<file path=ppt/charts/colors2.xml><?xml version="1.0" encoding="utf-8"?>
+<cs:colorStyle xmlns:cs="http://schemas.microsoft.com/office/drawing/2012/chartStyle" xmlns:a="http://schemas.openxmlformats.org/drawingml/2006/main" meth="cycle" id="10">
+  <a:schemeClr val="accent1"/>
+  <a:schemeClr val="accent2"/>
+  <a:schemeClr val="accent3"/>
+  <a:schemeClr val="accent4"/>
+  <a:schemeClr val="accent5"/>
+  <a:schemeClr val="accent6"/>
+  <cs:variation/>
+  <cs:variation>
+    <a:lumMod val="60000"/>
+  </cs:variation>
+  <cs:variation>
+    <a:lumMod val="80000"/>
+    <a:lumOff val="20000"/>
+  </cs:variation>
+  <cs:variation>
+    <a:lumMod val="80000"/>
+  </cs:variation>
+  <cs:variation>
+    <a:lumMod val="60000"/>
+    <a:lumOff val="40000"/>
+  </cs:variation>
+  <cs:variation>
+    <a:lumMod val="50000"/>
+  </cs:variation>
+  <cs:variation>
+    <a:lumMod val="70000"/>
+    <a:lumOff val="30000"/>
+  </cs:variation>
+  <cs:variation>
+    <a:lumMod val="70000"/>
+  </cs:variation>
+  <cs:variation>
+    <a:lumMod val="50000"/>
+    <a:lumOff val="50000"/>
+  </cs:variation>
+</cs:colorStyle>
+</file>
+
+<file path=ppt/charts/style1.xml><?xml version="1.0" encoding="utf-8"?>
+<cs:chartStyle xmlns:cs="http://schemas.microsoft.com/office/drawing/2012/chartStyle" xmlns:a="http://schemas.openxmlformats.org/drawingml/2006/main" id="251">
+  <cs:axisTitle>
+    <cs:lnRef idx="0"/>
+    <cs:fillRef idx="0"/>
+    <cs:effectRef idx="0"/>
+    <cs:fontRef idx="minor">
+      <a:schemeClr val="tx1">
+        <a:lumMod val="65000"/>
+        <a:lumOff val="35000"/>
+      </a:schemeClr>
+    </cs:fontRef>
+    <cs:defRPr sz="1330" kern="1200"/>
+  </cs:axisTitle>
+  <cs:categoryAxis>
+    <cs:lnRef idx="0"/>
+    <cs:fillRef idx="0"/>
+    <cs:effectRef idx="0"/>
+    <cs:fontRef idx="minor">
+      <a:schemeClr val="tx1">
+        <a:lumMod val="65000"/>
+        <a:lumOff val="35000"/>
+      </a:schemeClr>
+    </cs:fontRef>
+    <cs:spPr>
+      <a:ln w="9525" cap="flat" cmpd="sng" algn="ctr">
+        <a:solidFill>
+          <a:schemeClr val="tx1">
+            <a:lumMod val="15000"/>
+            <a:lumOff val="85000"/>
+          </a:schemeClr>
+        </a:solidFill>
+        <a:round/>
+      </a:ln>
+    </cs:spPr>
+    <cs:defRPr sz="1197" kern="1200"/>
+  </cs:categoryAxis>
+  <cs:chartArea mods="allowNoFillOverride allowNoLineOverride">
+    <cs:lnRef idx="0"/>
+    <cs:fillRef idx="0"/>
+    <cs:effectRef idx="0"/>
+    <cs:fontRef idx="minor">
+      <a:schemeClr val="tx1"/>
+    </cs:fontRef>
+    <cs:spPr>
+      <a:solidFill>
+        <a:schemeClr val="bg1"/>
+      </a:solidFill>
+      <a:ln w="9525" cap="flat" cmpd="sng" algn="ctr">
+        <a:solidFill>
+          <a:schemeClr val="tx1">
+            <a:lumMod val="15000"/>
+            <a:lumOff val="85000"/>
+          </a:schemeClr>
+        </a:solidFill>
+        <a:round/>
+      </a:ln>
+    </cs:spPr>
+    <cs:defRPr sz="1197" kern="1200"/>
+  </cs:chartArea>
+  <cs:dataLabel>
+    <cs:lnRef idx="0"/>
+    <cs:fillRef idx="0"/>
+    <cs:effectRef idx="0"/>
+    <cs:fontRef idx="minor">
+      <a:schemeClr val="tx1">
+        <a:lumMod val="75000"/>
+        <a:lumOff val="25000"/>
+      </a:schemeClr>
+    </cs:fontRef>
+    <cs:defRPr sz="1197" kern="1200"/>
+  </cs:dataLabel>
+  <cs:dataLabelCallout>
+    <cs:lnRef idx="0"/>
+    <cs:fillRef idx="0"/>
+    <cs:effectRef idx="0"/>
+    <cs:fontRef idx="minor">
+      <a:schemeClr val="dk1">
+        <a:lumMod val="65000"/>
+        <a:lumOff val="35000"/>
+      </a:schemeClr>
+    </cs:fontRef>
+    <cs:spPr>
+      <a:solidFill>
+        <a:schemeClr val="lt1"/>
+      </a:solidFill>
+      <a:ln>
+        <a:solidFill>
+          <a:schemeClr val="dk1">
+            <a:lumMod val="25000"/>
+            <a:lumOff val="75000"/>
+          </a:schemeClr>
+        </a:solidFill>
+      </a:ln>
+    </cs:spPr>
+    <cs:defRPr sz="1197" kern="1200"/>
+    <cs:bodyPr rot="0" spcFirstLastPara="1" vertOverflow="clip" horzOverflow="clip" vert="horz" wrap="square" lIns="36576" tIns="18288" rIns="36576" bIns="18288" anchor="ctr" anchorCtr="1">
+      <a:spAutoFit/>
+    </cs:bodyPr>
+  </cs:dataLabelCallout>
+  <cs:dataPoint>
+    <cs:lnRef idx="0"/>
+    <cs:fillRef idx="1">
+      <cs:styleClr val="auto"/>
+    </cs:fillRef>
+    <cs:effectRef idx="0"/>
+    <cs:fontRef idx="minor">
+      <a:schemeClr val="tx1"/>
+    </cs:fontRef>
+    <cs:spPr>
+      <a:ln w="19050">
+        <a:solidFill>
+          <a:schemeClr val="lt1"/>
+        </a:solidFill>
+      </a:ln>
+    </cs:spPr>
+  </cs:dataPoint>
+  <cs:dataPoint3D>
+    <cs:lnRef idx="0"/>
+    <cs:fillRef idx="1">
+      <cs:styleClr val="auto"/>
+    </cs:fillRef>
+    <cs:effectRef idx="0"/>
+    <cs:fontRef idx="minor">
+      <a:schemeClr val="tx1"/>
+    </cs:fontRef>
+    <cs:spPr>
+      <a:ln w="25400">
+        <a:solidFill>
+          <a:schemeClr val="lt1"/>
+        </a:solidFill>
+      </a:ln>
+    </cs:spPr>
+  </cs:dataPoint3D>
+  <cs:dataPointLine>
+    <cs:lnRef idx="0">
+      <cs:styleClr val="auto"/>
+    </cs:lnRef>
+    <cs:fillRef idx="0"/>
+    <cs:effectRef idx="0"/>
+    <cs:fontRef idx="minor">
+      <a:schemeClr val="tx1"/>
+    </cs:fontRef>
+    <cs:spPr>
+      <a:ln w="28575" cap="rnd">
+        <a:solidFill>
+          <a:schemeClr val="phClr"/>
+        </a:solidFill>
+        <a:round/>
+      </a:ln>
+    </cs:spPr>
+  </cs:dataPointLine>
+  <cs:dataPointMarker>
+    <cs:lnRef idx="0">
+      <cs:styleClr val="auto"/>
+    </cs:lnRef>
+    <cs:fillRef idx="1">
+      <cs:styleClr val="auto"/>
+    </cs:fillRef>
+    <cs:effectRef idx="0"/>
+    <cs:fontRef idx="minor">
+      <a:schemeClr val="tx1"/>
+    </cs:fontRef>
+    <cs:spPr>
+      <a:ln w="9525">
+        <a:solidFill>
+          <a:schemeClr val="phClr"/>
+        </a:solidFill>
+      </a:ln>
+    </cs:spPr>
+  </cs:dataPointMarker>
+  <cs:dataPointMarkerLayout symbol="circle" size="5"/>
+  <cs:dataPointWireframe>
+    <cs:lnRef idx="0">
+      <cs:styleClr val="auto"/>
+    </cs:lnRef>
+    <cs:fillRef idx="0"/>
+    <cs:effectRef idx="0"/>
+    <cs:fontRef idx="minor">
+      <a:schemeClr val="tx1"/>
+    </cs:fontRef>
+    <cs:spPr>
+      <a:ln w="9525" cap="rnd">
+        <a:solidFill>
+          <a:schemeClr val="phClr"/>
+        </a:solidFill>
+        <a:round/>
+      </a:ln>
+    </cs:spPr>
+  </cs:dataPointWireframe>
+  <cs:dataTable>
+    <cs:lnRef idx="0"/>
+    <cs:fillRef idx="0"/>
+    <cs:effectRef idx="0"/>
+    <cs:fontRef idx="minor">
+      <a:schemeClr val="tx1">
+        <a:lumMod val="65000"/>
+        <a:lumOff val="35000"/>
+      </a:schemeClr>
+    </cs:fontRef>
+    <cs:spPr>
+      <a:noFill/>
+      <a:ln w="9525" cap="flat" cmpd="sng" algn="ctr">
+        <a:solidFill>
+          <a:schemeClr val="tx1">
+            <a:lumMod val="15000"/>
+            <a:lumOff val="85000"/>
+          </a:schemeClr>
+        </a:solidFill>
+        <a:round/>
+      </a:ln>
+    </cs:spPr>
+    <cs:defRPr sz="1197" kern="1200"/>
+  </cs:dataTable>
+  <cs:downBar>
+    <cs:lnRef idx="0"/>
+    <cs:fillRef idx="0"/>
+    <cs:effectRef idx="0"/>
+    <cs:fontRef idx="minor">
+      <a:schemeClr val="tx1"/>
+    </cs:fontRef>
+    <cs:spPr>
+      <a:solidFill>
+        <a:schemeClr val="dk1">
+          <a:lumMod val="75000"/>
+          <a:lumOff val="25000"/>
+        </a:schemeClr>
+      </a:solidFill>
+      <a:ln w="9525" cap="flat" cmpd="sng" algn="ctr">
+        <a:solidFill>
+          <a:schemeClr val="tx1">
+            <a:lumMod val="65000"/>
+            <a:lumOff val="35000"/>
+          </a:schemeClr>
+        </a:solidFill>
+        <a:round/>
+      </a:ln>
+    </cs:spPr>
+  </cs:downBar>
+  <cs:dropLine>
+    <cs:lnRef idx="0"/>
+    <cs:fillRef idx="0"/>
+    <cs:effectRef idx="0"/>
+    <cs:fontRef idx="minor">
+      <a:schemeClr val="tx1"/>
+    </cs:fontRef>
+    <cs:spPr>
+      <a:ln w="9525" cap="flat" cmpd="sng" algn="ctr">
+        <a:solidFill>
+          <a:schemeClr val="tx1">
+            <a:lumMod val="35000"/>
+            <a:lumOff val="65000"/>
+          </a:schemeClr>
+        </a:solidFill>
+        <a:round/>
+      </a:ln>
+    </cs:spPr>
+  </cs:dropLine>
+  <cs:errorBar>
+    <cs:lnRef idx="0"/>
+    <cs:fillRef idx="0"/>
+    <cs:effectRef idx="0"/>
+    <cs:fontRef idx="minor">
+      <a:schemeClr val="tx1"/>
+    </cs:fontRef>
+    <cs:spPr>
+      <a:ln w="9525" cap="flat" cmpd="sng" algn="ctr">
+        <a:solidFill>
+          <a:schemeClr val="tx1">
+            <a:lumMod val="65000"/>
+            <a:lumOff val="35000"/>
+          </a:schemeClr>
+        </a:solidFill>
+        <a:round/>
+      </a:ln>
+    </cs:spPr>
+  </cs:errorBar>
+  <cs:floor>
+    <cs:lnRef idx="0"/>
+    <cs:fillRef idx="0"/>
+    <cs:effectRef idx="0"/>
+    <cs:fontRef idx="minor">
+      <a:schemeClr val="tx1"/>
+    </cs:fontRef>
+    <cs:spPr>
+      <a:noFill/>
+      <a:ln>
+        <a:noFill/>
+      </a:ln>
+    </cs:spPr>
+  </cs:floor>
+  <cs:gridlineMajor>
+    <cs:lnRef idx="0"/>
+    <cs:fillRef idx="0"/>
+    <cs:effectRef idx="0"/>
+    <cs:fontRef idx="minor">
+      <a:schemeClr val="tx1"/>
+    </cs:fontRef>
+    <cs:spPr>
+      <a:ln w="9525" cap="flat" cmpd="sng" algn="ctr">
+        <a:solidFill>
+          <a:schemeClr val="tx1">
+            <a:lumMod val="15000"/>
+            <a:lumOff val="85000"/>
+          </a:schemeClr>
+        </a:solidFill>
+        <a:round/>
+      </a:ln>
+    </cs:spPr>
+  </cs:gridlineMajor>
+  <cs:gridlineMinor>
+    <cs:lnRef idx="0"/>
+    <cs:fillRef idx="0"/>
+    <cs:effectRef idx="0"/>
+    <cs:fontRef idx="minor">
+      <a:schemeClr val="tx1"/>
+    </cs:fontRef>
+    <cs:spPr>
+      <a:ln w="9525" cap="flat" cmpd="sng" algn="ctr">
+        <a:solidFill>
+          <a:schemeClr val="tx1">
+            <a:lumMod val="5000"/>
+            <a:lumOff val="95000"/>
+          </a:schemeClr>
+        </a:solidFill>
+        <a:round/>
+      </a:ln>
+    </cs:spPr>
+  </cs:gridlineMinor>
+  <cs:hiLoLine>
+    <cs:lnRef idx="0"/>
+    <cs:fillRef idx="0"/>
+    <cs:effectRef idx="0"/>
+    <cs:fontRef idx="minor">
+      <a:schemeClr val="tx1"/>
+    </cs:fontRef>
+    <cs:spPr>
+      <a:ln w="9525" cap="flat" cmpd="sng" algn="ctr">
+        <a:solidFill>
+          <a:schemeClr val="tx1">
+            <a:lumMod val="50000"/>
+            <a:lumOff val="50000"/>
+          </a:schemeClr>
+        </a:solidFill>
+        <a:round/>
+      </a:ln>
+    </cs:spPr>
+  </cs:hiLoLine>
+  <cs:leaderLine>
+    <cs:lnRef idx="0"/>
+    <cs:fillRef idx="0"/>
+    <cs:effectRef idx="0"/>
+    <cs:fontRef idx="minor">
+      <a:schemeClr val="tx1"/>
+    </cs:fontRef>
+    <cs:spPr>
+      <a:ln w="9525" cap="flat" cmpd="sng" algn="ctr">
+        <a:solidFill>
+          <a:schemeClr val="tx1">
+            <a:lumMod val="35000"/>
+            <a:lumOff val="65000"/>
+          </a:schemeClr>
+        </a:solidFill>
+        <a:round/>
+      </a:ln>
+    </cs:spPr>
+  </cs:leaderLine>
+  <cs:legend>
+    <cs:lnRef idx="0"/>
+    <cs:fillRef idx="0"/>
+    <cs:effectRef idx="0"/>
+    <cs:fontRef idx="minor">
+      <a:schemeClr val="tx1">
+        <a:lumMod val="65000"/>
+        <a:lumOff val="35000"/>
+      </a:schemeClr>
+    </cs:fontRef>
+    <cs:defRPr sz="1197" kern="1200"/>
+  </cs:legend>
+  <cs:plotArea mods="allowNoFillOverride allowNoLineOverride">
+    <cs:lnRef idx="0"/>
+    <cs:fillRef idx="0"/>
+    <cs:effectRef idx="0"/>
+    <cs:fontRef idx="minor">
+      <a:schemeClr val="tx1"/>
+    </cs:fontRef>
+  </cs:plotArea>
+  <cs:plotArea3D mods="allowNoFillOverride allowNoLineOverride">
+    <cs:lnRef idx="0"/>
+    <cs:fillRef idx="0"/>
+    <cs:effectRef idx="0"/>
+    <cs:fontRef idx="minor">
+      <a:schemeClr val="tx1"/>
+    </cs:fontRef>
+  </cs:plotArea3D>
+  <cs:seriesAxis>
+    <cs:lnRef idx="0"/>
+    <cs:fillRef idx="0"/>
+    <cs:effectRef idx="0"/>
+    <cs:fontRef idx="minor">
+      <a:schemeClr val="tx1">
+        <a:lumMod val="65000"/>
+        <a:lumOff val="35000"/>
+      </a:schemeClr>
+    </cs:fontRef>
+    <cs:defRPr sz="1197" kern="1200"/>
+  </cs:seriesAxis>
+  <cs:seriesLine>
+    <cs:lnRef idx="0"/>
+    <cs:fillRef idx="0"/>
+    <cs:effectRef idx="0"/>
+    <cs:fontRef idx="minor">
+      <a:schemeClr val="tx1"/>
+    </cs:fontRef>
+    <cs:spPr>
+      <a:ln w="9525" cap="flat" cmpd="sng" algn="ctr">
+        <a:solidFill>
+          <a:schemeClr val="tx1">
+            <a:lumMod val="35000"/>
+            <a:lumOff val="65000"/>
+          </a:schemeClr>
+        </a:solidFill>
+        <a:round/>
+      </a:ln>
+    </cs:spPr>
+  </cs:seriesLine>
+  <cs:title>
+    <cs:lnRef idx="0"/>
+    <cs:fillRef idx="0"/>
+    <cs:effectRef idx="0"/>
+    <cs:fontRef idx="minor">
+      <a:schemeClr val="tx1">
+        <a:lumMod val="65000"/>
+        <a:lumOff val="35000"/>
+      </a:schemeClr>
+    </cs:fontRef>
+    <cs:defRPr sz="1862" b="0" kern="1200" spc="0" baseline="0"/>
+  </cs:title>
+  <cs:trendline>
+    <cs:lnRef idx="0">
+      <cs:styleClr val="auto"/>
+    </cs:lnRef>
+    <cs:fillRef idx="0"/>
+    <cs:effectRef idx="0"/>
+    <cs:fontRef idx="minor">
+      <a:schemeClr val="tx1"/>
+    </cs:fontRef>
+    <cs:spPr>
+      <a:ln w="19050" cap="rnd">
+        <a:solidFill>
+          <a:schemeClr val="phClr"/>
+        </a:solidFill>
+        <a:prstDash val="sysDot"/>
+      </a:ln>
+    </cs:spPr>
+  </cs:trendline>
+  <cs:trendlineLabel>
+    <cs:lnRef idx="0"/>
+    <cs:fillRef idx="0"/>
+    <cs:effectRef idx="0"/>
+    <cs:fontRef idx="minor">
+      <a:schemeClr val="tx1">
+        <a:lumMod val="65000"/>
+        <a:lumOff val="35000"/>
+      </a:schemeClr>
+    </cs:fontRef>
+    <cs:defRPr sz="1197" kern="1200"/>
+  </cs:trendlineLabel>
+  <cs:upBar>
+    <cs:lnRef idx="0"/>
+    <cs:fillRef idx="0"/>
+    <cs:effectRef idx="0"/>
+    <cs:fontRef idx="minor">
+      <a:schemeClr val="tx1"/>
+    </cs:fontRef>
+    <cs:spPr>
+      <a:solidFill>
+        <a:schemeClr val="lt1"/>
+      </a:solidFill>
+      <a:ln w="9525" cap="flat" cmpd="sng" algn="ctr">
+        <a:solidFill>
+          <a:schemeClr val="tx1">
+            <a:lumMod val="65000"/>
+            <a:lumOff val="35000"/>
+          </a:schemeClr>
+        </a:solidFill>
+        <a:round/>
+      </a:ln>
+    </cs:spPr>
+  </cs:upBar>
+  <cs:valueAxis>
+    <cs:lnRef idx="0"/>
+    <cs:fillRef idx="0"/>
+    <cs:effectRef idx="0"/>
+    <cs:fontRef idx="minor">
+      <a:schemeClr val="tx1">
+        <a:lumMod val="65000"/>
+        <a:lumOff val="35000"/>
+      </a:schemeClr>
+    </cs:fontRef>
+    <cs:defRPr sz="1197" kern="1200"/>
+  </cs:valueAxis>
+  <cs:wall>
+    <cs:lnRef idx="0"/>
+    <cs:fillRef idx="0"/>
+    <cs:effectRef idx="0"/>
+    <cs:fontRef idx="minor">
+      <a:schemeClr val="tx1"/>
+    </cs:fontRef>
+    <cs:spPr>
+      <a:noFill/>
+      <a:ln>
+        <a:noFill/>
+      </a:ln>
+    </cs:spPr>
+  </cs:wall>
+</cs:chartStyle>
+</file>
+
+<file path=ppt/charts/style2.xml><?xml version="1.0" encoding="utf-8"?>
+<cs:chartStyle xmlns:cs="http://schemas.microsoft.com/office/drawing/2012/chartStyle" xmlns:a="http://schemas.openxmlformats.org/drawingml/2006/main" id="251">
+  <cs:axisTitle>
+    <cs:lnRef idx="0"/>
+    <cs:fillRef idx="0"/>
+    <cs:effectRef idx="0"/>
+    <cs:fontRef idx="minor">
+      <a:schemeClr val="tx1">
+        <a:lumMod val="65000"/>
+        <a:lumOff val="35000"/>
+      </a:schemeClr>
+    </cs:fontRef>
+    <cs:defRPr sz="1330" kern="1200"/>
+  </cs:axisTitle>
+  <cs:categoryAxis>
+    <cs:lnRef idx="0"/>
+    <cs:fillRef idx="0"/>
+    <cs:effectRef idx="0"/>
+    <cs:fontRef idx="minor">
+      <a:schemeClr val="tx1">
+        <a:lumMod val="65000"/>
+        <a:lumOff val="35000"/>
+      </a:schemeClr>
+    </cs:fontRef>
+    <cs:spPr>
+      <a:ln w="9525" cap="flat" cmpd="sng" algn="ctr">
+        <a:solidFill>
+          <a:schemeClr val="tx1">
+            <a:lumMod val="15000"/>
+            <a:lumOff val="85000"/>
+          </a:schemeClr>
+        </a:solidFill>
+        <a:round/>
+      </a:ln>
+    </cs:spPr>
+    <cs:defRPr sz="1197" kern="1200"/>
+  </cs:categoryAxis>
+  <cs:chartArea mods="allowNoFillOverride allowNoLineOverride">
+    <cs:lnRef idx="0"/>
+    <cs:fillRef idx="0"/>
+    <cs:effectRef idx="0"/>
+    <cs:fontRef idx="minor">
+      <a:schemeClr val="tx1"/>
+    </cs:fontRef>
+    <cs:spPr>
+      <a:solidFill>
+        <a:schemeClr val="bg1"/>
+      </a:solidFill>
+      <a:ln w="9525" cap="flat" cmpd="sng" algn="ctr">
+        <a:solidFill>
+          <a:schemeClr val="tx1">
+            <a:lumMod val="15000"/>
+            <a:lumOff val="85000"/>
+          </a:schemeClr>
+        </a:solidFill>
+        <a:round/>
+      </a:ln>
+    </cs:spPr>
+    <cs:defRPr sz="1197" kern="1200"/>
+  </cs:chartArea>
+  <cs:dataLabel>
+    <cs:lnRef idx="0"/>
+    <cs:fillRef idx="0"/>
+    <cs:effectRef idx="0"/>
+    <cs:fontRef idx="minor">
+      <a:schemeClr val="tx1">
+        <a:lumMod val="75000"/>
+        <a:lumOff val="25000"/>
+      </a:schemeClr>
+    </cs:fontRef>
+    <cs:defRPr sz="1197" kern="1200"/>
+  </cs:dataLabel>
+  <cs:dataLabelCallout>
+    <cs:lnRef idx="0"/>
+    <cs:fillRef idx="0"/>
+    <cs:effectRef idx="0"/>
+    <cs:fontRef idx="minor">
+      <a:schemeClr val="dk1">
+        <a:lumMod val="65000"/>
+        <a:lumOff val="35000"/>
+      </a:schemeClr>
+    </cs:fontRef>
+    <cs:spPr>
+      <a:solidFill>
+        <a:schemeClr val="lt1"/>
+      </a:solidFill>
+      <a:ln>
+        <a:solidFill>
+          <a:schemeClr val="dk1">
+            <a:lumMod val="25000"/>
+            <a:lumOff val="75000"/>
+          </a:schemeClr>
+        </a:solidFill>
+      </a:ln>
+    </cs:spPr>
+    <cs:defRPr sz="1197" kern="1200"/>
+    <cs:bodyPr rot="0" spcFirstLastPara="1" vertOverflow="clip" horzOverflow="clip" vert="horz" wrap="square" lIns="36576" tIns="18288" rIns="36576" bIns="18288" anchor="ctr" anchorCtr="1">
+      <a:spAutoFit/>
+    </cs:bodyPr>
+  </cs:dataLabelCallout>
+  <cs:dataPoint>
+    <cs:lnRef idx="0"/>
+    <cs:fillRef idx="1">
+      <cs:styleClr val="auto"/>
+    </cs:fillRef>
+    <cs:effectRef idx="0"/>
+    <cs:fontRef idx="minor">
+      <a:schemeClr val="tx1"/>
+    </cs:fontRef>
+    <cs:spPr>
+      <a:ln w="19050">
+        <a:solidFill>
+          <a:schemeClr val="lt1"/>
+        </a:solidFill>
+      </a:ln>
+    </cs:spPr>
+  </cs:dataPoint>
+  <cs:dataPoint3D>
+    <cs:lnRef idx="0"/>
+    <cs:fillRef idx="1">
+      <cs:styleClr val="auto"/>
+    </cs:fillRef>
+    <cs:effectRef idx="0"/>
+    <cs:fontRef idx="minor">
+      <a:schemeClr val="tx1"/>
+    </cs:fontRef>
+    <cs:spPr>
+      <a:ln w="25400">
+        <a:solidFill>
+          <a:schemeClr val="lt1"/>
+        </a:solidFill>
+      </a:ln>
+    </cs:spPr>
+  </cs:dataPoint3D>
+  <cs:dataPointLine>
+    <cs:lnRef idx="0">
+      <cs:styleClr val="auto"/>
+    </cs:lnRef>
+    <cs:fillRef idx="0"/>
+    <cs:effectRef idx="0"/>
+    <cs:fontRef idx="minor">
+      <a:schemeClr val="tx1"/>
+    </cs:fontRef>
+    <cs:spPr>
+      <a:ln w="28575" cap="rnd">
+        <a:solidFill>
+          <a:schemeClr val="phClr"/>
+        </a:solidFill>
+        <a:round/>
+      </a:ln>
+    </cs:spPr>
+  </cs:dataPointLine>
+  <cs:dataPointMarker>
+    <cs:lnRef idx="0">
+      <cs:styleClr val="auto"/>
+    </cs:lnRef>
+    <cs:fillRef idx="1">
+      <cs:styleClr val="auto"/>
+    </cs:fillRef>
+    <cs:effectRef idx="0"/>
+    <cs:fontRef idx="minor">
+      <a:schemeClr val="tx1"/>
+    </cs:fontRef>
+    <cs:spPr>
+      <a:ln w="9525">
+        <a:solidFill>
+          <a:schemeClr val="phClr"/>
+        </a:solidFill>
+      </a:ln>
+    </cs:spPr>
+  </cs:dataPointMarker>
+  <cs:dataPointMarkerLayout symbol="circle" size="5"/>
+  <cs:dataPointWireframe>
+    <cs:lnRef idx="0">
+      <cs:styleClr val="auto"/>
+    </cs:lnRef>
+    <cs:fillRef idx="0"/>
+    <cs:effectRef idx="0"/>
+    <cs:fontRef idx="minor">
+      <a:schemeClr val="tx1"/>
+    </cs:fontRef>
+    <cs:spPr>
+      <a:ln w="9525" cap="rnd">
+        <a:solidFill>
+          <a:schemeClr val="phClr"/>
+        </a:solidFill>
+        <a:round/>
+      </a:ln>
+    </cs:spPr>
+  </cs:dataPointWireframe>
+  <cs:dataTable>
+    <cs:lnRef idx="0"/>
+    <cs:fillRef idx="0"/>
+    <cs:effectRef idx="0"/>
+    <cs:fontRef idx="minor">
+      <a:schemeClr val="tx1">
+        <a:lumMod val="65000"/>
+        <a:lumOff val="35000"/>
+      </a:schemeClr>
+    </cs:fontRef>
+    <cs:spPr>
+      <a:noFill/>
+      <a:ln w="9525" cap="flat" cmpd="sng" algn="ctr">
+        <a:solidFill>
+          <a:schemeClr val="tx1">
+            <a:lumMod val="15000"/>
+            <a:lumOff val="85000"/>
+          </a:schemeClr>
+        </a:solidFill>
+        <a:round/>
+      </a:ln>
+    </cs:spPr>
+    <cs:defRPr sz="1197" kern="1200"/>
+  </cs:dataTable>
+  <cs:downBar>
+    <cs:lnRef idx="0"/>
+    <cs:fillRef idx="0"/>
+    <cs:effectRef idx="0"/>
+    <cs:fontRef idx="minor">
+      <a:schemeClr val="tx1"/>
+    </cs:fontRef>
+    <cs:spPr>
+      <a:solidFill>
+        <a:schemeClr val="dk1">
+          <a:lumMod val="75000"/>
+          <a:lumOff val="25000"/>
+        </a:schemeClr>
+      </a:solidFill>
+      <a:ln w="9525" cap="flat" cmpd="sng" algn="ctr">
+        <a:solidFill>
+          <a:schemeClr val="tx1">
+            <a:lumMod val="65000"/>
+            <a:lumOff val="35000"/>
+          </a:schemeClr>
+        </a:solidFill>
+        <a:round/>
+      </a:ln>
+    </cs:spPr>
+  </cs:downBar>
+  <cs:dropLine>
+    <cs:lnRef idx="0"/>
+    <cs:fillRef idx="0"/>
+    <cs:effectRef idx="0"/>
+    <cs:fontRef idx="minor">
+      <a:schemeClr val="tx1"/>
+    </cs:fontRef>
+    <cs:spPr>
+      <a:ln w="9525" cap="flat" cmpd="sng" algn="ctr">
+        <a:solidFill>
+          <a:schemeClr val="tx1">
+            <a:lumMod val="35000"/>
+            <a:lumOff val="65000"/>
+          </a:schemeClr>
+        </a:solidFill>
+        <a:round/>
+      </a:ln>
+    </cs:spPr>
+  </cs:dropLine>
+  <cs:errorBar>
+    <cs:lnRef idx="0"/>
+    <cs:fillRef idx="0"/>
+    <cs:effectRef idx="0"/>
+    <cs:fontRef idx="minor">
+      <a:schemeClr val="tx1"/>
+    </cs:fontRef>
+    <cs:spPr>
+      <a:ln w="9525" cap="flat" cmpd="sng" algn="ctr">
+        <a:solidFill>
+          <a:schemeClr val="tx1">
+            <a:lumMod val="65000"/>
+            <a:lumOff val="35000"/>
+          </a:schemeClr>
+        </a:solidFill>
+        <a:round/>
+      </a:ln>
+    </cs:spPr>
+  </cs:errorBar>
+  <cs:floor>
+    <cs:lnRef idx="0"/>
+    <cs:fillRef idx="0"/>
+    <cs:effectRef idx="0"/>
+    <cs:fontRef idx="minor">
+      <a:schemeClr val="tx1"/>
+    </cs:fontRef>
+    <cs:spPr>
+      <a:noFill/>
+      <a:ln>
+        <a:noFill/>
+      </a:ln>
+    </cs:spPr>
+  </cs:floor>
+  <cs:gridlineMajor>
+    <cs:lnRef idx="0"/>
+    <cs:fillRef idx="0"/>
+    <cs:effectRef idx="0"/>
+    <cs:fontRef idx="minor">
+      <a:schemeClr val="tx1"/>
+    </cs:fontRef>
+    <cs:spPr>
+      <a:ln w="9525" cap="flat" cmpd="sng" algn="ctr">
+        <a:solidFill>
+          <a:schemeClr val="tx1">
+            <a:lumMod val="15000"/>
+            <a:lumOff val="85000"/>
+          </a:schemeClr>
+        </a:solidFill>
+        <a:round/>
+      </a:ln>
+    </cs:spPr>
+  </cs:gridlineMajor>
+  <cs:gridlineMinor>
+    <cs:lnRef idx="0"/>
+    <cs:fillRef idx="0"/>
+    <cs:effectRef idx="0"/>
+    <cs:fontRef idx="minor">
+      <a:schemeClr val="tx1"/>
+    </cs:fontRef>
+    <cs:spPr>
+      <a:ln w="9525" cap="flat" cmpd="sng" algn="ctr">
+        <a:solidFill>
+          <a:schemeClr val="tx1">
+            <a:lumMod val="5000"/>
+            <a:lumOff val="95000"/>
+          </a:schemeClr>
+        </a:solidFill>
+        <a:round/>
+      </a:ln>
+    </cs:spPr>
+  </cs:gridlineMinor>
+  <cs:hiLoLine>
+    <cs:lnRef idx="0"/>
+    <cs:fillRef idx="0"/>
+    <cs:effectRef idx="0"/>
+    <cs:fontRef idx="minor">
+      <a:schemeClr val="tx1"/>
+    </cs:fontRef>
+    <cs:spPr>
+      <a:ln w="9525" cap="flat" cmpd="sng" algn="ctr">
+        <a:solidFill>
+          <a:schemeClr val="tx1">
+            <a:lumMod val="50000"/>
+            <a:lumOff val="50000"/>
+          </a:schemeClr>
+        </a:solidFill>
+        <a:round/>
+      </a:ln>
+    </cs:spPr>
+  </cs:hiLoLine>
+  <cs:leaderLine>
+    <cs:lnRef idx="0"/>
+    <cs:fillRef idx="0"/>
+    <cs:effectRef idx="0"/>
+    <cs:fontRef idx="minor">
+      <a:schemeClr val="tx1"/>
+    </cs:fontRef>
+    <cs:spPr>
+      <a:ln w="9525" cap="flat" cmpd="sng" algn="ctr">
+        <a:solidFill>
+          <a:schemeClr val="tx1">
+            <a:lumMod val="35000"/>
+            <a:lumOff val="65000"/>
+          </a:schemeClr>
+        </a:solidFill>
+        <a:round/>
+      </a:ln>
+    </cs:spPr>
+  </cs:leaderLine>
+  <cs:legend>
+    <cs:lnRef idx="0"/>
+    <cs:fillRef idx="0"/>
+    <cs:effectRef idx="0"/>
+    <cs:fontRef idx="minor">
+      <a:schemeClr val="tx1">
+        <a:lumMod val="65000"/>
+        <a:lumOff val="35000"/>
+      </a:schemeClr>
+    </cs:fontRef>
+    <cs:defRPr sz="1197" kern="1200"/>
+  </cs:legend>
+  <cs:plotArea mods="allowNoFillOverride allowNoLineOverride">
+    <cs:lnRef idx="0"/>
+    <cs:fillRef idx="0"/>
+    <cs:effectRef idx="0"/>
+    <cs:fontRef idx="minor">
+      <a:schemeClr val="tx1"/>
+    </cs:fontRef>
+  </cs:plotArea>
+  <cs:plotArea3D mods="allowNoFillOverride allowNoLineOverride">
+    <cs:lnRef idx="0"/>
+    <cs:fillRef idx="0"/>
+    <cs:effectRef idx="0"/>
+    <cs:fontRef idx="minor">
+      <a:schemeClr val="tx1"/>
+    </cs:fontRef>
+  </cs:plotArea3D>
+  <cs:seriesAxis>
+    <cs:lnRef idx="0"/>
+    <cs:fillRef idx="0"/>
+    <cs:effectRef idx="0"/>
+    <cs:fontRef idx="minor">
+      <a:schemeClr val="tx1">
+        <a:lumMod val="65000"/>
+        <a:lumOff val="35000"/>
+      </a:schemeClr>
+    </cs:fontRef>
+    <cs:defRPr sz="1197" kern="1200"/>
+  </cs:seriesAxis>
+  <cs:seriesLine>
+    <cs:lnRef idx="0"/>
+    <cs:fillRef idx="0"/>
+    <cs:effectRef idx="0"/>
+    <cs:fontRef idx="minor">
+      <a:schemeClr val="tx1"/>
+    </cs:fontRef>
+    <cs:spPr>
+      <a:ln w="9525" cap="flat" cmpd="sng" algn="ctr">
+        <a:solidFill>
+          <a:schemeClr val="tx1">
+            <a:lumMod val="35000"/>
+            <a:lumOff val="65000"/>
+          </a:schemeClr>
+        </a:solidFill>
+        <a:round/>
+      </a:ln>
+    </cs:spPr>
+  </cs:seriesLine>
+  <cs:title>
+    <cs:lnRef idx="0"/>
+    <cs:fillRef idx="0"/>
+    <cs:effectRef idx="0"/>
+    <cs:fontRef idx="minor">
+      <a:schemeClr val="tx1">
+        <a:lumMod val="65000"/>
+        <a:lumOff val="35000"/>
+      </a:schemeClr>
+    </cs:fontRef>
+    <cs:defRPr sz="1862" b="0" kern="1200" spc="0" baseline="0"/>
+  </cs:title>
+  <cs:trendline>
+    <cs:lnRef idx="0">
+      <cs:styleClr val="auto"/>
+    </cs:lnRef>
+    <cs:fillRef idx="0"/>
+    <cs:effectRef idx="0"/>
+    <cs:fontRef idx="minor">
+      <a:schemeClr val="tx1"/>
+    </cs:fontRef>
+    <cs:spPr>
+      <a:ln w="19050" cap="rnd">
+        <a:solidFill>
+          <a:schemeClr val="phClr"/>
+        </a:solidFill>
+        <a:prstDash val="sysDot"/>
+      </a:ln>
+    </cs:spPr>
+  </cs:trendline>
+  <cs:trendlineLabel>
+    <cs:lnRef idx="0"/>
+    <cs:fillRef idx="0"/>
+    <cs:effectRef idx="0"/>
+    <cs:fontRef idx="minor">
+      <a:schemeClr val="tx1">
+        <a:lumMod val="65000"/>
+        <a:lumOff val="35000"/>
+      </a:schemeClr>
+    </cs:fontRef>
+    <cs:defRPr sz="1197" kern="1200"/>
+  </cs:trendlineLabel>
+  <cs:upBar>
+    <cs:lnRef idx="0"/>
+    <cs:fillRef idx="0"/>
+    <cs:effectRef idx="0"/>
+    <cs:fontRef idx="minor">
+      <a:schemeClr val="tx1"/>
+    </cs:fontRef>
+    <cs:spPr>
+      <a:solidFill>
+        <a:schemeClr val="lt1"/>
+      </a:solidFill>
+      <a:ln w="9525" cap="flat" cmpd="sng" algn="ctr">
+        <a:solidFill>
+          <a:schemeClr val="tx1">
+            <a:lumMod val="65000"/>
+            <a:lumOff val="35000"/>
+          </a:schemeClr>
+        </a:solidFill>
+        <a:round/>
+      </a:ln>
+    </cs:spPr>
+  </cs:upBar>
+  <cs:valueAxis>
+    <cs:lnRef idx="0"/>
+    <cs:fillRef idx="0"/>
+    <cs:effectRef idx="0"/>
+    <cs:fontRef idx="minor">
+      <a:schemeClr val="tx1">
+        <a:lumMod val="65000"/>
+        <a:lumOff val="35000"/>
+      </a:schemeClr>
+    </cs:fontRef>
+    <cs:defRPr sz="1197" kern="1200"/>
+  </cs:valueAxis>
+  <cs:wall>
+    <cs:lnRef idx="0"/>
+    <cs:fillRef idx="0"/>
+    <cs:effectRef idx="0"/>
+    <cs:fontRef idx="minor">
+      <a:schemeClr val="tx1"/>
+    </cs:fontRef>
+    <cs:spPr>
+      <a:noFill/>
+      <a:ln>
+        <a:noFill/>
+      </a:ln>
+    </cs:spPr>
+  </cs:wall>
+</cs:chartStyle>
 </file>
 
 <file path=ppt/ink/ink1.xml><?xml version="1.0" encoding="utf-8"?>
@@ -783,6 +2465,284 @@
 </inkml:ink>
 </file>
 
+<file path=ppt/ink/ink120.xml><?xml version="1.0" encoding="utf-8"?>
+<inkml:ink xmlns:inkml="http://www.w3.org/2003/InkML">
+  <inkml:definitions>
+    <inkml:context xml:id="ctx0">
+      <inkml:inkSource xml:id="inkSrc0">
+        <inkml:traceFormat>
+          <inkml:channel name="X" type="integer" min="-2.14748E9" max="2.14748E9" units="cm"/>
+          <inkml:channel name="Y" type="integer" min="-2.14748E9" max="2.14748E9" units="cm"/>
+          <inkml:channel name="F" type="integer" max="32767" units="dev"/>
+        </inkml:traceFormat>
+        <inkml:channelProperties>
+          <inkml:channelProperty channel="X" name="resolution" value="1000" units="1/cm"/>
+          <inkml:channelProperty channel="Y" name="resolution" value="1000" units="1/cm"/>
+          <inkml:channelProperty channel="F" name="resolution" value="0" units="1/dev"/>
+        </inkml:channelProperties>
+      </inkml:inkSource>
+      <inkml:timestamp xml:id="ts0" timeString="2024-11-26T18:45:18.642"/>
+    </inkml:context>
+    <inkml:brush xml:id="br0">
+      <inkml:brushProperty name="width" value="0.035" units="cm"/>
+      <inkml:brushProperty name="height" value="0.035" units="cm"/>
+    </inkml:brush>
+  </inkml:definitions>
+  <inkml:trace contextRef="#ctx0" brushRef="#br0">1247 586 24575,'0'2'0,"-1"1"0,1-1 0,-1 0 0,0 1 0,0-1 0,0 0 0,0 0 0,0 0 0,-1 0 0,1 0 0,0 0 0,-1 0 0,0 0 0,1-1 0,-1 1 0,0-1 0,0 1 0,-3 1 0,-41 23 0,41-24 0,-34 21 0,-50 36 0,25-16 0,18-8 0,1 2 0,2 1 0,-62 72 0,27-28 0,-194 196 0,215-219 0,-75 89 0,115-126 0,-18 24 0,-55 94 0,81-122 0,0 1 0,2-1 0,0 2 0,1-1 0,1 1 0,1-1 0,0 1 0,2 1 0,-1 23 0,3 13 0,3 124 0,-1-170 0,0 1 0,1-1 0,0 0 0,1 0 0,0 0 0,1-1 0,0 1 0,7 10 0,59 79 0,-49-72 0,14 15-177,3-2-1,1-1 0,2-2 0,2-2 1,93 59-1,-48-44 178,1-4 0,149 54 0,-181-81 0,0-3 0,1-2 0,1-3 0,97 7 0,246-12 0,-245-9 0,-103 0-182,0-3 0,-1-1 0,101-27 0,153-67-713,-256 82 866,492-200 29,-62-52-1957,-419 230 1873,29-18-466,128-108 0,-111 73 577,-51 46 10,-2-2-1,-3-2 1,86-107 0,-112 122 406,-2-2-1,-1-1 1,-2-1 0,-2-1 0,-1-1 0,16-55 0,-11 18 648,-13 48-908,-2 0-1,-1-1 0,-1 0 0,4-65 1,-10 72-111,-1 0 1,-2 0 0,-6-36 0,5 50-47,0 1 1,-1-1-1,0 1 1,0 0-1,-1 0 1,-1 0-1,0 1 1,0 0-1,0 0 1,-11-10-1,-5-6-26,13 13 0,-1 1 0,-1 0 0,0 0 0,0 1 0,-1 1 0,0 0 0,-16-9 0,-2 3 0,2-1 0,-1 2 0,0 0 0,-1 2 0,-1 1 0,0 2 0,-62-11 0,-10 7-147,38 4-70,-80 0 0,129 9 214,-185 7-309,169-3 255,1 1 0,-1 1 1,1 2-1,-39 15 0,-18 12 57,2 4 0,-137 85 0,196-105 57,1 0-1,1 2 0,1 1 0,1 0 0,0 2 1,2 1-1,1 0 0,1 2 0,1 0 0,2 1 0,0 1 1,2 0-1,1 1 0,2 1 0,1 0 0,1 0 1,1 1-1,2 0 0,2 0 0,-2 57 0,6-75-56,0 6 0,0 0 0,2 0 0,0 0 0,9 36 0,-9-50 0,0 0 0,1 0 0,0 0 0,0 0 0,1-1 0,-1 1 0,1-1 0,0 0 0,1 0 0,-1 0 0,1-1 0,0 1 0,0-1 0,0 0 0,1-1 0,-1 1 0,1-1 0,10 4 0,-4-2 0,0-1 0,-1-1 0,1 0 0,0 0 0,1-1 0,-1 0 0,0-1 0,0-1 0,1 0 0,-1-1 0,0 0 0,1-1 0,-1 0 0,0-1 0,0 0 0,0-1 0,-1 0 0,0-1 0,20-11 0,26-25 0,-14 11 0,73-67 0,-91 72 0,0-2 0,-2 0 0,-1-1 0,-2-1 0,-1-1 0,-1-1 0,23-51 0,-11-6-147,-4 0-1,-4-2 1,-3 0 0,8-120-1,-27 208 148,5-31 0,-2 0 0,-1 1 0,-2-1 0,-1 0 0,-8-46 0,1 58 106,-1 0-1,-1 1 0,0 0 0,-2 1 1,0 0-1,-28-32 0,22 32-105,0 1 0,-1 1 0,-1 0 0,0 2 0,-1 0 0,-1 1 0,0 1 0,-38-15 0,-11 0 0,-117-29 0,165 52 0,-1 0 0,0 1 0,0 2 0,0 0 0,-1 2 0,1 1 0,0 0 0,0 2 0,0 1 0,-23 7 0,32-7 0,1 0 0,0 1 0,0 1 0,1 0 0,0 1 0,0 1 0,0 0 0,1 0 0,1 1 0,-1 1 0,1 0 0,1 0 0,0 1 0,0 1 0,1 0 0,1 0 0,-11 20 0,14-20 0,0 0 0,2 0 0,-1 0 0,1 0 0,1 1 0,1-1 0,-1 16 0,5 95 0,0-45 0,-3 133-1365,0-188-5461</inkml:trace>
+</inkml:ink>
+</file>
+
+<file path=ppt/ink/ink121.xml><?xml version="1.0" encoding="utf-8"?>
+<inkml:ink xmlns:inkml="http://www.w3.org/2003/InkML">
+  <inkml:definitions>
+    <inkml:context xml:id="ctx0">
+      <inkml:inkSource xml:id="inkSrc0">
+        <inkml:traceFormat>
+          <inkml:channel name="X" type="integer" min="-2.14748E9" max="2.14748E9" units="cm"/>
+          <inkml:channel name="Y" type="integer" min="-2.14748E9" max="2.14748E9" units="cm"/>
+          <inkml:channel name="F" type="integer" max="32767" units="dev"/>
+        </inkml:traceFormat>
+        <inkml:channelProperties>
+          <inkml:channelProperty channel="X" name="resolution" value="1000" units="1/cm"/>
+          <inkml:channelProperty channel="Y" name="resolution" value="1000" units="1/cm"/>
+          <inkml:channelProperty channel="F" name="resolution" value="0" units="1/dev"/>
+        </inkml:channelProperties>
+      </inkml:inkSource>
+      <inkml:timestamp xml:id="ts0" timeString="2024-11-26T18:45:18.643"/>
+    </inkml:context>
+    <inkml:brush xml:id="br0">
+      <inkml:brushProperty name="width" value="0.1" units="cm"/>
+      <inkml:brushProperty name="height" value="0.1" units="cm"/>
+    </inkml:brush>
+  </inkml:definitions>
+  <inkml:trace contextRef="#ctx0" brushRef="#br0">223 1 24575,'-4'1'0,"0"1"0,0 0 0,0 0 0,0 0 0,1 0 0,-1 1 0,1-1 0,0 1 0,-1 0 0,1 0 0,-3 4 0,-12 10 0,7-8 17,1 1 0,-1 0 1,2 0-1,-1 1 0,-12 21 0,15-21-180,0-1 0,0-1 0,-1 1 0,0-1-1,-1 0 1,0-1 0,-1 0 0,-11 7 0</inkml:trace>
+</inkml:ink>
+</file>
+
+<file path=ppt/ink/ink122.xml><?xml version="1.0" encoding="utf-8"?>
+<inkml:ink xmlns:inkml="http://www.w3.org/2003/InkML">
+  <inkml:definitions>
+    <inkml:context xml:id="ctx0">
+      <inkml:inkSource xml:id="inkSrc0">
+        <inkml:traceFormat>
+          <inkml:channel name="X" type="integer" min="-2.14748E9" max="2.14748E9" units="cm"/>
+          <inkml:channel name="Y" type="integer" min="-2.14748E9" max="2.14748E9" units="cm"/>
+          <inkml:channel name="F" type="integer" max="32767" units="dev"/>
+        </inkml:traceFormat>
+        <inkml:channelProperties>
+          <inkml:channelProperty channel="X" name="resolution" value="1000" units="1/cm"/>
+          <inkml:channelProperty channel="Y" name="resolution" value="1000" units="1/cm"/>
+          <inkml:channelProperty channel="F" name="resolution" value="0" units="1/dev"/>
+        </inkml:channelProperties>
+      </inkml:inkSource>
+      <inkml:timestamp xml:id="ts0" timeString="2024-11-26T18:45:18.644"/>
+    </inkml:context>
+    <inkml:brush xml:id="br0">
+      <inkml:brushProperty name="width" value="0.1" units="cm"/>
+      <inkml:brushProperty name="height" value="0.1" units="cm"/>
+      <inkml:brushProperty name="color" value="#333333"/>
+    </inkml:brush>
+  </inkml:definitions>
+  <inkml:trace contextRef="#ctx0" brushRef="#br0">3769 1764 24575,'-81'20'0,"-280"3"0,169-10 0,114-5 0,0 2 0,37-5 0,-52 2 0,36-8 0,-1 3 0,2 3 0,-82 17 0,86-12 0,20-3 0,-50 15 0,29-4 0,26-10 0,-45 21 0,64-25 0,-1 1 0,1 1 0,-1-1 0,1 1 0,1 1 0,0 0 0,-1 0 0,-9 14 0,10-11 0,1 0 0,0 1 0,1 0 0,1 0 0,0 1 0,0-1 0,1 1 0,0 0 0,1 0 0,1 0 0,0 0 0,0 0 0,1 0 0,1 0 0,2 17 0,1-4 0,1-1 0,1 0 0,1 0 0,1-1 0,1 1 0,19 35 0,40 44 0,-63-96 0,0-1 0,0 1 0,0-1 0,0 0 0,1 0 0,0-1 0,0 0 0,1 0 0,0 0 0,-1-1 0,2 0 0,-1-1 0,0 1 0,1-1 0,-1 0 0,1-1 0,15 3 0,-6-3 0,1 0 0,0-1 0,1 0 0,-1-2 0,0 0 0,0-1 0,18-5 0,-14 0 0,0-1 0,-1-1 0,0-1 0,0-1 0,36-26 0,-11 8 0,25-14 0,-2-2 0,67-58 0,-36 22 0,-51 43 0,60-59 0,-82 70 0,-8 10 0,-2-1 0,0-1 0,-1 0 0,14-24 0,-27 39 0,-1 0 0,1 0 0,-1-1 0,0 1 0,0-1 0,-1 1 0,1-1 0,-1 0 0,0 1 0,0-1 0,-1 0 0,1 0 0,-1 0 0,0 1 0,0-1 0,-1 0 0,0 0 0,1 0 0,-2 1 0,1-1 0,0 0 0,-1 1 0,0-1 0,0 1 0,0 0 0,-1 0 0,-3-5 0,2 5 0,0-1 0,-1 1 0,0 0 0,0 1 0,0-1 0,0 1 0,-1 0 0,1 0 0,-1 1 0,0 0 0,1 0 0,-1 0 0,0 0 0,0 1 0,-7 0 0,-15-2 0,-54 1 0,70 2 0,-54 0 0,-95 5 0,142-3 0,0 1 0,0 1 0,1 1 0,-1 0 0,1 1 0,-25 13 0,10-2 0,1 0 0,1 2 0,0 1 0,2 2 0,-36 33 0,31-20 0,2 1 0,1 2 0,2 1 0,2 2 0,1 0 0,3 2 0,1 0 0,-18 53 0,31-71 0,0 0 0,2 0 0,1 1 0,1-1 0,1 1 0,2 0 0,0 34 0,3-4 0,-1-3 0,9 72 0,-6-106 0,1-1 0,1 0 0,0 0 0,1 0 0,1 0 0,1-1 0,16 26 0,-5-13 0,2 0 0,32 34 0,-41-52 0,1 1 0,0-2 0,0 0 0,1 0 0,1-2 0,28 16 0,-6-7 0,2-2 0,-1-2 0,2-1 0,-1-2 0,2-1 0,70 6 0,27-6-252,103 3-828,-202-13 945,1-3 0,-1-1 0,0-1 0,43-13 0,74-27 135,-1-7 0,163-80 0,47-56-2713,-299 146 2713,98-81 0,-117 86 0,-15 12 371,-1-2 1,0-1-1,-3-2 0,0 0 0,-2-2 0,-1-1 0,-2-1 0,-1-1 1,-2-1-1,31-76 0,-40 79-300,-2 0 0,-1-1-1,-1-1 1,-2 1 0,-2-1 0,-1 0 0,-2 0-1,-4-41 1,2 68-71,0 0 0,0 0 0,-1 0 0,0 1 0,0-1 0,-1 1 0,0 0 0,0 0 0,-1 0 0,1 1 0,-2-1 0,1 1 0,-7-6 0,-13-11 0,-48-35 0,64 51 0,-43-29-198,-2 1-1,-1 4 1,-2 1-1,-89-32 1,-249-53-2503,208 76 2000,-1 8 1,-1 9-1,-1 7 1,-224 13 0,313 8 654,0 5 1,1 5 0,-159 45 0,137-22 78,1 5-1,-165 86 1,236-104 742,-93 65 0,126-77-548,0 0 0,0 0-1,1 2 1,1 0 0,1 1-1,0 0 1,2 1 0,-14 24-1,10-12 1178,10-21-1196,1-1-1,1 1 1,-1 0 0,1 1-1,1-1 1,0 1 0,0-1-1,1 1 1,0 0 0,0 17-1,2-18-207,0 1 0,0 0 0,1 0 0,1 0 0,0 0 0,0 0 0,1-1 0,0 1 0,1-1 0,0 0 0,0 0 0,1 0 0,0-1 0,1 1 0,-1-1 0,2-1 0,-1 1 0,1-1 0,15 12 0,-1-1-42,0-2 0,2 0 0,0-1 0,1-2 0,0 0 0,51 18 0,-22-13-56,1-3 0,77 12-1,-55-19 99,1-3 0,100-8 0,-44 0 0,-71 3 0,87-12 0,-121 8 0,0-2 0,-1-1 0,0-1 0,0-2 0,36-17 0,11-11-87,86-56-1,-138 78 66,0 0 1,-2-2-1,0 0 0,0-1 0,-2-1 0,-1-1 0,29-43 0,-34 42 150,-1-2-1,-1 1 1,0-1-1,-2-1 0,-1 0 1,-1 0-1,4-37 1,-5 9-155,-3 1 0,-7-88 0,3 126 27,0-1 0,-2 1 0,1 0 0,-2 0 0,0 0 0,-1 0 0,0 1 0,-1 0 0,0 0 0,-14-16 0,-10-11 0,-60-58 0,77 83 0,-38-34-96,-2 2 0,-2 2 0,-71-42 0,-193-96-289,208 126-88,-2 5-1,-234-72 0,57 60 474,248 56 0,-62-9-364,-168-6-1,-110 23 474,171 2-158,186 0 157,1 0-1,-1 2 1,1 0 0,0 2 0,1 1-1,-40 17 1,-135 74 1997,178-86-2105,1 1 0,1 0 0,-1 2 0,2 0 0,-29 31 0,39-38 0,1 1 0,0 0 0,1 1 0,0-1 0,0 1 0,1 1 0,0-1 0,1 1 0,0-1 0,0 1 0,1 1 0,1-1 0,-2 22 0,4-28 0,-1-1 0,1 0 0,-1 0 0,0 1 0,0-1 0,0 0 0,0 0 0,-3 5 0,4-9 0,-1 1 0,1-1 0,0 1 0,-1-1 0,1 1 0,-1-1 0,1 1 0,0-1 0,-1 1 0,1-1 0,-1 0 0,1 1 0,-1-1 0,1 0 0,-1 1 0,1-1 0,-1 0 0,1 0 0,-1 0 0,0 1 0,1-1 0,-1 0 0,1 0 0,-2 0 0,1-1 0,-1 1 0,1-1 0,0 1 0,-1-1 0,1 1 0,0-1 0,0 0 0,0 0 0,0 0 0,0 0 0,0 0 0,0 0 0,0 0 0,0 0 0,-1-2 0,-6-10 0,2 1 0,0-1 0,0 0 0,1 0 0,0-1 0,-2-15 0,-12-34 0,9 38 0,3 0 0,0-1 0,1 0 0,-4-52 0,7-108 0,4 112 0,0 66 0,0 0 0,1 0 0,0 0 0,1 1 0,0-1 0,0 1 0,0 0 0,1 0 0,0 0 0,1 0 0,-1 1 0,1-1 0,1 1 0,-1 1 0,9-8 0,27-37 0,-2-4-54,-27 38-133,0 0 0,-1-1-1,-1 0 1,0 0 0,-1-1-1,8-24 1</inkml:trace>
+</inkml:ink>
+</file>
+
+<file path=ppt/ink/ink123.xml><?xml version="1.0" encoding="utf-8"?>
+<inkml:ink xmlns:inkml="http://www.w3.org/2003/InkML">
+  <inkml:definitions>
+    <inkml:context xml:id="ctx0">
+      <inkml:inkSource xml:id="inkSrc0">
+        <inkml:traceFormat>
+          <inkml:channel name="X" type="integer" min="-2.14748E9" max="2.14748E9" units="cm"/>
+          <inkml:channel name="Y" type="integer" min="-2.14748E9" max="2.14748E9" units="cm"/>
+          <inkml:channel name="F" type="integer" max="32767" units="dev"/>
+        </inkml:traceFormat>
+        <inkml:channelProperties>
+          <inkml:channelProperty channel="X" name="resolution" value="1000" units="1/cm"/>
+          <inkml:channelProperty channel="Y" name="resolution" value="1000" units="1/cm"/>
+          <inkml:channelProperty channel="F" name="resolution" value="0" units="1/dev"/>
+        </inkml:channelProperties>
+      </inkml:inkSource>
+      <inkml:timestamp xml:id="ts0" timeString="2024-11-26T18:45:18.645"/>
+    </inkml:context>
+    <inkml:brush xml:id="br0">
+      <inkml:brushProperty name="width" value="0.1" units="cm"/>
+      <inkml:brushProperty name="height" value="0.1" units="cm"/>
+      <inkml:brushProperty name="color" value="#333333"/>
+    </inkml:brush>
+  </inkml:definitions>
+  <inkml:trace contextRef="#ctx0" brushRef="#br0">1357 7 24575,'-86'-7'0,"-7"20"0,31-11 0,46-3 0,0 1 0,0 1 0,-25 5 0,18-2 0,-1-1 0,1-1 0,-1-1 0,-42-4 0,32 1 0,-44 3 0,-140 5 0,-29-2 0,4-1 0,240-3 0,1 1 0,-1 0 0,0-1 0,1 1 0,-1 0 0,1 0 0,-1 0 0,1 1 0,-1-1 0,1 1 0,0-1 0,-1 1 0,1 0 0,0 0 0,0 0 0,1 0 0,-1 0 0,-2 4 0,7-6 0,1 0 0,-1-1 0,1 0 0,-1 1 0,1-1 0,-1 0 0,1-1 0,-1 1 0,5-3 0,4-2 0,1 0 0,0 0 0,-1 2 0,2-1 0,-1 2 0,0 0 0,1 0 0,-1 2 0,23-1 0,37 3 0,86-2 0,79-12 0,-171 11 0,71 4 0,42 1 0,-3 0 0,-164-1 0,3-2 0,-1 2 0,0 0 0,24 7 0,-33-4 0,0 0 0,0 0 0,0 1 0,0-1 0,-1 1 0,0 1 0,0-1 0,-1 1 0,0 0 0,0 0 0,3 8 0,-4-5 0,-1 0 0,-1 0 0,1 0 0,-2 0 0,1 1 0,-3 17 0,3 40 0,4-39 0,-5-21 0,1 0 0,0 0 0,1 0 0,-1-1 0,2 1 0,-1 0 0,1-1 0,0 1 0,0-1 0,1 0 0,0 0 0,1 0 0,4 5 0,52 46 0,-40-40 0,0-1 0,1 0 0,1-2 0,0-1 0,1-1 0,0-1 0,1-1 0,1-1 0,26 6 0,54 12 0,-63-16 0,0-1 0,67 7 0,-49-12 0,-23-1 0,1-3 0,61-2 0,-31-7 0,0 4 0,84 6 0,-27 11 0,86-1 0,52-7 0,-99 8 0,-85-8-1365</inkml:trace>
+</inkml:ink>
+</file>
+
+<file path=ppt/ink/ink124.xml><?xml version="1.0" encoding="utf-8"?>
+<inkml:ink xmlns:inkml="http://www.w3.org/2003/InkML">
+  <inkml:definitions>
+    <inkml:context xml:id="ctx0">
+      <inkml:inkSource xml:id="inkSrc0">
+        <inkml:traceFormat>
+          <inkml:channel name="X" type="integer" min="-2.14748E9" max="2.14748E9" units="cm"/>
+          <inkml:channel name="Y" type="integer" min="-2.14748E9" max="2.14748E9" units="cm"/>
+          <inkml:channel name="F" type="integer" max="32767" units="dev"/>
+        </inkml:traceFormat>
+        <inkml:channelProperties>
+          <inkml:channelProperty channel="X" name="resolution" value="1000" units="1/cm"/>
+          <inkml:channelProperty channel="Y" name="resolution" value="1000" units="1/cm"/>
+          <inkml:channelProperty channel="F" name="resolution" value="0" units="1/dev"/>
+        </inkml:channelProperties>
+      </inkml:inkSource>
+      <inkml:timestamp xml:id="ts0" timeString="2024-11-26T18:45:18.646"/>
+    </inkml:context>
+    <inkml:brush xml:id="br0">
+      <inkml:brushProperty name="width" value="0.1" units="cm"/>
+      <inkml:brushProperty name="height" value="0.1" units="cm"/>
+      <inkml:brushProperty name="color" value="#333333"/>
+    </inkml:brush>
+  </inkml:definitions>
+  <inkml:trace contextRef="#ctx0" brushRef="#br0">0 10 24575,'81'1'0,"77"-2"0,626-9 0,-463 13 0,-142 9 0,-173-12 0,178 3 60,-97-5-1485</inkml:trace>
+</inkml:ink>
+</file>
+
+<file path=ppt/ink/ink125.xml><?xml version="1.0" encoding="utf-8"?>
+<inkml:ink xmlns:inkml="http://www.w3.org/2003/InkML">
+  <inkml:definitions>
+    <inkml:context xml:id="ctx0">
+      <inkml:inkSource xml:id="inkSrc0">
+        <inkml:traceFormat>
+          <inkml:channel name="X" type="integer" min="-2.14748E9" max="2.14748E9" units="cm"/>
+          <inkml:channel name="Y" type="integer" min="-2.14748E9" max="2.14748E9" units="cm"/>
+          <inkml:channel name="F" type="integer" max="32767" units="dev"/>
+        </inkml:traceFormat>
+        <inkml:channelProperties>
+          <inkml:channelProperty channel="X" name="resolution" value="1000" units="1/cm"/>
+          <inkml:channelProperty channel="Y" name="resolution" value="1000" units="1/cm"/>
+          <inkml:channelProperty channel="F" name="resolution" value="0" units="1/dev"/>
+        </inkml:channelProperties>
+      </inkml:inkSource>
+      <inkml:timestamp xml:id="ts0" timeString="2024-11-26T18:45:18.647"/>
+    </inkml:context>
+    <inkml:brush xml:id="br0">
+      <inkml:brushProperty name="width" value="0.1" units="cm"/>
+      <inkml:brushProperty name="height" value="0.1" units="cm"/>
+      <inkml:brushProperty name="color" value="#333333"/>
+    </inkml:brush>
+  </inkml:definitions>
+  <inkml:trace contextRef="#ctx0" brushRef="#br0">3031 1080 24575,'-9'-78'0,"-1"-3"0,9 61 0,-1 1 0,-6-27 0,-2-14 0,-10-66 0,17 100 0,-1-1 0,-2 1 0,0 0 0,-18-43 0,21 62 0,0 1 0,-1-1 0,0 1 0,0 0 0,0 0 0,0 0 0,-1 1 0,0 0 0,-1 0 0,1 0 0,-11-7 0,9 6 0,0-1 0,1 1 0,0-1 0,0 0 0,1-1 0,0 1 0,-6-14 0,-15-21 0,18 32 0,-1 1 0,0 0 0,0 0 0,-21-14 0,10 7 0,-13-6 0,-1 0 0,-1 3 0,-54-23 0,28 14 0,-88-27 0,128 50 0,0 1 0,-40-2 0,42 4 0,-78-5 0,-170 8 0,148 13 0,-84-13 0,155-3 0,-40-2 0,34 0 0,-82 6 0,130-1 0,-1 1 0,1 0 0,0 1 0,0 0 0,0 0 0,0 0 0,1 0 0,-9 7 0,-19 10 0,31-18 0,0-1 0,0 0 0,1 0 0,-1 1 0,0-1 0,1 1 0,-1-1 0,1 1 0,-1 0 0,1-1 0,0 1 0,-1 0 0,1 0 0,0 0 0,1 0 0,-1 0 0,0 0 0,0 1 0,1-1 0,-1 0 0,1 0 0,0 0 0,0 0 0,0 1 0,0-1 0,0 4 0,2 6 0,0 1 0,0-1 0,7 20 0,-3-12 0,-5-16 0,0 1 0,0-1 0,-1 0 0,1 1 0,-1-1 0,-1 0 0,1 1 0,0-1 0,-1 0 0,0 1 0,0-1 0,0 0 0,-1 0 0,1 0 0,-5 7 0,-1 1 0,-1-1 0,-1-1 0,-15 17 0,-19 25 0,35-43 0,1 1 0,-1-1 0,-1 0 0,0-1 0,0 0 0,0 0 0,-15 8 0,-20 18 0,26-18 0,-1 0 0,-1-2 0,-34 21 0,34-26 0,0-1 0,-25 7 0,-29 12 0,62-22 0,-1 0 0,0-1 0,0-1 0,0 0 0,0-1 0,-21 1 0,-86-3 0,57-1 0,-39 1 0,60 0 0,34 0 0,13 0 0,195-7 0,-154 5 0,-1-2 0,87-19 0,-289 19 0,-55 16 0,34 9 0,178-21-1,0 0 0,0 0-1,0 0 1,0 0 0,0 0-1,0 1 1,0-1 0,0 0 0,0 0-1,1 0 1,-1 0 0,0 0-1,0 0 1,0 0 0,0 0 0,0 0-1,0 0 1,0 1 0,0-1-1,0 0 1,0 0 0,0 0-1,0 0 1,0 0 0,0 0 0,0 0-1,0 0 1,0 0 0,0 1-1,0-1 1,0 0 0,0 0-1,0 0 1,0 0 0,0 0 0,0 0-1,0 0 1,0 0 0,-1 0-1,1 1 1,0-1 0,0 0-1,0 0 1,0 0 0,0 0 0,0 0-1,0 0 1,0 0 0,0 0-1,0 0 1,0 0 0,-1 0 0,1 0-1,0 0 1,0 0 0,0 0-1,0 0 1,0 0 0,0 0-1,0 0 1,0 0 0,14 8 201,21 5-1685</inkml:trace>
+</inkml:ink>
+</file>
+
+<file path=ppt/ink/ink126.xml><?xml version="1.0" encoding="utf-8"?>
+<inkml:ink xmlns:inkml="http://www.w3.org/2003/InkML">
+  <inkml:definitions>
+    <inkml:context xml:id="ctx0">
+      <inkml:inkSource xml:id="inkSrc0">
+        <inkml:traceFormat>
+          <inkml:channel name="X" type="integer" min="-2.14748E9" max="2.14748E9" units="cm"/>
+          <inkml:channel name="Y" type="integer" min="-2.14748E9" max="2.14748E9" units="cm"/>
+          <inkml:channel name="F" type="integer" max="32767" units="dev"/>
+        </inkml:traceFormat>
+        <inkml:channelProperties>
+          <inkml:channelProperty channel="X" name="resolution" value="1000" units="1/cm"/>
+          <inkml:channelProperty channel="Y" name="resolution" value="1000" units="1/cm"/>
+          <inkml:channelProperty channel="F" name="resolution" value="0" units="1/dev"/>
+        </inkml:channelProperties>
+      </inkml:inkSource>
+      <inkml:timestamp xml:id="ts0" timeString="2024-11-26T18:45:18.648"/>
+    </inkml:context>
+    <inkml:brush xml:id="br0">
+      <inkml:brushProperty name="width" value="0.1" units="cm"/>
+      <inkml:brushProperty name="height" value="0.1" units="cm"/>
+      <inkml:brushProperty name="color" value="#333333"/>
+    </inkml:brush>
+  </inkml:definitions>
+  <inkml:trace contextRef="#ctx0" brushRef="#br0">1188 81 24575,'-425'0'0,"405"1"0,0 1 0,-35 8 0,34-5 0,-1-1 0,-24 1 0,-379-5 0,292-1 0,561 1 0,-411-1 0,-1-1 0,1 0 0,18-6 0,39-4 0,-55 9 0,0 0 0,-1-1 0,0-1 0,22-8 0,-24 7 0,1 1 0,1 0 0,-1 1 0,1 1 0,19-2 0,138 7 0,-271-14 0,56 6 0,-53-3 0,-675 10-1365,745-1-5461</inkml:trace>
+</inkml:ink>
+</file>
+
+<file path=ppt/ink/ink127.xml><?xml version="1.0" encoding="utf-8"?>
+<inkml:ink xmlns:inkml="http://www.w3.org/2003/InkML">
+  <inkml:definitions>
+    <inkml:context xml:id="ctx0">
+      <inkml:inkSource xml:id="inkSrc0">
+        <inkml:traceFormat>
+          <inkml:channel name="X" type="integer" min="-2.14748E9" max="2.14748E9" units="cm"/>
+          <inkml:channel name="Y" type="integer" min="-2.14748E9" max="2.14748E9" units="cm"/>
+          <inkml:channel name="F" type="integer" max="32767" units="dev"/>
+        </inkml:traceFormat>
+        <inkml:channelProperties>
+          <inkml:channelProperty channel="X" name="resolution" value="1000" units="1/cm"/>
+          <inkml:channelProperty channel="Y" name="resolution" value="1000" units="1/cm"/>
+          <inkml:channelProperty channel="F" name="resolution" value="0" units="1/dev"/>
+        </inkml:channelProperties>
+      </inkml:inkSource>
+      <inkml:timestamp xml:id="ts0" timeString="2024-11-26T18:45:18.649"/>
+    </inkml:context>
+    <inkml:brush xml:id="br0">
+      <inkml:brushProperty name="width" value="0.1" units="cm"/>
+      <inkml:brushProperty name="height" value="0.1" units="cm"/>
+      <inkml:brushProperty name="color" value="#333333"/>
+    </inkml:brush>
+  </inkml:definitions>
+  <inkml:trace contextRef="#ctx0" brushRef="#br0">0 0 24575</inkml:trace>
+</inkml:ink>
+</file>
+
+<file path=ppt/ink/ink128.xml><?xml version="1.0" encoding="utf-8"?>
+<inkml:ink xmlns:inkml="http://www.w3.org/2003/InkML">
+  <inkml:definitions>
+    <inkml:context xml:id="ctx0">
+      <inkml:inkSource xml:id="inkSrc0">
+        <inkml:traceFormat>
+          <inkml:channel name="X" type="integer" min="-2.14748E9" max="2.14748E9" units="cm"/>
+          <inkml:channel name="Y" type="integer" min="-2.14748E9" max="2.14748E9" units="cm"/>
+          <inkml:channel name="F" type="integer" max="32767" units="dev"/>
+        </inkml:traceFormat>
+        <inkml:channelProperties>
+          <inkml:channelProperty channel="X" name="resolution" value="1000" units="1/cm"/>
+          <inkml:channelProperty channel="Y" name="resolution" value="1000" units="1/cm"/>
+          <inkml:channelProperty channel="F" name="resolution" value="0" units="1/dev"/>
+        </inkml:channelProperties>
+      </inkml:inkSource>
+      <inkml:timestamp xml:id="ts0" timeString="2024-11-26T18:45:18.650"/>
+    </inkml:context>
+    <inkml:brush xml:id="br0">
+      <inkml:brushProperty name="width" value="0.2" units="cm"/>
+      <inkml:brushProperty name="height" value="0.2" units="cm"/>
+      <inkml:brushProperty name="color" value="#333333"/>
+    </inkml:brush>
+  </inkml:definitions>
+  <inkml:trace contextRef="#ctx0" brushRef="#br0">0 0 24575,'8'103'0,"-4"-71"0,-2 7 0,-3 57 0,-1-55 0,5 46 0,2-40 0,3 51 0,-6 10 0,-5 88 0,-10-104-1365</inkml:trace>
+</inkml:ink>
+</file>
+
+<file path=ppt/ink/ink129.xml><?xml version="1.0" encoding="utf-8"?>
+<inkml:ink xmlns:inkml="http://www.w3.org/2003/InkML">
+  <inkml:definitions>
+    <inkml:context xml:id="ctx0">
+      <inkml:inkSource xml:id="inkSrc0">
+        <inkml:traceFormat>
+          <inkml:channel name="X" type="integer" min="-2.14748E9" max="2.14748E9" units="cm"/>
+          <inkml:channel name="Y" type="integer" min="-2.14748E9" max="2.14748E9" units="cm"/>
+          <inkml:channel name="F" type="integer" max="32767" units="dev"/>
+        </inkml:traceFormat>
+        <inkml:channelProperties>
+          <inkml:channelProperty channel="X" name="resolution" value="1000" units="1/cm"/>
+          <inkml:channelProperty channel="Y" name="resolution" value="1000" units="1/cm"/>
+          <inkml:channelProperty channel="F" name="resolution" value="0" units="1/dev"/>
+        </inkml:channelProperties>
+      </inkml:inkSource>
+      <inkml:timestamp xml:id="ts0" timeString="2024-11-26T18:45:18.651"/>
+    </inkml:context>
+    <inkml:brush xml:id="br0">
+      <inkml:brushProperty name="width" value="0.2" units="cm"/>
+      <inkml:brushProperty name="height" value="0.2" units="cm"/>
+      <inkml:brushProperty name="color" value="#333333"/>
+    </inkml:brush>
+  </inkml:definitions>
+  <inkml:trace contextRef="#ctx0" brushRef="#br0">134 336 24575,'2'-1'0,"0"1"0,0-1 0,-1 1 0,1-1 0,0 0 0,0 1 0,0-1 0,0 0 0,-1 0 0,1 0 0,0-1 0,-1 1 0,1 0 0,-1-1 0,1 1 0,-1-1 0,0 1 0,0-1 0,1 1 0,-1-1 0,0 0 0,-1 0 0,1 0 0,0 1 0,0-1 0,-1 0 0,1 0 0,-1 0 0,1-3 0,1-6 0,0 1 0,-1-1 0,0-21 0,6-27 0,-1 25 0,7-26 0,1-15 0,-18 136 0,-1 19 0,7 101 0,1-125 0,-6 86 0,1-13 0,-3 26 0,2-147 0,-2-18 0,0-21 0,6 18 0,0-1 0,1 0 0,1 0 0,0 1 0,1 0 0,7-16 0,8-29 0,-13 29 0,-2-1 0,0 0 0,-2-51 0,-12 41 0,8 35 0,0 0 0,0 0 0,1-1 0,0 1 0,0 0 0,0-9 0,-6-277 0,1 357 0,19 225 0,-13-290 0,0 24 0,-1 0 0,-6 42 0,3-41 0,1 0 0,2 1 0,0-1 0,2 1 0,7 41 0,0 44 0,-18-27 0,6-64 0,1 0 0,0 24 0,-4 299 0,6-321 0,-2-1 0,-1 0 0,-11 38 0,4-15 0,-4 6 0,-2 0 0,-27 54 0,38-92 0,-12 32 0,-13 56 0,25-82 0,-1 14 0,2 1 0,1-1 0,1 1 0,4 63 0,-4 41 0,-10 94 0,12-193 0,2 48 0,-1-80 0,1 0 0,0 0 0,0 0 0,1 0 0,0 0 0,0 0 0,1 0 0,0-1 0,5 9 0,-4-9 0,2 1 0,-1-1 0,1 0 0,0-1 0,0 1 0,1-1 0,0 0 0,0-1 0,0 1 0,0-1 0,0-1 0,13 5 0,-17-7 0,0 0 0,1 0 0,-1 0 0,1 0 0,-1-1 0,1 1 0,-1-1 0,1 0 0,0 0 0,-1 0 0,1 0 0,-1-1 0,1 1 0,-1-1 0,1 0 0,-1 0 0,0-1 0,1 1 0,-1-1 0,0 1 0,0-1 0,0 0 0,0 0 0,0 0 0,0-1 0,-1 1 0,1-1 0,-1 1 0,1-1 0,3-6 0,-3-2 0,1 0 0,-1 0 0,-1 0 0,0-1 0,-1 1 0,0 0 0,0-1 0,-2 1 0,1-1 0,-3-13 0,1-18 0,-12-49 0,15-662 0,12 582 0,-12 109 0,-2-66 0,-13 36 0,8-197-1365</inkml:trace>
+</inkml:ink>
+</file>
+
 <file path=ppt/ink/ink13.xml><?xml version="1.0" encoding="utf-8"?>
 <inkml:ink xmlns:inkml="http://www.w3.org/2003/InkML">
   <inkml:definitions>
@@ -808,6 +2768,202 @@
     </inkml:brush>
   </inkml:definitions>
   <inkml:trace contextRef="#ctx0" brushRef="#br0">1 1 24575</inkml:trace>
+</inkml:ink>
+</file>
+
+<file path=ppt/ink/ink130.xml><?xml version="1.0" encoding="utf-8"?>
+<inkml:ink xmlns:inkml="http://www.w3.org/2003/InkML">
+  <inkml:definitions>
+    <inkml:context xml:id="ctx0">
+      <inkml:inkSource xml:id="inkSrc0">
+        <inkml:traceFormat>
+          <inkml:channel name="X" type="integer" min="-2.14748E9" max="2.14748E9" units="cm"/>
+          <inkml:channel name="Y" type="integer" min="-2.14748E9" max="2.14748E9" units="cm"/>
+          <inkml:channel name="F" type="integer" max="32767" units="dev"/>
+        </inkml:traceFormat>
+        <inkml:channelProperties>
+          <inkml:channelProperty channel="X" name="resolution" value="1000" units="1/cm"/>
+          <inkml:channelProperty channel="Y" name="resolution" value="1000" units="1/cm"/>
+          <inkml:channelProperty channel="F" name="resolution" value="0" units="1/dev"/>
+        </inkml:channelProperties>
+      </inkml:inkSource>
+      <inkml:timestamp xml:id="ts0" timeString="2024-11-26T18:45:18.652"/>
+    </inkml:context>
+    <inkml:brush xml:id="br0">
+      <inkml:brushProperty name="width" value="0.35" units="cm"/>
+      <inkml:brushProperty name="height" value="0.35" units="cm"/>
+      <inkml:brushProperty name="color" value="#333333"/>
+    </inkml:brush>
+  </inkml:definitions>
+  <inkml:trace contextRef="#ctx0" brushRef="#br0">635 176 24575,'2'4'0,"1"0"0,0-1 0,1 1 0,-1-1 0,0 0 0,1 0 0,0 0 0,0 0 0,0-1 0,0 0 0,0 0 0,6 3 0,2 1 0,34 24 0,49 28 0,-83-53 0,-1-1 0,2 0 0,-1-1 0,0-1 0,24 3 0,-20-4 0,0 2 0,28 7 0,-42-9 0,-1-1 0,0 1 0,0 0 0,0-1 0,1 1 0,-1-1 0,0 0 0,1 1 0,-1-1 0,0 0 0,1 0 0,-1 0 0,1 0 0,-1 0 0,0 0 0,1 0 0,-1 0 0,0 0 0,1-1 0,-1 1 0,0-1 0,1 1 0,-1-1 0,2 0 0,-3-1 0,0 1 0,0-1 0,-1 1 0,1-1 0,0 1 0,-1 0 0,1-1 0,-1 1 0,0 0 0,1-1 0,-1 1 0,0 0 0,0 0 0,0-1 0,1 1 0,-1 0 0,0 0 0,-1 0 0,1 0 0,0 0 0,0 1 0,0-1 0,-2-1 0,-26-19 0,-1 0 0,-56-27 0,27 16 0,3 2 0,30 16 0,0 0 0,-39-30 0,27 21 0,31 19 0,1 1 0,0 0 0,0-1 0,1 0 0,-1-1 0,-9-8 0,12 9 0,-1 1 0,0 0 0,1 0 0,-2 1 0,1-1 0,0 1 0,0 0 0,-1 0 0,1 0 0,-1 0 0,0 1 0,1 0 0,-1 0 0,-9 0 0,-9-1 0,1 2 0,-24 3 0,6-1 0,38-2 0,-1-1 0,1 1 0,-1 1 0,0-1 0,1 0 0,-1 1 0,1-1 0,-1 1 0,1 0 0,-1 0 0,1 0 0,-1 0 0,1 0 0,0 0 0,0 1 0,-1-1 0,1 1 0,0-1 0,0 1 0,-2 3 0,1 0 0,0 0 0,1 1 0,0-1 0,0 1 0,0-1 0,1 1 0,-1 8 0,-3 8 0,1-10 0,0-1 0,0 0 0,-1 1 0,-1-2 0,-7 13 0,6-13 0,1 0 0,1 1 0,0 0 0,0 0 0,-4 17 0,9-26 0,-4 19 0,-1 0 0,-1 0 0,-1-1 0,-18 39 0,21-50 0,1 0 0,0 0 0,0 0 0,1 1 0,0-1 0,1 1 0,0-1 0,0 1 0,1 0 0,1 12 0,0-13 0,-1 0 0,0 1 0,0-1 0,-1 1 0,0-1 0,-1 0 0,0 0 0,0 1 0,-1-1 0,0-1 0,-5 10 0,7-16 0,0-1 0,0 1 0,0-1 0,0 1 0,-1-1 0,1 1 0,-1-1 0,1 0 0,-1 1 0,1-1 0,-1 0 0,0 0 0,1 0 0,-1 0 0,0-1 0,0 1 0,0 0 0,1-1 0,-1 1 0,0-1 0,0 0 0,0 0 0,0 1 0,0-1 0,0 0 0,0-1 0,0 1 0,0 0 0,0-1 0,-3 0 0,2 0 0,0-1 0,0 1 0,0-1 0,0 1 0,0-1 0,0 0 0,0 0 0,1 0 0,-1 0 0,1-1 0,-1 1 0,1-1 0,0 1 0,0-1 0,0 0 0,-2-5 0,0 1 0,1 0 0,0 1 0,1-1 0,-1 0 0,1 0 0,1 0 0,-1-1 0,1 1 0,0 0 0,1-1 0,0 1 0,0 0 0,0-1 0,1 1 0,0 0 0,1-1 0,0 1 0,0 0 0,0 0 0,7-12 0,11-28 0,-18 39 0,1-1 0,1 1 0,0 0 0,0 0 0,0 0 0,1 1 0,8-10 0,0-1 0,0 1 0,-1-1 0,16-31 0,-21 34 0,0 0 0,2 1 0,-1 1 0,2 0 0,0 0 0,0 0 0,17-14 0,-26 26 0,-1 1 0,0 0 0,1 0 0,-1-1 0,0 1 0,1 0 0,-1 0 0,0-1 0,1 1 0,-1 0 0,0 0 0,1 0 0,-1 0 0,0-1 0,1 1 0,-1 0 0,1 0 0,-1 0 0,0 0 0,1 0 0,-1 0 0,1 0 0,-1 0 0,0 0 0,1 0 0,-1 0 0,1 1 0,-1-1 0,0 0 0,1 0 0,-1 0 0,1 0 0,-1 1 0,0-1 0,1 0 0,-1 0 0,0 1 0,1-1 0,6 21 0,-6 33 0,-1-49 0,-1-1 0,1 0 0,0 0 0,1-1 0,-1 1 0,1 0 0,-1-1 0,1 1 0,0 0 0,0-1 0,1 1 0,-1-1 0,1 1 0,0-1 0,0 0 0,0 0 0,0 0 0,5 5 0,-1-2 0,2-1 0,-1 0 0,0-1 0,1 1 0,0-1 0,13 4 0,25 11 0,-20-10 0,-1 2 0,0 0 0,35 23 0,-26-12 0,61 26 0,-80-41 0,43 17 0,2-4 0,0-2 0,65 11 0,-38-11 0,2-4 0,116 4 0,-165-17 0,69 10 0,-77-6 0,47-1 0,-51-4 0,0 2 0,46 9 0,-35-5 0,0-2 0,1-1 0,-1-2 0,42-5 0,11 2 0,839 2 0,-912 1 0,0 1 0,27 6 0,-26-4 0,-1-1 0,27 1 0,86-6 0,97 4 0,-154 8 0,-43-5 0,51 1 0,-41-6 0,2-2 0,0 3 0,80 12 0,-69-6 0,1-2 0,-1-2 0,68-7 0,-10 2 0,459 2 0,-547 1 0,45 8 0,25 2 0,-57-9 0,0 1 0,39 8 0,-35-6 0,1-2 0,-1-2 0,44-4 0,77 3 0,-87 9 0,-44-4 0,51 2 0,-22-9 0,-40 0 0,0 1 0,0 1 0,1 1 0,-1 0 0,0 2 0,-1 0 0,1 2 0,0 0 0,19 9 0,-23-8 0,1 0 0,-1-1 0,1-1 0,21 3 0,40 10 0,-37-6 0,56 7 0,-58-12 0,6 2 0,0-2 0,50 0 0,-53-8 0,1-1 0,44-10 0,-57 9 0,50 0 0,-50 3 0,54-7 0,197-56 0,-155 43 0,18-4 0,-137 24 0,-2 0 0,1 1 0,-1-2 0,0 1 0,0-1 0,0 0 0,0 0 0,0 0 0,-1-1 0,1 0 0,6-4 0,34-18 0,-34 19 0,1-1 0,-2 1 0,1-2 0,12-9 0,-22 15 0,1 0 0,-1 0 0,0 0 0,-1-1 0,1 1 0,0 0 0,0-1 0,-1 1 0,0-1 0,1 0 0,-1 1 0,0-1 0,0 0 0,-1 0 0,1 0 0,0 1 0,-1-1 0,0 0 0,0 0 0,0 0 0,0 0 0,0 0 0,0 0 0,-2-3 0,-5-29 0,3 14 0,-1 1 0,-1 0 0,0 0 0,-2 1 0,-13-26 0,17 36 0,-1 2 0,-1-1 0,1 0 0,-1 1 0,-1 0 0,1 1 0,-1-1 0,0 1 0,-1 0 0,1 1 0,-1 0 0,-14-7 0,-28-24 0,41 27 0,-1 2 0,0-1 0,0 2 0,-13-7 0,14 8 0,0-1 0,0 0 0,1 0 0,-16-14 0,16 12 0,0 1 0,-1 0 0,1 0 0,-2 1 0,-9-5 0,-105-57 0,110 64 0,-1 0 0,-1 2 0,1-1 0,0 2 0,-1 0 0,1 0 0,-1 2 0,-21 3 0,19-2 0,0-1 0,0-1 0,0 0 0,0-1 0,-33-7 0,-17-8 0,38 10 0,-41-14 0,48 14 0,0 1 0,-1 2 0,0 0 0,1 1 0,-1 2 0,-45 4 0,-5-2 0,8-4 0,44 0 0,1 1 0,-1 1 0,0 0 0,0 2 0,1 1 0,-1 0 0,-21 7 0,28-2 0,0 0 0,1 0 0,0 2 0,1-1 0,-16 15 0,-32 23 0,14-5 0,16-12 0,25-24 0,0 1 0,1 0 0,0 1 0,0 0 0,0 0 0,1 0 0,0 0 0,1 0 0,-4 14 0,3-11 0,0 1 0,-1-1 0,-1 0 0,-12 20 0,-121 148 0,133-173 0,-1 0 0,1 0 0,-1-1 0,-1 0 0,1 0 0,-1-1 0,0 1 0,-11 3 0,8-3 0,0 0 0,1 0 0,-15 12 0,24-13 0,12-4 0,15-6 0,-25 6 0,59-17 0,77-33 0,-104 39 0,0 1 0,1 1 0,0 3 0,56-5 0,-68 8 0,32-7 0,19-1 0,27 1 0,-67 5 0,47-1 0,1 8 0,91-4 0,-154 0 0,-1-2 0,1 0 0,16-7 0,-19 6 0,-1 1 0,1 0 0,0 1 0,29-3 0,-4 5 0,98 2 0,-120 1 0,1 0 0,-1 1 0,0 0 0,0 2 0,23 9 0,-28-10 0,1 0 0,-1 0 0,1-1 0,0-1 0,0 0 0,0-1 0,-1-1 0,1 0 0,15-2 0,-20 1 0,0 0 0,0 0 0,0-1 0,-1-1 0,1 1 0,-1-1 0,0-1 0,1 1 0,-2-1 0,1-1 0,0 1 0,-1-2 0,0 1 0,0-1 0,7-7 0,14-36 0,-24 41 0,-1 0 0,2 0 0,-1 1 0,1-1 0,9-10 0,11-6 0,-15 15 0,-1 0 0,0-1 0,0 0 0,-1 0 0,11-18 0,-18 27 0,-1 0 0,0 0 0,1 0 0,-1 0 0,0 0 0,0 0 0,1 0 0,-1 0 0,0 0 0,0 0 0,0 0 0,0 0 0,-1 0 0,1 0 0,0 0 0,0 0 0,-1 0 0,1 0 0,0 0 0,-1 0 0,1 0 0,-1 0 0,1 0 0,-2-1 0,-25-19 0,-36-3 0,60 23 0,-6-2 0,1-1 0,-1 0 0,1 0 0,0-1 0,0 0 0,-10-9 0,12 8 0,-1 1 0,0 0 0,-1 1 0,1-1 0,-1 1 0,0 0 0,0 1 0,-15-4 0,13 4 0,0 0 0,1-1 0,0 0 0,-13-7 0,15 7 0,1 1 0,-1-1 0,0 1 0,0 1 0,0-1 0,0 1 0,0 0 0,-10 0 0,15 3 0,0 0 0,1 1 0,-1-1 0,1 1 0,-1-1 0,1 1 0,0-1 0,0 1 0,0 0 0,0 0 0,0 0 0,0 0 0,0 0 0,1 0 0,-1 0 0,1 0 0,-1 0 0,1 0 0,0 0 0,-1 3 0,-2 10 0,-5-2-151,0 0-1,0 0 0,-1-1 0,-1 0 1,0 0-1,-1-2 0,0 1 1,-17 12-1</inkml:trace>
+</inkml:ink>
+</file>
+
+<file path=ppt/ink/ink131.xml><?xml version="1.0" encoding="utf-8"?>
+<inkml:ink xmlns:inkml="http://www.w3.org/2003/InkML">
+  <inkml:definitions>
+    <inkml:context xml:id="ctx0">
+      <inkml:inkSource xml:id="inkSrc0">
+        <inkml:traceFormat>
+          <inkml:channel name="X" type="integer" min="-2.14748E9" max="2.14748E9" units="cm"/>
+          <inkml:channel name="Y" type="integer" min="-2.14748E9" max="2.14748E9" units="cm"/>
+          <inkml:channel name="F" type="integer" max="32767" units="dev"/>
+        </inkml:traceFormat>
+        <inkml:channelProperties>
+          <inkml:channelProperty channel="X" name="resolution" value="1000" units="1/cm"/>
+          <inkml:channelProperty channel="Y" name="resolution" value="1000" units="1/cm"/>
+          <inkml:channelProperty channel="F" name="resolution" value="0" units="1/dev"/>
+        </inkml:channelProperties>
+      </inkml:inkSource>
+      <inkml:timestamp xml:id="ts0" timeString="2024-11-26T18:45:18.656"/>
+    </inkml:context>
+    <inkml:brush xml:id="br0">
+      <inkml:brushProperty name="width" value="0.1" units="cm"/>
+      <inkml:brushProperty name="height" value="0.1" units="cm"/>
+      <inkml:brushProperty name="color" value="#333333"/>
+    </inkml:brush>
+  </inkml:definitions>
+  <inkml:trace contextRef="#ctx0" brushRef="#br0">104 360 24575,'-3'0'0,"0"0"0,0 0 0,0 0 0,0 0 0,1-1 0,-1 1 0,0-1 0,0 0 0,0 0 0,0 0 0,1 0 0,-1 0 0,1-1 0,-1 1 0,1-1 0,-1 0 0,1 0 0,-3-2 0,3 0 0,-1 1 0,1-1 0,0 0 0,0 1 0,1-1 0,-1 0 0,1 0 0,0 0 0,0 0 0,0 0 0,1-1 0,-1 1 0,1-5 0,-6-123 0,-8 53 0,4 10-1365</inkml:trace>
+</inkml:ink>
+</file>
+
+<file path=ppt/ink/ink132.xml><?xml version="1.0" encoding="utf-8"?>
+<inkml:ink xmlns:inkml="http://www.w3.org/2003/InkML">
+  <inkml:definitions>
+    <inkml:context xml:id="ctx0">
+      <inkml:inkSource xml:id="inkSrc0">
+        <inkml:traceFormat>
+          <inkml:channel name="X" type="integer" min="-2.14748E9" max="2.14748E9" units="cm"/>
+          <inkml:channel name="Y" type="integer" min="-2.14748E9" max="2.14748E9" units="cm"/>
+          <inkml:channel name="F" type="integer" max="32767" units="dev"/>
+        </inkml:traceFormat>
+        <inkml:channelProperties>
+          <inkml:channelProperty channel="X" name="resolution" value="1000" units="1/cm"/>
+          <inkml:channelProperty channel="Y" name="resolution" value="1000" units="1/cm"/>
+          <inkml:channelProperty channel="F" name="resolution" value="0" units="1/dev"/>
+        </inkml:channelProperties>
+      </inkml:inkSource>
+      <inkml:timestamp xml:id="ts0" timeString="2024-11-26T18:45:18.657"/>
+    </inkml:context>
+    <inkml:brush xml:id="br0">
+      <inkml:brushProperty name="width" value="0.1" units="cm"/>
+      <inkml:brushProperty name="height" value="0.1" units="cm"/>
+      <inkml:brushProperty name="color" value="#333333"/>
+    </inkml:brush>
+  </inkml:definitions>
+  <inkml:trace contextRef="#ctx0" brushRef="#br0">1 1 24575</inkml:trace>
+</inkml:ink>
+</file>
+
+<file path=ppt/ink/ink133.xml><?xml version="1.0" encoding="utf-8"?>
+<inkml:ink xmlns:inkml="http://www.w3.org/2003/InkML">
+  <inkml:definitions>
+    <inkml:context xml:id="ctx0">
+      <inkml:inkSource xml:id="inkSrc0">
+        <inkml:traceFormat>
+          <inkml:channel name="X" type="integer" min="-2.14748E9" max="2.14748E9" units="cm"/>
+          <inkml:channel name="Y" type="integer" min="-2.14748E9" max="2.14748E9" units="cm"/>
+          <inkml:channel name="F" type="integer" max="32767" units="dev"/>
+        </inkml:traceFormat>
+        <inkml:channelProperties>
+          <inkml:channelProperty channel="X" name="resolution" value="1000" units="1/cm"/>
+          <inkml:channelProperty channel="Y" name="resolution" value="1000" units="1/cm"/>
+          <inkml:channelProperty channel="F" name="resolution" value="0" units="1/dev"/>
+        </inkml:channelProperties>
+      </inkml:inkSource>
+      <inkml:timestamp xml:id="ts0" timeString="2024-11-26T18:45:18.658"/>
+    </inkml:context>
+    <inkml:brush xml:id="br0">
+      <inkml:brushProperty name="width" value="0.35" units="cm"/>
+      <inkml:brushProperty name="height" value="0.35" units="cm"/>
+      <inkml:brushProperty name="color" value="#333333"/>
+    </inkml:brush>
+  </inkml:definitions>
+  <inkml:trace contextRef="#ctx0" brushRef="#br0">1 657 24575,'54'10'0,"-4"0"0,194-8 0,-126-3 0,-109 0 0,-1-1 0,0 0 0,0 0 0,-1 0 0,1-1 0,0 0 0,-1-1 0,0 1 0,0-1 0,0-1 0,0 0 0,6-5 0,38-22 0,155-63 0,-142 64 0,-50 24 0,-1-1 0,2 2 0,-1 0 0,1 0 0,-1 2 0,1 0 0,1 0 0,-1 1 0,21 0 0,-21 2 0,0-1 0,1 0 0,-2-1 0,1-1 0,0 0 0,-1-1 0,1 0 0,-2-1 0,18-10 0,18 1 0,-47 15 0,0-1 0,1 1 0,-1-1 0,1 1 0,-1 0 0,0 0 0,1 0 0,-1 1 0,1-1 0,-1 0 0,1 1 0,-1 0 0,0-1 0,0 1 0,1 0 0,-1 0 0,4 3 0,-6-4 0,0 1 0,-1-1 0,1 1 0,0-1 0,0 0 0,0 1 0,-1-1 0,1 1 0,0-1 0,0 1 0,-1-1 0,1 0 0,0 1 0,-1-1 0,1 1 0,0-1 0,-1 0 0,1 1 0,-1-1 0,1 0 0,-1 0 0,1 1 0,0-1 0,-1 0 0,1 0 0,-1 0 0,1 0 0,-1 0 0,1 0 0,-1 1 0,1-1 0,-1 0 0,1 0 0,-1 0 0,1-1 0,-1 1 0,0 0 0,-24 4 0,21-4 0,1 1 0,-1-1 0,1 0 0,-1 0 0,1 0 0,-1 0 0,1-1 0,-1 1 0,1-1 0,-1 0 0,1 0 0,-1 0 0,1-1 0,0 1 0,0-1 0,0 0 0,0 0 0,0 0 0,0 0 0,1 0 0,-4-3 0,3 0 0,1 0 0,-1 1 0,1-1 0,0 0 0,0 0 0,1 0 0,-1-1 0,1 1 0,0 0 0,1 0 0,-1-1 0,1 1 0,1-8 0,1-47 0,0 26 0,-3-44 0,1 75 0,-1 1 0,1 0 0,-1 0 0,0-1 0,0 1 0,0 0 0,0 0 0,0 0 0,0 0 0,0 0 0,-1 0 0,1 1 0,-1-1 0,1 0 0,-1 1 0,1-1 0,-1 1 0,0-1 0,0 1 0,0 0 0,0 0 0,0 0 0,0 0 0,0 0 0,-1 0 0,1 0 0,0 1 0,0-1 0,-1 1 0,-3 0 0,-10-2 0,0 2 0,0 0 0,-25 3 0,12-1 0,-395-1 0,415-1 0,1-1 0,-1 1 0,0-2 0,1 1 0,-1-1 0,1-1 0,-13-4 0,76 1 0,5 7 0,-25 1 0,-1-2 0,0-1 0,1-2 0,37-8 0,-47 6 0,0 2 0,46-1 0,32-5 0,-89 6 0,-1 1 0,1 0 0,-1 1 0,1 1 0,21 1 0,-32-1 0,-1 1 0,0-1 0,0 0 0,0 1 0,0 0 0,0-1 0,0 1 0,0 0 0,0 0 0,0 0 0,-1 0 0,1 0 0,0 1 0,-1-1 0,1 0 0,-1 1 0,1 0 0,-1-1 0,1 1 0,-1 0 0,0-1 0,0 1 0,0 0 0,0 0 0,0 0 0,-1 0 0,1 0 0,0 0 0,-1 0 0,0 0 0,1 0 0,-1 0 0,0 0 0,0 1 0,0-1 0,0 0 0,0 0 0,-1 0 0,1 0 0,-1 0 0,1 0 0,-1 0 0,0 0 0,-1 2 0,0 1 0,0 0 0,0 1 0,1-1 0,0 0 0,0 1 0,0-1 0,0 1 0,1-1 0,0 1 0,0-1 0,1 1 0,-1-1 0,1 1 0,0-1 0,1 0 0,-1 1 0,1-1 0,0 0 0,0 0 0,1 0 0,0 0 0,0-1 0,0 1 0,0-1 0,5 5 0,-5-4 0,0 0 0,0-1 0,-1 1 0,0 0 0,0 0 0,0 0 0,0 0 0,-1 1 0,0-1 0,0 0 0,0 1 0,-1 9 0,1-7 0,-1 0 0,1 0 0,1 0 0,4 13 0,-5-19 0,0 0 0,0 1 0,0-1 0,1 0 0,-1 0 0,1 0 0,0 0 0,-1 0 0,1 0 0,0 0 0,0-1 0,0 1 0,0-1 0,1 1 0,-1-1 0,0 0 0,1 0 0,3 2 0,19 5 0,-15-5 0,0 0 0,-1 0 0,0 1 0,15 8 0,-21-10 0,0 1 0,-1-1 0,1 1 0,0 0 0,-1-1 0,1 1 0,-1 0 0,0 0 0,0 1 0,0-1 0,0 0 0,-1 1 0,1-1 0,-1 1 0,0-1 0,1 5 0,2 4 0,-1 1 0,-1 0 0,0-1 0,0 1 0,-1 0 0,-1 0 0,0 0 0,-1 0 0,0 0 0,-4 16 0,-3 7 0,4-16 0,-1 0 0,-15 38 0,16-47 0,0 1 0,1-1 0,1 1 0,0 0 0,0 0 0,1 0 0,1 0 0,0 0 0,1 0 0,0 0 0,4 17 0,5 17 0,25 68 0,-27-89 0,24 49 0,-23-57 0,-1 0 0,-1 1 0,7 27 0,-9-27 0,1 0 0,0 0 0,12 21 0,1 4 0,-9-14 0,-1 0 0,7 45 0,-10-40 0,15 44 0,-18-70-93,2 7-119,0-1 0,1 1 0,0-1 0,1 0 0,12 16 0</inkml:trace>
+</inkml:ink>
+</file>
+
+<file path=ppt/ink/ink134.xml><?xml version="1.0" encoding="utf-8"?>
+<inkml:ink xmlns:inkml="http://www.w3.org/2003/InkML">
+  <inkml:definitions>
+    <inkml:context xml:id="ctx0">
+      <inkml:inkSource xml:id="inkSrc0">
+        <inkml:traceFormat>
+          <inkml:channel name="X" type="integer" min="-2.14748E9" max="2.14748E9" units="cm"/>
+          <inkml:channel name="Y" type="integer" min="-2.14748E9" max="2.14748E9" units="cm"/>
+          <inkml:channel name="F" type="integer" max="32767" units="dev"/>
+        </inkml:traceFormat>
+        <inkml:channelProperties>
+          <inkml:channelProperty channel="X" name="resolution" value="1000" units="1/cm"/>
+          <inkml:channelProperty channel="Y" name="resolution" value="1000" units="1/cm"/>
+          <inkml:channelProperty channel="F" name="resolution" value="0" units="1/dev"/>
+        </inkml:channelProperties>
+      </inkml:inkSource>
+      <inkml:timestamp xml:id="ts0" timeString="2024-11-26T18:45:18.653"/>
+    </inkml:context>
+    <inkml:brush xml:id="br0">
+      <inkml:brushProperty name="width" value="0.35" units="cm"/>
+      <inkml:brushProperty name="height" value="0.35" units="cm"/>
+      <inkml:brushProperty name="color" value="#333333"/>
+    </inkml:brush>
+  </inkml:definitions>
+  <inkml:trace contextRef="#ctx0" brushRef="#br0">0 0 24575</inkml:trace>
+</inkml:ink>
+</file>
+
+<file path=ppt/ink/ink135.xml><?xml version="1.0" encoding="utf-8"?>
+<inkml:ink xmlns:inkml="http://www.w3.org/2003/InkML">
+  <inkml:definitions>
+    <inkml:context xml:id="ctx0">
+      <inkml:inkSource xml:id="inkSrc0">
+        <inkml:traceFormat>
+          <inkml:channel name="X" type="integer" min="-2.14748E9" max="2.14748E9" units="cm"/>
+          <inkml:channel name="Y" type="integer" min="-2.14748E9" max="2.14748E9" units="cm"/>
+          <inkml:channel name="F" type="integer" max="32767" units="dev"/>
+        </inkml:traceFormat>
+        <inkml:channelProperties>
+          <inkml:channelProperty channel="X" name="resolution" value="1000" units="1/cm"/>
+          <inkml:channelProperty channel="Y" name="resolution" value="1000" units="1/cm"/>
+          <inkml:channelProperty channel="F" name="resolution" value="0" units="1/dev"/>
+        </inkml:channelProperties>
+      </inkml:inkSource>
+      <inkml:timestamp xml:id="ts0" timeString="2024-11-26T18:45:18.654"/>
+    </inkml:context>
+    <inkml:brush xml:id="br0">
+      <inkml:brushProperty name="width" value="0.35" units="cm"/>
+      <inkml:brushProperty name="height" value="0.35" units="cm"/>
+      <inkml:brushProperty name="color" value="#333333"/>
+    </inkml:brush>
+  </inkml:definitions>
+  <inkml:trace contextRef="#ctx0" brushRef="#br0">1 203 24575,'803'-9'0,"-690"11"0,118-4 0,25-25 0,-143 10 0,38 8 0,113 1 0,-103-1 0,-93 7 0,73-12 0,25 4 0,17-5 0,-86 8 0,-65 7 0,49-9 0,-34 3 0,1 3 0,95 4 0,-44 2 0,77-1 0,183-4 0,394-9 0,-466 13 0,-120 7 0,601-9 0,-609-9 0,25 0 0,-7 1 0,-35-1 0,56 0 0,53-9 0,-249 18 0,225 8 0,-174-5 0,63-5 0,-63 0 0,60 4 0,46 7 0,-151-9 0,0 1 0,0 0 0,0 1 0,0 0 0,0 0 0,0 0 0,-1 1 0,1 0 0,-1 1 0,0 0 0,0 0 0,0 0 0,0 1 0,-1 0 0,0 0 0,0 1 0,0 0 0,-1 0 0,0 0 0,0 1 0,0-1 0,-1 1 0,4 8 0,-3-2 0,0 0 0,-1 0 0,0 0 0,-2 0 0,1 1 0,-1-1 0,-1 1 0,-1 0 0,0-1 0,0 1 0,-5 23 0,1-24 0,0 0 0,-1 0 0,-1 0 0,0-1 0,-1 1 0,0-1 0,-1-1 0,0 0 0,0 0 0,-16 14 0,16-17 0,0 0 0,-1-1 0,0-1 0,-1 1 0,1-1 0,-1-1 0,-1 0 0,1 0 0,0-1 0,-1 0 0,0-1 0,0 0 0,-11 1 0,-323 13 0,213-8 0,-99-1 0,91 1 0,-62 0 0,7 0 0,81 0 0,-15 0 0,-586-9 0,562 9 0,-291 0 0,344-11 0,-105 4 0,-491 9 0,421-14 0,-46 11 0,60 1 0,-120-6 0,198-5 0,68-7 0,-10 0 0,62 0 0,-22 0 0,-279 1 0,125-1 0,66 0 0,40 0 0,-61 1 0,44-1 0,138 7 0,11-2 0,21-10 0,36-9 0,178-25 0,-106 25 0,-120 22 0,196-33 0,120-6 0,-93 11 0,315 0 0,-78 29 0,-309 17 0,-104-19 0,68-14 0,9 0 0,103 6 0,285 1 0,-385 10 0,-41-10 0,6 0 0,85 0 0,-14 0 0,45 0 0,267-8 0,-213 9 0,11 5 0,-148 5 0,-97 0 0,52 10 0,-51-6 0,8 0 0,101 12 0,46 0 0,3-9 0,281-9 0,-471 0 0,0 1 0,-1 0 0,1 0 0,0 1 0,-1-1 0,1 1 0,-1 0 0,1 0 0,-1 1 0,0-1 0,0 1 0,6 5 0,42 42 0,-47-44 0,0 1 0,-1-1 0,0 1 0,0 0 0,0 0 0,-1 1 0,0-1 0,0 1 0,-1-1 0,0 1 0,-1 0 0,1 0 0,-1 0 0,-1 0 0,0 0 0,0 0 0,0 0 0,-1 0 0,0 0 0,-1 0 0,0 0 0,0-1 0,-4 10 0,-11 63 0,14-56 0,2-18 0,0 0 0,-1 0 0,1 0 0,-1 0 0,0 0 0,-1-1 0,1 1 0,-1-1 0,-1 1 0,1-1 0,0 0 0,-7 6 0,2-3 0,-1-1 0,0-1 0,0 1 0,0-2 0,-1 1 0,-10 3 0,1-1 0,-1-2 0,0-1 0,0 0 0,-24 2 0,9-1 0,1-2 0,0-2 0,0-1 0,-39-4 0,-6 1 0,-115 10 0,97 2 0,-61 7 0,70-16 0,-72-3 0,11-6 0,16-1 0,-131 0 0,96 1 0,70 6 0,-104 4 0,88 16 0,68-10 0,-14 1 0,-222 0 0,-371-9 0,512 8 0,26-6 0,-114-4 0,-71-7 0,-47 0 0,253 10 0,-38 8 0,-318-9 0,283-18 0,-319 18 0,319-9 0,-213 0 0,328 9 0,-100-15 0,3 5 0,71 5 0,-95 6 0,54 2 0,80-3 0,36 0 0,26 0 0,105-2 0,134 4 0,-203 4 0,112 6 0,5-4 0,-17 1 0,166 9 0,-86-26 0,54 4 0,-153 7 0,412-12 0,-381 0 0,67-8 0,-97 8 0,97 0 0,-10-9 0,47 10 0,254 8 0,-521 1 0,1 0 0,-1 1 0,0 1 0,0-1 0,0 1 0,-1 1 0,1-1 0,-1 1 0,1 1 0,12 9 0,30 16 0,-38-25 0,1-1 0,0 0 0,0 0 0,0-1 0,0-1 0,0 0 0,1-1 0,24-1 0,68 9 0,-67 0 0,-33-7 0,1 0 0,0-1 0,-1 0 0,1 0 0,9 1 0,60-12 0,7 1 0,121 2 0,-126 2 0,94 6 0,-53 2 0,155-12 0,-97 17 0,51 2 0,-25-2 0,-88 1 0,17 0 0,-49-7 0,81-4 0,-153-1 0,0 0 0,0-1 0,0 0 0,-1 0 0,17-10 0,4-1 0,16-9 0,25-10 0,-67 31 0,1 0 0,-1-1 0,0 1 0,0-1 0,0 0 0,0-1 0,-1 1 0,0-1 0,0 0 0,0 0 0,0 0 0,-1-1 0,0 1 0,0-1 0,-1 0 0,1 0 0,-1 0 0,0 0 0,-1 0 0,2-12 0,-2 12 0,0 0 0,1-1 0,0 2 0,0-1 0,0 0 0,0 0 0,1 1 0,0-1 0,0 1 0,6-8 0,46-45 0,-26 28 0,-23 22 0,-1 0 0,0 0 0,-1 0 0,0-1 0,0 1 0,-1-1 0,0 0 0,0 0 0,-1 0 0,0 0 0,0-13 0,0 8 0,1-1 0,0 1 0,1 0 0,6-14 0,0-19 0,-10 43 0,1-1 0,0 0 0,-1 0 0,1 1 0,1-1 0,-1 0 0,1 1 0,-1 0 0,2-1 0,-1 1 0,4-6 0,-4 61 0,-1-5 0,1-33 0,-1-1 0,-1 1 0,0-1 0,-1 0 0,0 1 0,-1-1 0,0 0 0,-1 0 0,-5 14 0,-11-8 0,18-17 0,-1 0 0,1 0 0,-1 0 0,1 0 0,-1 1 0,1-1 0,0 0 0,0 1 0,-1-1 0,1 0 0,0 1 0,0-1 0,1 1 0,-1 0 0,0-1 0,0 1 0,1 0 0,-1 2 0,-3 15 0,-1-1 0,-1 1 0,0-1 0,-2-1 0,0 1 0,-16 25 0,14-29 0,0-1 0,-1-1 0,-1 0 0,0 0 0,-20 14 0,24-23 0,0 0 0,1 0 0,-1-1 0,0 0 0,-1 0 0,1-1 0,0 1 0,0-2 0,-13 0 0,-23 4 0,25-1-455,1 2 0,-34 12 0</inkml:trace>
+</inkml:ink>
+</file>
+
+<file path=ppt/ink/ink136.xml><?xml version="1.0" encoding="utf-8"?>
+<inkml:ink xmlns:inkml="http://www.w3.org/2003/InkML">
+  <inkml:definitions>
+    <inkml:context xml:id="ctx0">
+      <inkml:inkSource xml:id="inkSrc0">
+        <inkml:traceFormat>
+          <inkml:channel name="X" type="integer" min="-2.14748E9" max="2.14748E9" units="cm"/>
+          <inkml:channel name="Y" type="integer" min="-2.14748E9" max="2.14748E9" units="cm"/>
+          <inkml:channel name="F" type="integer" max="32767" units="dev"/>
+        </inkml:traceFormat>
+        <inkml:channelProperties>
+          <inkml:channelProperty channel="X" name="resolution" value="1000" units="1/cm"/>
+          <inkml:channelProperty channel="Y" name="resolution" value="1000" units="1/cm"/>
+          <inkml:channelProperty channel="F" name="resolution" value="0" units="1/dev"/>
+        </inkml:channelProperties>
+      </inkml:inkSource>
+      <inkml:timestamp xml:id="ts0" timeString="2024-11-26T18:45:18.655"/>
+    </inkml:context>
+    <inkml:brush xml:id="br0">
+      <inkml:brushProperty name="width" value="0.35" units="cm"/>
+      <inkml:brushProperty name="height" value="0.35" units="cm"/>
+      <inkml:brushProperty name="color" value="#333333"/>
+    </inkml:brush>
+  </inkml:definitions>
+  <inkml:trace contextRef="#ctx0" brushRef="#br0">1482 752 24575,'-70'18'0,"30"-17"0,-123-3 0,-14-7 0,81 0 0,72 7 0,-2-1 0,0 1 0,0 2 0,0 0 0,-34 6 0,31-3 0,-1-1 0,1-1 0,-48-6 0,-117-30 0,192 34 0,0 0 0,-1 0 0,1 0 0,0 0 0,0 0 0,0-1 0,0 1 0,1-1 0,-1 1 0,0-1 0,1 0 0,-1 0 0,1 1 0,-3-5 0,-22-19 0,3 14 0,12 7 0,0-2 0,0 1 0,1-1 0,-11-8 0,17 10 0,1 1 0,-1-1 0,1 0 0,-1 0 0,1 0 0,1 0 0,-1 0 0,0-1 0,1 1 0,0-1 0,0 0 0,1 1 0,-2-8 0,-4-9 0,-1 0 0,-1 1 0,0 0 0,-1 0 0,-19-26 0,20 33 0,2 0 0,0-1 0,-8-21 0,-5-9 0,13 28 0,0-1 0,1 1 0,0-1 0,1-1 0,2 1 0,-5-35 0,0-63 0,3 98 0,-4 15 0,8 3 0,0 0 0,0 0 0,0 0 0,0 0 0,0 0 0,0 0 0,0 1 0,1-1 0,-1 0 0,0 0 0,1 1 0,-1-1 0,1 0 0,-1 1 0,1-1 0,0 1 0,0-1 0,-1 0 0,1 3 0,0 9 0,1 0 0,0 0 0,1-1 0,0 1 0,1 0 0,0-1 0,1 1 0,8 17 0,11 37 0,-20-51 0,0 1 0,-1-1 0,-1 24 0,2 9 0,24 65 0,-27-109 0,1 1 0,0-1 0,0 1 0,0-1 0,0 1 0,1-1 0,0 0 0,0 0 0,1 0 0,-1 0 0,5 6 0,-5-9 0,1 1 0,-1-1 0,0 1 0,1-1 0,0 0 0,-1 0 0,1 0 0,0-1 0,0 1 0,0-1 0,0 1 0,0-1 0,1 0 0,-1 0 0,0 0 0,1-1 0,-1 1 0,0-1 0,6 0 0,41 3 0,-41-2 0,0 1 0,0-2 0,1 0 0,-1 0 0,1 0 0,-1-1 0,0-1 0,0 1 0,0-2 0,1 1 0,11-6 0,24-11 0,-34 15 0,-1-1 0,1 1 0,-1-1 0,0-1 0,14-10 0,-21 13 0,0 0 0,0 0 0,0-1 0,-1 1 0,1-1 0,-1 1 0,0-1 0,0 0 0,0 0 0,0 1 0,-1-2 0,0 1 0,1 0 0,-2 0 0,1 0 0,0 0 0,-1-1 0,0 1 0,0-5 0,0 5 0,0 0 0,-1 0 0,0 0 0,1-1 0,-1 1 0,-1 0 0,1 0 0,-1 0 0,1 0 0,-1 1 0,0-1 0,-1 0 0,1 1 0,0-1 0,-1 1 0,0 0 0,0 0 0,0 0 0,0 0 0,0 1 0,-1-1 0,1 1 0,-1 0 0,0 0 0,0 0 0,1 0 0,-1 1 0,0-1 0,0 1 0,-1 0 0,1 0 0,0 1 0,0-1 0,0 1 0,-1 0 0,1 0 0,0 1 0,0-1 0,0 1 0,-1 0 0,1 0 0,0 0 0,0 0 0,0 1 0,0-1 0,1 1 0,-6 4 0,-68 22-1365</inkml:trace>
 </inkml:ink>
 </file>
 
@@ -6730,8 +8886,8 @@
               </a:prstGeom>
             </p:spPr>
           </p:pic>
-          <mc:AlternateContent xmlns:mc="http://schemas.openxmlformats.org/markup-compatibility/2006">
-            <mc:Choice xmlns:p14="http://schemas.microsoft.com/office/powerpoint/2010/main" Requires="p14">
+          <mc:AlternateContent xmlns:mc="http://schemas.openxmlformats.org/markup-compatibility/2006" xmlns:p14="http://schemas.microsoft.com/office/powerpoint/2010/main">
+            <mc:Choice Requires="p14">
               <p:contentPart p14:bwMode="auto" r:id="rId3">
                 <p14:nvContentPartPr>
                   <p14:cNvPr id="11" name="Рукописный ввод 10">
@@ -6750,7 +8906,7 @@
                 </p14:xfrm>
               </p:contentPart>
             </mc:Choice>
-            <mc:Fallback>
+            <mc:Fallback xmlns="">
               <p:pic>
                 <p:nvPicPr>
                   <p:cNvPr id="11" name="Рукописный ввод 10">
@@ -6781,8 +8937,8 @@
               </p:pic>
             </mc:Fallback>
           </mc:AlternateContent>
-          <mc:AlternateContent xmlns:mc="http://schemas.openxmlformats.org/markup-compatibility/2006">
-            <mc:Choice xmlns:p14="http://schemas.microsoft.com/office/powerpoint/2010/main" Requires="p14">
+          <mc:AlternateContent xmlns:mc="http://schemas.openxmlformats.org/markup-compatibility/2006" xmlns:p14="http://schemas.microsoft.com/office/powerpoint/2010/main">
+            <mc:Choice Requires="p14">
               <p:contentPart p14:bwMode="auto" r:id="rId5">
                 <p14:nvContentPartPr>
                   <p14:cNvPr id="14" name="Рукописный ввод 13">
@@ -6801,7 +8957,7 @@
                 </p14:xfrm>
               </p:contentPart>
             </mc:Choice>
-            <mc:Fallback>
+            <mc:Fallback xmlns="">
               <p:pic>
                 <p:nvPicPr>
                   <p:cNvPr id="14" name="Рукописный ввод 13">
@@ -6832,8 +8988,8 @@
               </p:pic>
             </mc:Fallback>
           </mc:AlternateContent>
-          <mc:AlternateContent xmlns:mc="http://schemas.openxmlformats.org/markup-compatibility/2006">
-            <mc:Choice xmlns:p14="http://schemas.microsoft.com/office/powerpoint/2010/main" Requires="p14">
+          <mc:AlternateContent xmlns:mc="http://schemas.openxmlformats.org/markup-compatibility/2006" xmlns:p14="http://schemas.microsoft.com/office/powerpoint/2010/main">
+            <mc:Choice Requires="p14">
               <p:contentPart p14:bwMode="auto" r:id="rId7">
                 <p14:nvContentPartPr>
                   <p14:cNvPr id="15" name="Рукописный ввод 14">
@@ -6852,7 +9008,7 @@
                 </p14:xfrm>
               </p:contentPart>
             </mc:Choice>
-            <mc:Fallback>
+            <mc:Fallback xmlns="">
               <p:pic>
                 <p:nvPicPr>
                   <p:cNvPr id="15" name="Рукописный ввод 14">
@@ -6883,8 +9039,8 @@
               </p:pic>
             </mc:Fallback>
           </mc:AlternateContent>
-          <mc:AlternateContent xmlns:mc="http://schemas.openxmlformats.org/markup-compatibility/2006">
-            <mc:Choice xmlns:p14="http://schemas.microsoft.com/office/powerpoint/2010/main" Requires="p14">
+          <mc:AlternateContent xmlns:mc="http://schemas.openxmlformats.org/markup-compatibility/2006" xmlns:p14="http://schemas.microsoft.com/office/powerpoint/2010/main">
+            <mc:Choice Requires="p14">
               <p:contentPart p14:bwMode="auto" r:id="rId9">
                 <p14:nvContentPartPr>
                   <p14:cNvPr id="16" name="Рукописный ввод 15">
@@ -6903,7 +9059,7 @@
                 </p14:xfrm>
               </p:contentPart>
             </mc:Choice>
-            <mc:Fallback>
+            <mc:Fallback xmlns="">
               <p:pic>
                 <p:nvPicPr>
                   <p:cNvPr id="16" name="Рукописный ввод 15">
@@ -6934,8 +9090,8 @@
               </p:pic>
             </mc:Fallback>
           </mc:AlternateContent>
-          <mc:AlternateContent xmlns:mc="http://schemas.openxmlformats.org/markup-compatibility/2006">
-            <mc:Choice xmlns:p14="http://schemas.microsoft.com/office/powerpoint/2010/main" Requires="p14">
+          <mc:AlternateContent xmlns:mc="http://schemas.openxmlformats.org/markup-compatibility/2006" xmlns:p14="http://schemas.microsoft.com/office/powerpoint/2010/main">
+            <mc:Choice Requires="p14">
               <p:contentPart p14:bwMode="auto" r:id="rId11">
                 <p14:nvContentPartPr>
                   <p14:cNvPr id="20" name="Рукописный ввод 19">
@@ -6954,7 +9110,7 @@
                 </p14:xfrm>
               </p:contentPart>
             </mc:Choice>
-            <mc:Fallback>
+            <mc:Fallback xmlns="">
               <p:pic>
                 <p:nvPicPr>
                   <p:cNvPr id="20" name="Рукописный ввод 19">
@@ -6985,8 +9141,8 @@
               </p:pic>
             </mc:Fallback>
           </mc:AlternateContent>
-          <mc:AlternateContent xmlns:mc="http://schemas.openxmlformats.org/markup-compatibility/2006">
-            <mc:Choice xmlns:p14="http://schemas.microsoft.com/office/powerpoint/2010/main" Requires="p14">
+          <mc:AlternateContent xmlns:mc="http://schemas.openxmlformats.org/markup-compatibility/2006" xmlns:p14="http://schemas.microsoft.com/office/powerpoint/2010/main">
+            <mc:Choice Requires="p14">
               <p:contentPart p14:bwMode="auto" r:id="rId13">
                 <p14:nvContentPartPr>
                   <p14:cNvPr id="22" name="Рукописный ввод 21">
@@ -7005,7 +9161,7 @@
                 </p14:xfrm>
               </p:contentPart>
             </mc:Choice>
-            <mc:Fallback>
+            <mc:Fallback xmlns="">
               <p:pic>
                 <p:nvPicPr>
                   <p:cNvPr id="22" name="Рукописный ввод 21">
@@ -7036,8 +9192,8 @@
               </p:pic>
             </mc:Fallback>
           </mc:AlternateContent>
-          <mc:AlternateContent xmlns:mc="http://schemas.openxmlformats.org/markup-compatibility/2006">
-            <mc:Choice xmlns:p14="http://schemas.microsoft.com/office/powerpoint/2010/main" Requires="p14">
+          <mc:AlternateContent xmlns:mc="http://schemas.openxmlformats.org/markup-compatibility/2006" xmlns:p14="http://schemas.microsoft.com/office/powerpoint/2010/main">
+            <mc:Choice Requires="p14">
               <p:contentPart p14:bwMode="auto" r:id="rId15">
                 <p14:nvContentPartPr>
                   <p14:cNvPr id="23" name="Рукописный ввод 22">
@@ -7056,7 +9212,7 @@
                 </p14:xfrm>
               </p:contentPart>
             </mc:Choice>
-            <mc:Fallback>
+            <mc:Fallback xmlns="">
               <p:pic>
                 <p:nvPicPr>
                   <p:cNvPr id="23" name="Рукописный ввод 22">
@@ -7087,8 +9243,8 @@
               </p:pic>
             </mc:Fallback>
           </mc:AlternateContent>
-          <mc:AlternateContent xmlns:mc="http://schemas.openxmlformats.org/markup-compatibility/2006">
-            <mc:Choice xmlns:p14="http://schemas.microsoft.com/office/powerpoint/2010/main" Requires="p14">
+          <mc:AlternateContent xmlns:mc="http://schemas.openxmlformats.org/markup-compatibility/2006" xmlns:p14="http://schemas.microsoft.com/office/powerpoint/2010/main">
+            <mc:Choice Requires="p14">
               <p:contentPart p14:bwMode="auto" r:id="rId17">
                 <p14:nvContentPartPr>
                   <p14:cNvPr id="24" name="Рукописный ввод 23">
@@ -7107,7 +9263,7 @@
                 </p14:xfrm>
               </p:contentPart>
             </mc:Choice>
-            <mc:Fallback>
+            <mc:Fallback xmlns="">
               <p:pic>
                 <p:nvPicPr>
                   <p:cNvPr id="24" name="Рукописный ввод 23">
@@ -7138,8 +9294,8 @@
               </p:pic>
             </mc:Fallback>
           </mc:AlternateContent>
-          <mc:AlternateContent xmlns:mc="http://schemas.openxmlformats.org/markup-compatibility/2006">
-            <mc:Choice xmlns:p14="http://schemas.microsoft.com/office/powerpoint/2010/main" Requires="p14">
+          <mc:AlternateContent xmlns:mc="http://schemas.openxmlformats.org/markup-compatibility/2006" xmlns:p14="http://schemas.microsoft.com/office/powerpoint/2010/main">
+            <mc:Choice Requires="p14">
               <p:contentPart p14:bwMode="auto" r:id="rId19">
                 <p14:nvContentPartPr>
                   <p14:cNvPr id="25" name="Рукописный ввод 24">
@@ -7158,7 +9314,7 @@
                 </p14:xfrm>
               </p:contentPart>
             </mc:Choice>
-            <mc:Fallback>
+            <mc:Fallback xmlns="">
               <p:pic>
                 <p:nvPicPr>
                   <p:cNvPr id="25" name="Рукописный ввод 24">
@@ -7189,8 +9345,8 @@
               </p:pic>
             </mc:Fallback>
           </mc:AlternateContent>
-          <mc:AlternateContent xmlns:mc="http://schemas.openxmlformats.org/markup-compatibility/2006">
-            <mc:Choice xmlns:p14="http://schemas.microsoft.com/office/powerpoint/2010/main" Requires="p14">
+          <mc:AlternateContent xmlns:mc="http://schemas.openxmlformats.org/markup-compatibility/2006" xmlns:p14="http://schemas.microsoft.com/office/powerpoint/2010/main">
+            <mc:Choice Requires="p14">
               <p:contentPart p14:bwMode="auto" r:id="rId21">
                 <p14:nvContentPartPr>
                   <p14:cNvPr id="30" name="Рукописный ввод 29">
@@ -7209,7 +9365,7 @@
                 </p14:xfrm>
               </p:contentPart>
             </mc:Choice>
-            <mc:Fallback>
+            <mc:Fallback xmlns="">
               <p:pic>
                 <p:nvPicPr>
                   <p:cNvPr id="30" name="Рукописный ввод 29">
@@ -7292,8 +9448,8 @@
               </a:p>
             </p:txBody>
           </p:sp>
-          <mc:AlternateContent xmlns:mc="http://schemas.openxmlformats.org/markup-compatibility/2006">
-            <mc:Choice xmlns:p14="http://schemas.microsoft.com/office/powerpoint/2010/main" Requires="p14">
+          <mc:AlternateContent xmlns:mc="http://schemas.openxmlformats.org/markup-compatibility/2006" xmlns:p14="http://schemas.microsoft.com/office/powerpoint/2010/main">
+            <mc:Choice Requires="p14">
               <p:contentPart p14:bwMode="auto" r:id="rId23">
                 <p14:nvContentPartPr>
                   <p14:cNvPr id="32" name="Рукописный ввод 31">
@@ -7312,7 +9468,7 @@
                 </p14:xfrm>
               </p:contentPart>
             </mc:Choice>
-            <mc:Fallback>
+            <mc:Fallback xmlns="">
               <p:pic>
                 <p:nvPicPr>
                   <p:cNvPr id="32" name="Рукописный ввод 31">
@@ -7363,8 +9519,8 @@
                 <a:chExt cx="601200" cy="667260"/>
               </a:xfrm>
             </p:grpSpPr>
-            <mc:AlternateContent xmlns:mc="http://schemas.openxmlformats.org/markup-compatibility/2006">
-              <mc:Choice xmlns:p14="http://schemas.microsoft.com/office/powerpoint/2010/main" Requires="p14">
+            <mc:AlternateContent xmlns:mc="http://schemas.openxmlformats.org/markup-compatibility/2006" xmlns:p14="http://schemas.microsoft.com/office/powerpoint/2010/main">
+              <mc:Choice Requires="p14">
                 <p:contentPart p14:bwMode="auto" r:id="rId25">
                   <p14:nvContentPartPr>
                     <p14:cNvPr id="17" name="Рукописный ввод 16">
@@ -7383,7 +9539,7 @@
                   </p14:xfrm>
                 </p:contentPart>
               </mc:Choice>
-              <mc:Fallback>
+              <mc:Fallback xmlns="">
                 <p:pic>
                   <p:nvPicPr>
                     <p:cNvPr id="17" name="Рукописный ввод 16">
@@ -7414,8 +9570,8 @@
                 </p:pic>
               </mc:Fallback>
             </mc:AlternateContent>
-            <mc:AlternateContent xmlns:mc="http://schemas.openxmlformats.org/markup-compatibility/2006">
-              <mc:Choice xmlns:p14="http://schemas.microsoft.com/office/powerpoint/2010/main" Requires="p14">
+            <mc:AlternateContent xmlns:mc="http://schemas.openxmlformats.org/markup-compatibility/2006" xmlns:p14="http://schemas.microsoft.com/office/powerpoint/2010/main">
+              <mc:Choice Requires="p14">
                 <p:contentPart p14:bwMode="auto" r:id="rId27">
                   <p14:nvContentPartPr>
                     <p14:cNvPr id="18" name="Рукописный ввод 17">
@@ -7434,7 +9590,7 @@
                   </p14:xfrm>
                 </p:contentPart>
               </mc:Choice>
-              <mc:Fallback>
+              <mc:Fallback xmlns="">
                 <p:pic>
                   <p:nvPicPr>
                     <p:cNvPr id="18" name="Рукописный ввод 17">
@@ -7465,8 +9621,8 @@
                 </p:pic>
               </mc:Fallback>
             </mc:AlternateContent>
-            <mc:AlternateContent xmlns:mc="http://schemas.openxmlformats.org/markup-compatibility/2006">
-              <mc:Choice xmlns:p14="http://schemas.microsoft.com/office/powerpoint/2010/main" Requires="p14">
+            <mc:AlternateContent xmlns:mc="http://schemas.openxmlformats.org/markup-compatibility/2006" xmlns:p14="http://schemas.microsoft.com/office/powerpoint/2010/main">
+              <mc:Choice Requires="p14">
                 <p:contentPart p14:bwMode="auto" r:id="rId28">
                   <p14:nvContentPartPr>
                     <p14:cNvPr id="34" name="Рукописный ввод 33">
@@ -7485,7 +9641,7 @@
                   </p14:xfrm>
                 </p:contentPart>
               </mc:Choice>
-              <mc:Fallback>
+              <mc:Fallback xmlns="">
                 <p:pic>
                   <p:nvPicPr>
                     <p:cNvPr id="34" name="Рукописный ввод 33">
@@ -7517,8 +9673,8 @@
               </mc:Fallback>
             </mc:AlternateContent>
           </p:grpSp>
-          <mc:AlternateContent xmlns:mc="http://schemas.openxmlformats.org/markup-compatibility/2006">
-            <mc:Choice xmlns:p14="http://schemas.microsoft.com/office/powerpoint/2010/main" Requires="p14">
+          <mc:AlternateContent xmlns:mc="http://schemas.openxmlformats.org/markup-compatibility/2006" xmlns:p14="http://schemas.microsoft.com/office/powerpoint/2010/main">
+            <mc:Choice Requires="p14">
               <p:contentPart p14:bwMode="auto" r:id="rId30">
                 <p14:nvContentPartPr>
                   <p14:cNvPr id="40" name="Рукописный ввод 39">
@@ -7537,7 +9693,7 @@
                 </p14:xfrm>
               </p:contentPart>
             </mc:Choice>
-            <mc:Fallback>
+            <mc:Fallback xmlns="">
               <p:pic>
                 <p:nvPicPr>
                   <p:cNvPr id="40" name="Рукописный ввод 39">
@@ -7568,8 +9724,8 @@
               </p:pic>
             </mc:Fallback>
           </mc:AlternateContent>
-          <mc:AlternateContent xmlns:mc="http://schemas.openxmlformats.org/markup-compatibility/2006">
-            <mc:Choice xmlns:p14="http://schemas.microsoft.com/office/powerpoint/2010/main" Requires="p14">
+          <mc:AlternateContent xmlns:mc="http://schemas.openxmlformats.org/markup-compatibility/2006" xmlns:p14="http://schemas.microsoft.com/office/powerpoint/2010/main">
+            <mc:Choice Requires="p14">
               <p:contentPart p14:bwMode="auto" r:id="rId32">
                 <p14:nvContentPartPr>
                   <p14:cNvPr id="54" name="Рукописный ввод 53">
@@ -7588,7 +9744,7 @@
                 </p14:xfrm>
               </p:contentPart>
             </mc:Choice>
-            <mc:Fallback>
+            <mc:Fallback xmlns="">
               <p:pic>
                 <p:nvPicPr>
                   <p:cNvPr id="54" name="Рукописный ввод 53">
@@ -7619,8 +9775,8 @@
               </p:pic>
             </mc:Fallback>
           </mc:AlternateContent>
-          <mc:AlternateContent xmlns:mc="http://schemas.openxmlformats.org/markup-compatibility/2006">
-            <mc:Choice xmlns:p14="http://schemas.microsoft.com/office/powerpoint/2010/main" Requires="p14">
+          <mc:AlternateContent xmlns:mc="http://schemas.openxmlformats.org/markup-compatibility/2006" xmlns:p14="http://schemas.microsoft.com/office/powerpoint/2010/main">
+            <mc:Choice Requires="p14">
               <p:contentPart p14:bwMode="auto" r:id="rId34">
                 <p14:nvContentPartPr>
                   <p14:cNvPr id="55" name="Рукописный ввод 54">
@@ -7639,7 +9795,7 @@
                 </p14:xfrm>
               </p:contentPart>
             </mc:Choice>
-            <mc:Fallback>
+            <mc:Fallback xmlns="">
               <p:pic>
                 <p:nvPicPr>
                   <p:cNvPr id="55" name="Рукописный ввод 54">
@@ -8575,8 +10731,8 @@
             </a:prstGeom>
           </p:spPr>
         </p:pic>
-        <mc:AlternateContent xmlns:mc="http://schemas.openxmlformats.org/markup-compatibility/2006">
-          <mc:Choice xmlns:p14="http://schemas.microsoft.com/office/powerpoint/2010/main" Requires="p14">
+        <mc:AlternateContent xmlns:mc="http://schemas.openxmlformats.org/markup-compatibility/2006" xmlns:p14="http://schemas.microsoft.com/office/powerpoint/2010/main">
+          <mc:Choice Requires="p14">
             <p:contentPart p14:bwMode="auto" r:id="rId3">
               <p14:nvContentPartPr>
                 <p14:cNvPr id="12" name="Рукописный ввод 11">
@@ -8595,7 +10751,7 @@
               </p14:xfrm>
             </p:contentPart>
           </mc:Choice>
-          <mc:Fallback>
+          <mc:Fallback xmlns="">
             <p:pic>
               <p:nvPicPr>
                 <p:cNvPr id="12" name="Рукописный ввод 11">
@@ -8626,8 +10782,8 @@
             </p:pic>
           </mc:Fallback>
         </mc:AlternateContent>
-        <mc:AlternateContent xmlns:mc="http://schemas.openxmlformats.org/markup-compatibility/2006">
-          <mc:Choice xmlns:p14="http://schemas.microsoft.com/office/powerpoint/2010/main" Requires="p14">
+        <mc:AlternateContent xmlns:mc="http://schemas.openxmlformats.org/markup-compatibility/2006" xmlns:p14="http://schemas.microsoft.com/office/powerpoint/2010/main">
+          <mc:Choice Requires="p14">
             <p:contentPart p14:bwMode="auto" r:id="rId5">
               <p14:nvContentPartPr>
                 <p14:cNvPr id="13" name="Рукописный ввод 12">
@@ -8646,7 +10802,7 @@
               </p14:xfrm>
             </p:contentPart>
           </mc:Choice>
-          <mc:Fallback>
+          <mc:Fallback xmlns="">
             <p:pic>
               <p:nvPicPr>
                 <p:cNvPr id="13" name="Рукописный ввод 12">
@@ -8677,8 +10833,8 @@
             </p:pic>
           </mc:Fallback>
         </mc:AlternateContent>
-        <mc:AlternateContent xmlns:mc="http://schemas.openxmlformats.org/markup-compatibility/2006">
-          <mc:Choice xmlns:p14="http://schemas.microsoft.com/office/powerpoint/2010/main" Requires="p14">
+        <mc:AlternateContent xmlns:mc="http://schemas.openxmlformats.org/markup-compatibility/2006" xmlns:p14="http://schemas.microsoft.com/office/powerpoint/2010/main">
+          <mc:Choice Requires="p14">
             <p:contentPart p14:bwMode="auto" r:id="rId7">
               <p14:nvContentPartPr>
                 <p14:cNvPr id="14" name="Рукописный ввод 13">
@@ -8697,7 +10853,7 @@
               </p14:xfrm>
             </p:contentPart>
           </mc:Choice>
-          <mc:Fallback>
+          <mc:Fallback xmlns="">
             <p:pic>
               <p:nvPicPr>
                 <p:cNvPr id="14" name="Рукописный ввод 13">
@@ -8728,8 +10884,8 @@
             </p:pic>
           </mc:Fallback>
         </mc:AlternateContent>
-        <mc:AlternateContent xmlns:mc="http://schemas.openxmlformats.org/markup-compatibility/2006">
-          <mc:Choice xmlns:p14="http://schemas.microsoft.com/office/powerpoint/2010/main" Requires="p14">
+        <mc:AlternateContent xmlns:mc="http://schemas.openxmlformats.org/markup-compatibility/2006" xmlns:p14="http://schemas.microsoft.com/office/powerpoint/2010/main">
+          <mc:Choice Requires="p14">
             <p:contentPart p14:bwMode="auto" r:id="rId9">
               <p14:nvContentPartPr>
                 <p14:cNvPr id="15" name="Рукописный ввод 14">
@@ -8748,7 +10904,7 @@
               </p14:xfrm>
             </p:contentPart>
           </mc:Choice>
-          <mc:Fallback>
+          <mc:Fallback xmlns="">
             <p:pic>
               <p:nvPicPr>
                 <p:cNvPr id="15" name="Рукописный ввод 14">
@@ -8779,8 +10935,8 @@
             </p:pic>
           </mc:Fallback>
         </mc:AlternateContent>
-        <mc:AlternateContent xmlns:mc="http://schemas.openxmlformats.org/markup-compatibility/2006">
-          <mc:Choice xmlns:p14="http://schemas.microsoft.com/office/powerpoint/2010/main" Requires="p14">
+        <mc:AlternateContent xmlns:mc="http://schemas.openxmlformats.org/markup-compatibility/2006" xmlns:p14="http://schemas.microsoft.com/office/powerpoint/2010/main">
+          <mc:Choice Requires="p14">
             <p:contentPart p14:bwMode="auto" r:id="rId11">
               <p14:nvContentPartPr>
                 <p14:cNvPr id="16" name="Рукописный ввод 15">
@@ -8799,7 +10955,7 @@
               </p14:xfrm>
             </p:contentPart>
           </mc:Choice>
-          <mc:Fallback>
+          <mc:Fallback xmlns="">
             <p:pic>
               <p:nvPicPr>
                 <p:cNvPr id="16" name="Рукописный ввод 15">
@@ -8830,8 +10986,8 @@
             </p:pic>
           </mc:Fallback>
         </mc:AlternateContent>
-        <mc:AlternateContent xmlns:mc="http://schemas.openxmlformats.org/markup-compatibility/2006">
-          <mc:Choice xmlns:p14="http://schemas.microsoft.com/office/powerpoint/2010/main" Requires="p14">
+        <mc:AlternateContent xmlns:mc="http://schemas.openxmlformats.org/markup-compatibility/2006" xmlns:p14="http://schemas.microsoft.com/office/powerpoint/2010/main">
+          <mc:Choice Requires="p14">
             <p:contentPart p14:bwMode="auto" r:id="rId13">
               <p14:nvContentPartPr>
                 <p14:cNvPr id="17" name="Рукописный ввод 16">
@@ -8850,7 +11006,7 @@
               </p14:xfrm>
             </p:contentPart>
           </mc:Choice>
-          <mc:Fallback>
+          <mc:Fallback xmlns="">
             <p:pic>
               <p:nvPicPr>
                 <p:cNvPr id="17" name="Рукописный ввод 16">
@@ -8881,8 +11037,8 @@
             </p:pic>
           </mc:Fallback>
         </mc:AlternateContent>
-        <mc:AlternateContent xmlns:mc="http://schemas.openxmlformats.org/markup-compatibility/2006">
-          <mc:Choice xmlns:p14="http://schemas.microsoft.com/office/powerpoint/2010/main" Requires="p14">
+        <mc:AlternateContent xmlns:mc="http://schemas.openxmlformats.org/markup-compatibility/2006" xmlns:p14="http://schemas.microsoft.com/office/powerpoint/2010/main">
+          <mc:Choice Requires="p14">
             <p:contentPart p14:bwMode="auto" r:id="rId15">
               <p14:nvContentPartPr>
                 <p14:cNvPr id="18" name="Рукописный ввод 17">
@@ -8901,7 +11057,7 @@
               </p14:xfrm>
             </p:contentPart>
           </mc:Choice>
-          <mc:Fallback>
+          <mc:Fallback xmlns="">
             <p:pic>
               <p:nvPicPr>
                 <p:cNvPr id="18" name="Рукописный ввод 17">
@@ -8932,8 +11088,8 @@
             </p:pic>
           </mc:Fallback>
         </mc:AlternateContent>
-        <mc:AlternateContent xmlns:mc="http://schemas.openxmlformats.org/markup-compatibility/2006">
-          <mc:Choice xmlns:p14="http://schemas.microsoft.com/office/powerpoint/2010/main" Requires="p14">
+        <mc:AlternateContent xmlns:mc="http://schemas.openxmlformats.org/markup-compatibility/2006" xmlns:p14="http://schemas.microsoft.com/office/powerpoint/2010/main">
+          <mc:Choice Requires="p14">
             <p:contentPart p14:bwMode="auto" r:id="rId17">
               <p14:nvContentPartPr>
                 <p14:cNvPr id="19" name="Рукописный ввод 18">
@@ -8952,7 +11108,7 @@
               </p14:xfrm>
             </p:contentPart>
           </mc:Choice>
-          <mc:Fallback>
+          <mc:Fallback xmlns="">
             <p:pic>
               <p:nvPicPr>
                 <p:cNvPr id="19" name="Рукописный ввод 18">
@@ -8983,8 +11139,8 @@
             </p:pic>
           </mc:Fallback>
         </mc:AlternateContent>
-        <mc:AlternateContent xmlns:mc="http://schemas.openxmlformats.org/markup-compatibility/2006">
-          <mc:Choice xmlns:p14="http://schemas.microsoft.com/office/powerpoint/2010/main" Requires="p14">
+        <mc:AlternateContent xmlns:mc="http://schemas.openxmlformats.org/markup-compatibility/2006" xmlns:p14="http://schemas.microsoft.com/office/powerpoint/2010/main">
+          <mc:Choice Requires="p14">
             <p:contentPart p14:bwMode="auto" r:id="rId19">
               <p14:nvContentPartPr>
                 <p14:cNvPr id="20" name="Рукописный ввод 19">
@@ -9003,7 +11159,7 @@
               </p14:xfrm>
             </p:contentPart>
           </mc:Choice>
-          <mc:Fallback>
+          <mc:Fallback xmlns="">
             <p:pic>
               <p:nvPicPr>
                 <p:cNvPr id="20" name="Рукописный ввод 19">
@@ -9034,8 +11190,8 @@
             </p:pic>
           </mc:Fallback>
         </mc:AlternateContent>
-        <mc:AlternateContent xmlns:mc="http://schemas.openxmlformats.org/markup-compatibility/2006">
-          <mc:Choice xmlns:p14="http://schemas.microsoft.com/office/powerpoint/2010/main" Requires="p14">
+        <mc:AlternateContent xmlns:mc="http://schemas.openxmlformats.org/markup-compatibility/2006" xmlns:p14="http://schemas.microsoft.com/office/powerpoint/2010/main">
+          <mc:Choice Requires="p14">
             <p:contentPart p14:bwMode="auto" r:id="rId21">
               <p14:nvContentPartPr>
                 <p14:cNvPr id="21" name="Рукописный ввод 20">
@@ -9054,7 +11210,7 @@
               </p14:xfrm>
             </p:contentPart>
           </mc:Choice>
-          <mc:Fallback>
+          <mc:Fallback xmlns="">
             <p:pic>
               <p:nvPicPr>
                 <p:cNvPr id="21" name="Рукописный ввод 20">
@@ -9137,8 +11293,8 @@
             </a:p>
           </p:txBody>
         </p:sp>
-        <mc:AlternateContent xmlns:mc="http://schemas.openxmlformats.org/markup-compatibility/2006">
-          <mc:Choice xmlns:p14="http://schemas.microsoft.com/office/powerpoint/2010/main" Requires="p14">
+        <mc:AlternateContent xmlns:mc="http://schemas.openxmlformats.org/markup-compatibility/2006" xmlns:p14="http://schemas.microsoft.com/office/powerpoint/2010/main">
+          <mc:Choice Requires="p14">
             <p:contentPart p14:bwMode="auto" r:id="rId23">
               <p14:nvContentPartPr>
                 <p14:cNvPr id="23" name="Рукописный ввод 22">
@@ -9157,7 +11313,7 @@
               </p14:xfrm>
             </p:contentPart>
           </mc:Choice>
-          <mc:Fallback>
+          <mc:Fallback xmlns="">
             <p:pic>
               <p:nvPicPr>
                 <p:cNvPr id="23" name="Рукописный ввод 22">
@@ -9208,8 +11364,8 @@
               <a:chExt cx="601200" cy="667260"/>
             </a:xfrm>
           </p:grpSpPr>
-          <mc:AlternateContent xmlns:mc="http://schemas.openxmlformats.org/markup-compatibility/2006">
-            <mc:Choice xmlns:p14="http://schemas.microsoft.com/office/powerpoint/2010/main" Requires="p14">
+          <mc:AlternateContent xmlns:mc="http://schemas.openxmlformats.org/markup-compatibility/2006" xmlns:p14="http://schemas.microsoft.com/office/powerpoint/2010/main">
+            <mc:Choice Requires="p14">
               <p:contentPart p14:bwMode="auto" r:id="rId25">
                 <p14:nvContentPartPr>
                   <p14:cNvPr id="28" name="Рукописный ввод 27">
@@ -9228,7 +11384,7 @@
                 </p14:xfrm>
               </p:contentPart>
             </mc:Choice>
-            <mc:Fallback>
+            <mc:Fallback xmlns="">
               <p:pic>
                 <p:nvPicPr>
                   <p:cNvPr id="28" name="Рукописный ввод 27">
@@ -9259,8 +11415,8 @@
               </p:pic>
             </mc:Fallback>
           </mc:AlternateContent>
-          <mc:AlternateContent xmlns:mc="http://schemas.openxmlformats.org/markup-compatibility/2006">
-            <mc:Choice xmlns:p14="http://schemas.microsoft.com/office/powerpoint/2010/main" Requires="p14">
+          <mc:AlternateContent xmlns:mc="http://schemas.openxmlformats.org/markup-compatibility/2006" xmlns:p14="http://schemas.microsoft.com/office/powerpoint/2010/main">
+            <mc:Choice Requires="p14">
               <p:contentPart p14:bwMode="auto" r:id="rId27">
                 <p14:nvContentPartPr>
                   <p14:cNvPr id="29" name="Рукописный ввод 28">
@@ -9279,7 +11435,7 @@
                 </p14:xfrm>
               </p:contentPart>
             </mc:Choice>
-            <mc:Fallback>
+            <mc:Fallback xmlns="">
               <p:pic>
                 <p:nvPicPr>
                   <p:cNvPr id="29" name="Рукописный ввод 28">
@@ -9310,8 +11466,8 @@
               </p:pic>
             </mc:Fallback>
           </mc:AlternateContent>
-          <mc:AlternateContent xmlns:mc="http://schemas.openxmlformats.org/markup-compatibility/2006">
-            <mc:Choice xmlns:p14="http://schemas.microsoft.com/office/powerpoint/2010/main" Requires="p14">
+          <mc:AlternateContent xmlns:mc="http://schemas.openxmlformats.org/markup-compatibility/2006" xmlns:p14="http://schemas.microsoft.com/office/powerpoint/2010/main">
+            <mc:Choice Requires="p14">
               <p:contentPart p14:bwMode="auto" r:id="rId28">
                 <p14:nvContentPartPr>
                   <p14:cNvPr id="30" name="Рукописный ввод 29">
@@ -9330,7 +11486,7 @@
                 </p14:xfrm>
               </p:contentPart>
             </mc:Choice>
-            <mc:Fallback>
+            <mc:Fallback xmlns="">
               <p:pic>
                 <p:nvPicPr>
                   <p:cNvPr id="30" name="Рукописный ввод 29">
@@ -9362,8 +11518,8 @@
             </mc:Fallback>
           </mc:AlternateContent>
         </p:grpSp>
-        <mc:AlternateContent xmlns:mc="http://schemas.openxmlformats.org/markup-compatibility/2006">
-          <mc:Choice xmlns:p14="http://schemas.microsoft.com/office/powerpoint/2010/main" Requires="p14">
+        <mc:AlternateContent xmlns:mc="http://schemas.openxmlformats.org/markup-compatibility/2006" xmlns:p14="http://schemas.microsoft.com/office/powerpoint/2010/main">
+          <mc:Choice Requires="p14">
             <p:contentPart p14:bwMode="auto" r:id="rId30">
               <p14:nvContentPartPr>
                 <p14:cNvPr id="25" name="Рукописный ввод 24">
@@ -9382,7 +11538,7 @@
               </p14:xfrm>
             </p:contentPart>
           </mc:Choice>
-          <mc:Fallback>
+          <mc:Fallback xmlns="">
             <p:pic>
               <p:nvPicPr>
                 <p:cNvPr id="25" name="Рукописный ввод 24">
@@ -9413,8 +11569,8 @@
             </p:pic>
           </mc:Fallback>
         </mc:AlternateContent>
-        <mc:AlternateContent xmlns:mc="http://schemas.openxmlformats.org/markup-compatibility/2006">
-          <mc:Choice xmlns:p14="http://schemas.microsoft.com/office/powerpoint/2010/main" Requires="p14">
+        <mc:AlternateContent xmlns:mc="http://schemas.openxmlformats.org/markup-compatibility/2006" xmlns:p14="http://schemas.microsoft.com/office/powerpoint/2010/main">
+          <mc:Choice Requires="p14">
             <p:contentPart p14:bwMode="auto" r:id="rId32">
               <p14:nvContentPartPr>
                 <p14:cNvPr id="26" name="Рукописный ввод 25">
@@ -9433,7 +11589,7 @@
               </p14:xfrm>
             </p:contentPart>
           </mc:Choice>
-          <mc:Fallback>
+          <mc:Fallback xmlns="">
             <p:pic>
               <p:nvPicPr>
                 <p:cNvPr id="26" name="Рукописный ввод 25">
@@ -9464,8 +11620,8 @@
             </p:pic>
           </mc:Fallback>
         </mc:AlternateContent>
-        <mc:AlternateContent xmlns:mc="http://schemas.openxmlformats.org/markup-compatibility/2006">
-          <mc:Choice xmlns:p14="http://schemas.microsoft.com/office/powerpoint/2010/main" Requires="p14">
+        <mc:AlternateContent xmlns:mc="http://schemas.openxmlformats.org/markup-compatibility/2006" xmlns:p14="http://schemas.microsoft.com/office/powerpoint/2010/main">
+          <mc:Choice Requires="p14">
             <p:contentPart p14:bwMode="auto" r:id="rId34">
               <p14:nvContentPartPr>
                 <p14:cNvPr id="27" name="Рукописный ввод 26">
@@ -9484,7 +11640,7 @@
               </p14:xfrm>
             </p:contentPart>
           </mc:Choice>
-          <mc:Fallback>
+          <mc:Fallback xmlns="">
             <p:pic>
               <p:nvPicPr>
                 <p:cNvPr id="27" name="Рукописный ввод 26">
@@ -10076,8 +12232,8 @@
             </a:prstGeom>
           </p:spPr>
         </p:pic>
-        <mc:AlternateContent xmlns:mc="http://schemas.openxmlformats.org/markup-compatibility/2006">
-          <mc:Choice xmlns:p14="http://schemas.microsoft.com/office/powerpoint/2010/main" Requires="p14">
+        <mc:AlternateContent xmlns:mc="http://schemas.openxmlformats.org/markup-compatibility/2006" xmlns:p14="http://schemas.microsoft.com/office/powerpoint/2010/main">
+          <mc:Choice Requires="p14">
             <p:contentPart p14:bwMode="auto" r:id="rId3">
               <p14:nvContentPartPr>
                 <p14:cNvPr id="6" name="Рукописный ввод 5">
@@ -10096,7 +12252,7 @@
               </p14:xfrm>
             </p:contentPart>
           </mc:Choice>
-          <mc:Fallback>
+          <mc:Fallback xmlns="">
             <p:pic>
               <p:nvPicPr>
                 <p:cNvPr id="6" name="Рукописный ввод 5">
@@ -10127,8 +12283,8 @@
             </p:pic>
           </mc:Fallback>
         </mc:AlternateContent>
-        <mc:AlternateContent xmlns:mc="http://schemas.openxmlformats.org/markup-compatibility/2006">
-          <mc:Choice xmlns:p14="http://schemas.microsoft.com/office/powerpoint/2010/main" Requires="p14">
+        <mc:AlternateContent xmlns:mc="http://schemas.openxmlformats.org/markup-compatibility/2006" xmlns:p14="http://schemas.microsoft.com/office/powerpoint/2010/main">
+          <mc:Choice Requires="p14">
             <p:contentPart p14:bwMode="auto" r:id="rId5">
               <p14:nvContentPartPr>
                 <p14:cNvPr id="7" name="Рукописный ввод 6">
@@ -10147,7 +12303,7 @@
               </p14:xfrm>
             </p:contentPart>
           </mc:Choice>
-          <mc:Fallback>
+          <mc:Fallback xmlns="">
             <p:pic>
               <p:nvPicPr>
                 <p:cNvPr id="7" name="Рукописный ввод 6">
@@ -10178,8 +12334,8 @@
             </p:pic>
           </mc:Fallback>
         </mc:AlternateContent>
-        <mc:AlternateContent xmlns:mc="http://schemas.openxmlformats.org/markup-compatibility/2006">
-          <mc:Choice xmlns:p14="http://schemas.microsoft.com/office/powerpoint/2010/main" Requires="p14">
+        <mc:AlternateContent xmlns:mc="http://schemas.openxmlformats.org/markup-compatibility/2006" xmlns:p14="http://schemas.microsoft.com/office/powerpoint/2010/main">
+          <mc:Choice Requires="p14">
             <p:contentPart p14:bwMode="auto" r:id="rId7">
               <p14:nvContentPartPr>
                 <p14:cNvPr id="8" name="Рукописный ввод 7">
@@ -10198,7 +12354,7 @@
               </p14:xfrm>
             </p:contentPart>
           </mc:Choice>
-          <mc:Fallback>
+          <mc:Fallback xmlns="">
             <p:pic>
               <p:nvPicPr>
                 <p:cNvPr id="8" name="Рукописный ввод 7">
@@ -10229,8 +12385,8 @@
             </p:pic>
           </mc:Fallback>
         </mc:AlternateContent>
-        <mc:AlternateContent xmlns:mc="http://schemas.openxmlformats.org/markup-compatibility/2006">
-          <mc:Choice xmlns:p14="http://schemas.microsoft.com/office/powerpoint/2010/main" Requires="p14">
+        <mc:AlternateContent xmlns:mc="http://schemas.openxmlformats.org/markup-compatibility/2006" xmlns:p14="http://schemas.microsoft.com/office/powerpoint/2010/main">
+          <mc:Choice Requires="p14">
             <p:contentPart p14:bwMode="auto" r:id="rId9">
               <p14:nvContentPartPr>
                 <p14:cNvPr id="9" name="Рукописный ввод 8">
@@ -10249,7 +12405,7 @@
               </p14:xfrm>
             </p:contentPart>
           </mc:Choice>
-          <mc:Fallback>
+          <mc:Fallback xmlns="">
             <p:pic>
               <p:nvPicPr>
                 <p:cNvPr id="9" name="Рукописный ввод 8">
@@ -10280,8 +12436,8 @@
             </p:pic>
           </mc:Fallback>
         </mc:AlternateContent>
-        <mc:AlternateContent xmlns:mc="http://schemas.openxmlformats.org/markup-compatibility/2006">
-          <mc:Choice xmlns:p14="http://schemas.microsoft.com/office/powerpoint/2010/main" Requires="p14">
+        <mc:AlternateContent xmlns:mc="http://schemas.openxmlformats.org/markup-compatibility/2006" xmlns:p14="http://schemas.microsoft.com/office/powerpoint/2010/main">
+          <mc:Choice Requires="p14">
             <p:contentPart p14:bwMode="auto" r:id="rId11">
               <p14:nvContentPartPr>
                 <p14:cNvPr id="10" name="Рукописный ввод 9">
@@ -10300,7 +12456,7 @@
               </p14:xfrm>
             </p:contentPart>
           </mc:Choice>
-          <mc:Fallback>
+          <mc:Fallback xmlns="">
             <p:pic>
               <p:nvPicPr>
                 <p:cNvPr id="10" name="Рукописный ввод 9">
@@ -10331,8 +12487,8 @@
             </p:pic>
           </mc:Fallback>
         </mc:AlternateContent>
-        <mc:AlternateContent xmlns:mc="http://schemas.openxmlformats.org/markup-compatibility/2006">
-          <mc:Choice xmlns:p14="http://schemas.microsoft.com/office/powerpoint/2010/main" Requires="p14">
+        <mc:AlternateContent xmlns:mc="http://schemas.openxmlformats.org/markup-compatibility/2006" xmlns:p14="http://schemas.microsoft.com/office/powerpoint/2010/main">
+          <mc:Choice Requires="p14">
             <p:contentPart p14:bwMode="auto" r:id="rId13">
               <p14:nvContentPartPr>
                 <p14:cNvPr id="11" name="Рукописный ввод 10">
@@ -10351,7 +12507,7 @@
               </p14:xfrm>
             </p:contentPart>
           </mc:Choice>
-          <mc:Fallback>
+          <mc:Fallback xmlns="">
             <p:pic>
               <p:nvPicPr>
                 <p:cNvPr id="11" name="Рукописный ввод 10">
@@ -10382,8 +12538,8 @@
             </p:pic>
           </mc:Fallback>
         </mc:AlternateContent>
-        <mc:AlternateContent xmlns:mc="http://schemas.openxmlformats.org/markup-compatibility/2006">
-          <mc:Choice xmlns:p14="http://schemas.microsoft.com/office/powerpoint/2010/main" Requires="p14">
+        <mc:AlternateContent xmlns:mc="http://schemas.openxmlformats.org/markup-compatibility/2006" xmlns:p14="http://schemas.microsoft.com/office/powerpoint/2010/main">
+          <mc:Choice Requires="p14">
             <p:contentPart p14:bwMode="auto" r:id="rId15">
               <p14:nvContentPartPr>
                 <p14:cNvPr id="12" name="Рукописный ввод 11">
@@ -10402,7 +12558,7 @@
               </p14:xfrm>
             </p:contentPart>
           </mc:Choice>
-          <mc:Fallback>
+          <mc:Fallback xmlns="">
             <p:pic>
               <p:nvPicPr>
                 <p:cNvPr id="12" name="Рукописный ввод 11">
@@ -10433,8 +12589,8 @@
             </p:pic>
           </mc:Fallback>
         </mc:AlternateContent>
-        <mc:AlternateContent xmlns:mc="http://schemas.openxmlformats.org/markup-compatibility/2006">
-          <mc:Choice xmlns:p14="http://schemas.microsoft.com/office/powerpoint/2010/main" Requires="p14">
+        <mc:AlternateContent xmlns:mc="http://schemas.openxmlformats.org/markup-compatibility/2006" xmlns:p14="http://schemas.microsoft.com/office/powerpoint/2010/main">
+          <mc:Choice Requires="p14">
             <p:contentPart p14:bwMode="auto" r:id="rId17">
               <p14:nvContentPartPr>
                 <p14:cNvPr id="13" name="Рукописный ввод 12">
@@ -10453,7 +12609,7 @@
               </p14:xfrm>
             </p:contentPart>
           </mc:Choice>
-          <mc:Fallback>
+          <mc:Fallback xmlns="">
             <p:pic>
               <p:nvPicPr>
                 <p:cNvPr id="13" name="Рукописный ввод 12">
@@ -10484,8 +12640,8 @@
             </p:pic>
           </mc:Fallback>
         </mc:AlternateContent>
-        <mc:AlternateContent xmlns:mc="http://schemas.openxmlformats.org/markup-compatibility/2006">
-          <mc:Choice xmlns:p14="http://schemas.microsoft.com/office/powerpoint/2010/main" Requires="p14">
+        <mc:AlternateContent xmlns:mc="http://schemas.openxmlformats.org/markup-compatibility/2006" xmlns:p14="http://schemas.microsoft.com/office/powerpoint/2010/main">
+          <mc:Choice Requires="p14">
             <p:contentPart p14:bwMode="auto" r:id="rId19">
               <p14:nvContentPartPr>
                 <p14:cNvPr id="14" name="Рукописный ввод 13">
@@ -10504,7 +12660,7 @@
               </p14:xfrm>
             </p:contentPart>
           </mc:Choice>
-          <mc:Fallback>
+          <mc:Fallback xmlns="">
             <p:pic>
               <p:nvPicPr>
                 <p:cNvPr id="14" name="Рукописный ввод 13">
@@ -10535,8 +12691,8 @@
             </p:pic>
           </mc:Fallback>
         </mc:AlternateContent>
-        <mc:AlternateContent xmlns:mc="http://schemas.openxmlformats.org/markup-compatibility/2006">
-          <mc:Choice xmlns:p14="http://schemas.microsoft.com/office/powerpoint/2010/main" Requires="p14">
+        <mc:AlternateContent xmlns:mc="http://schemas.openxmlformats.org/markup-compatibility/2006" xmlns:p14="http://schemas.microsoft.com/office/powerpoint/2010/main">
+          <mc:Choice Requires="p14">
             <p:contentPart p14:bwMode="auto" r:id="rId21">
               <p14:nvContentPartPr>
                 <p14:cNvPr id="15" name="Рукописный ввод 14">
@@ -10555,7 +12711,7 @@
               </p14:xfrm>
             </p:contentPart>
           </mc:Choice>
-          <mc:Fallback>
+          <mc:Fallback xmlns="">
             <p:pic>
               <p:nvPicPr>
                 <p:cNvPr id="15" name="Рукописный ввод 14">
@@ -10638,8 +12794,8 @@
             </a:p>
           </p:txBody>
         </p:sp>
-        <mc:AlternateContent xmlns:mc="http://schemas.openxmlformats.org/markup-compatibility/2006">
-          <mc:Choice xmlns:p14="http://schemas.microsoft.com/office/powerpoint/2010/main" Requires="p14">
+        <mc:AlternateContent xmlns:mc="http://schemas.openxmlformats.org/markup-compatibility/2006" xmlns:p14="http://schemas.microsoft.com/office/powerpoint/2010/main">
+          <mc:Choice Requires="p14">
             <p:contentPart p14:bwMode="auto" r:id="rId23">
               <p14:nvContentPartPr>
                 <p14:cNvPr id="17" name="Рукописный ввод 16">
@@ -10658,7 +12814,7 @@
               </p14:xfrm>
             </p:contentPart>
           </mc:Choice>
-          <mc:Fallback>
+          <mc:Fallback xmlns="">
             <p:pic>
               <p:nvPicPr>
                 <p:cNvPr id="17" name="Рукописный ввод 16">
@@ -10709,8 +12865,8 @@
               <a:chExt cx="601200" cy="667260"/>
             </a:xfrm>
           </p:grpSpPr>
-          <mc:AlternateContent xmlns:mc="http://schemas.openxmlformats.org/markup-compatibility/2006">
-            <mc:Choice xmlns:p14="http://schemas.microsoft.com/office/powerpoint/2010/main" Requires="p14">
+          <mc:AlternateContent xmlns:mc="http://schemas.openxmlformats.org/markup-compatibility/2006" xmlns:p14="http://schemas.microsoft.com/office/powerpoint/2010/main">
+            <mc:Choice Requires="p14">
               <p:contentPart p14:bwMode="auto" r:id="rId25">
                 <p14:nvContentPartPr>
                   <p14:cNvPr id="22" name="Рукописный ввод 21">
@@ -10729,7 +12885,7 @@
                 </p14:xfrm>
               </p:contentPart>
             </mc:Choice>
-            <mc:Fallback>
+            <mc:Fallback xmlns="">
               <p:pic>
                 <p:nvPicPr>
                   <p:cNvPr id="22" name="Рукописный ввод 21">
@@ -10760,8 +12916,8 @@
               </p:pic>
             </mc:Fallback>
           </mc:AlternateContent>
-          <mc:AlternateContent xmlns:mc="http://schemas.openxmlformats.org/markup-compatibility/2006">
-            <mc:Choice xmlns:p14="http://schemas.microsoft.com/office/powerpoint/2010/main" Requires="p14">
+          <mc:AlternateContent xmlns:mc="http://schemas.openxmlformats.org/markup-compatibility/2006" xmlns:p14="http://schemas.microsoft.com/office/powerpoint/2010/main">
+            <mc:Choice Requires="p14">
               <p:contentPart p14:bwMode="auto" r:id="rId27">
                 <p14:nvContentPartPr>
                   <p14:cNvPr id="23" name="Рукописный ввод 22">
@@ -10780,7 +12936,7 @@
                 </p14:xfrm>
               </p:contentPart>
             </mc:Choice>
-            <mc:Fallback>
+            <mc:Fallback xmlns="">
               <p:pic>
                 <p:nvPicPr>
                   <p:cNvPr id="23" name="Рукописный ввод 22">
@@ -10811,8 +12967,8 @@
               </p:pic>
             </mc:Fallback>
           </mc:AlternateContent>
-          <mc:AlternateContent xmlns:mc="http://schemas.openxmlformats.org/markup-compatibility/2006">
-            <mc:Choice xmlns:p14="http://schemas.microsoft.com/office/powerpoint/2010/main" Requires="p14">
+          <mc:AlternateContent xmlns:mc="http://schemas.openxmlformats.org/markup-compatibility/2006" xmlns:p14="http://schemas.microsoft.com/office/powerpoint/2010/main">
+            <mc:Choice Requires="p14">
               <p:contentPart p14:bwMode="auto" r:id="rId28">
                 <p14:nvContentPartPr>
                   <p14:cNvPr id="24" name="Рукописный ввод 23">
@@ -10831,7 +12987,7 @@
                 </p14:xfrm>
               </p:contentPart>
             </mc:Choice>
-            <mc:Fallback>
+            <mc:Fallback xmlns="">
               <p:pic>
                 <p:nvPicPr>
                   <p:cNvPr id="24" name="Рукописный ввод 23">
@@ -10863,8 +13019,8 @@
             </mc:Fallback>
           </mc:AlternateContent>
         </p:grpSp>
-        <mc:AlternateContent xmlns:mc="http://schemas.openxmlformats.org/markup-compatibility/2006">
-          <mc:Choice xmlns:p14="http://schemas.microsoft.com/office/powerpoint/2010/main" Requires="p14">
+        <mc:AlternateContent xmlns:mc="http://schemas.openxmlformats.org/markup-compatibility/2006" xmlns:p14="http://schemas.microsoft.com/office/powerpoint/2010/main">
+          <mc:Choice Requires="p14">
             <p:contentPart p14:bwMode="auto" r:id="rId30">
               <p14:nvContentPartPr>
                 <p14:cNvPr id="19" name="Рукописный ввод 18">
@@ -10883,7 +13039,7 @@
               </p14:xfrm>
             </p:contentPart>
           </mc:Choice>
-          <mc:Fallback>
+          <mc:Fallback xmlns="">
             <p:pic>
               <p:nvPicPr>
                 <p:cNvPr id="19" name="Рукописный ввод 18">
@@ -10914,8 +13070,8 @@
             </p:pic>
           </mc:Fallback>
         </mc:AlternateContent>
-        <mc:AlternateContent xmlns:mc="http://schemas.openxmlformats.org/markup-compatibility/2006">
-          <mc:Choice xmlns:p14="http://schemas.microsoft.com/office/powerpoint/2010/main" Requires="p14">
+        <mc:AlternateContent xmlns:mc="http://schemas.openxmlformats.org/markup-compatibility/2006" xmlns:p14="http://schemas.microsoft.com/office/powerpoint/2010/main">
+          <mc:Choice Requires="p14">
             <p:contentPart p14:bwMode="auto" r:id="rId32">
               <p14:nvContentPartPr>
                 <p14:cNvPr id="20" name="Рукописный ввод 19">
@@ -10934,7 +13090,7 @@
               </p14:xfrm>
             </p:contentPart>
           </mc:Choice>
-          <mc:Fallback>
+          <mc:Fallback xmlns="">
             <p:pic>
               <p:nvPicPr>
                 <p:cNvPr id="20" name="Рукописный ввод 19">
@@ -10965,8 +13121,8 @@
             </p:pic>
           </mc:Fallback>
         </mc:AlternateContent>
-        <mc:AlternateContent xmlns:mc="http://schemas.openxmlformats.org/markup-compatibility/2006">
-          <mc:Choice xmlns:p14="http://schemas.microsoft.com/office/powerpoint/2010/main" Requires="p14">
+        <mc:AlternateContent xmlns:mc="http://schemas.openxmlformats.org/markup-compatibility/2006" xmlns:p14="http://schemas.microsoft.com/office/powerpoint/2010/main">
+          <mc:Choice Requires="p14">
             <p:contentPart p14:bwMode="auto" r:id="rId34">
               <p14:nvContentPartPr>
                 <p14:cNvPr id="21" name="Рукописный ввод 20">
@@ -10985,7 +13141,7 @@
               </p14:xfrm>
             </p:contentPart>
           </mc:Choice>
-          <mc:Fallback>
+          <mc:Fallback xmlns="">
             <p:pic>
               <p:nvPicPr>
                 <p:cNvPr id="21" name="Рукописный ввод 20">
@@ -11568,8 +13724,8 @@
             </a:prstGeom>
           </p:spPr>
         </p:pic>
-        <mc:AlternateContent xmlns:mc="http://schemas.openxmlformats.org/markup-compatibility/2006">
-          <mc:Choice xmlns:p14="http://schemas.microsoft.com/office/powerpoint/2010/main" Requires="p14">
+        <mc:AlternateContent xmlns:mc="http://schemas.openxmlformats.org/markup-compatibility/2006" xmlns:p14="http://schemas.microsoft.com/office/powerpoint/2010/main">
+          <mc:Choice Requires="p14">
             <p:contentPart p14:bwMode="auto" r:id="rId3">
               <p14:nvContentPartPr>
                 <p14:cNvPr id="8" name="Рукописный ввод 7">
@@ -11588,7 +13744,7 @@
               </p14:xfrm>
             </p:contentPart>
           </mc:Choice>
-          <mc:Fallback>
+          <mc:Fallback xmlns="">
             <p:pic>
               <p:nvPicPr>
                 <p:cNvPr id="8" name="Рукописный ввод 7">
@@ -11619,8 +13775,8 @@
             </p:pic>
           </mc:Fallback>
         </mc:AlternateContent>
-        <mc:AlternateContent xmlns:mc="http://schemas.openxmlformats.org/markup-compatibility/2006">
-          <mc:Choice xmlns:p14="http://schemas.microsoft.com/office/powerpoint/2010/main" Requires="p14">
+        <mc:AlternateContent xmlns:mc="http://schemas.openxmlformats.org/markup-compatibility/2006" xmlns:p14="http://schemas.microsoft.com/office/powerpoint/2010/main">
+          <mc:Choice Requires="p14">
             <p:contentPart p14:bwMode="auto" r:id="rId5">
               <p14:nvContentPartPr>
                 <p14:cNvPr id="9" name="Рукописный ввод 8">
@@ -11639,7 +13795,7 @@
               </p14:xfrm>
             </p:contentPart>
           </mc:Choice>
-          <mc:Fallback>
+          <mc:Fallback xmlns="">
             <p:pic>
               <p:nvPicPr>
                 <p:cNvPr id="9" name="Рукописный ввод 8">
@@ -11670,8 +13826,8 @@
             </p:pic>
           </mc:Fallback>
         </mc:AlternateContent>
-        <mc:AlternateContent xmlns:mc="http://schemas.openxmlformats.org/markup-compatibility/2006">
-          <mc:Choice xmlns:p14="http://schemas.microsoft.com/office/powerpoint/2010/main" Requires="p14">
+        <mc:AlternateContent xmlns:mc="http://schemas.openxmlformats.org/markup-compatibility/2006" xmlns:p14="http://schemas.microsoft.com/office/powerpoint/2010/main">
+          <mc:Choice Requires="p14">
             <p:contentPart p14:bwMode="auto" r:id="rId7">
               <p14:nvContentPartPr>
                 <p14:cNvPr id="10" name="Рукописный ввод 9">
@@ -11690,7 +13846,7 @@
               </p14:xfrm>
             </p:contentPart>
           </mc:Choice>
-          <mc:Fallback>
+          <mc:Fallback xmlns="">
             <p:pic>
               <p:nvPicPr>
                 <p:cNvPr id="10" name="Рукописный ввод 9">
@@ -11721,8 +13877,8 @@
             </p:pic>
           </mc:Fallback>
         </mc:AlternateContent>
-        <mc:AlternateContent xmlns:mc="http://schemas.openxmlformats.org/markup-compatibility/2006">
-          <mc:Choice xmlns:p14="http://schemas.microsoft.com/office/powerpoint/2010/main" Requires="p14">
+        <mc:AlternateContent xmlns:mc="http://schemas.openxmlformats.org/markup-compatibility/2006" xmlns:p14="http://schemas.microsoft.com/office/powerpoint/2010/main">
+          <mc:Choice Requires="p14">
             <p:contentPart p14:bwMode="auto" r:id="rId9">
               <p14:nvContentPartPr>
                 <p14:cNvPr id="11" name="Рукописный ввод 10">
@@ -11741,7 +13897,7 @@
               </p14:xfrm>
             </p:contentPart>
           </mc:Choice>
-          <mc:Fallback>
+          <mc:Fallback xmlns="">
             <p:pic>
               <p:nvPicPr>
                 <p:cNvPr id="11" name="Рукописный ввод 10">
@@ -11772,8 +13928,8 @@
             </p:pic>
           </mc:Fallback>
         </mc:AlternateContent>
-        <mc:AlternateContent xmlns:mc="http://schemas.openxmlformats.org/markup-compatibility/2006">
-          <mc:Choice xmlns:p14="http://schemas.microsoft.com/office/powerpoint/2010/main" Requires="p14">
+        <mc:AlternateContent xmlns:mc="http://schemas.openxmlformats.org/markup-compatibility/2006" xmlns:p14="http://schemas.microsoft.com/office/powerpoint/2010/main">
+          <mc:Choice Requires="p14">
             <p:contentPart p14:bwMode="auto" r:id="rId11">
               <p14:nvContentPartPr>
                 <p14:cNvPr id="12" name="Рукописный ввод 11">
@@ -11792,7 +13948,7 @@
               </p14:xfrm>
             </p:contentPart>
           </mc:Choice>
-          <mc:Fallback>
+          <mc:Fallback xmlns="">
             <p:pic>
               <p:nvPicPr>
                 <p:cNvPr id="12" name="Рукописный ввод 11">
@@ -11823,8 +13979,8 @@
             </p:pic>
           </mc:Fallback>
         </mc:AlternateContent>
-        <mc:AlternateContent xmlns:mc="http://schemas.openxmlformats.org/markup-compatibility/2006">
-          <mc:Choice xmlns:p14="http://schemas.microsoft.com/office/powerpoint/2010/main" Requires="p14">
+        <mc:AlternateContent xmlns:mc="http://schemas.openxmlformats.org/markup-compatibility/2006" xmlns:p14="http://schemas.microsoft.com/office/powerpoint/2010/main">
+          <mc:Choice Requires="p14">
             <p:contentPart p14:bwMode="auto" r:id="rId13">
               <p14:nvContentPartPr>
                 <p14:cNvPr id="13" name="Рукописный ввод 12">
@@ -11843,7 +13999,7 @@
               </p14:xfrm>
             </p:contentPart>
           </mc:Choice>
-          <mc:Fallback>
+          <mc:Fallback xmlns="">
             <p:pic>
               <p:nvPicPr>
                 <p:cNvPr id="13" name="Рукописный ввод 12">
@@ -11874,8 +14030,8 @@
             </p:pic>
           </mc:Fallback>
         </mc:AlternateContent>
-        <mc:AlternateContent xmlns:mc="http://schemas.openxmlformats.org/markup-compatibility/2006">
-          <mc:Choice xmlns:p14="http://schemas.microsoft.com/office/powerpoint/2010/main" Requires="p14">
+        <mc:AlternateContent xmlns:mc="http://schemas.openxmlformats.org/markup-compatibility/2006" xmlns:p14="http://schemas.microsoft.com/office/powerpoint/2010/main">
+          <mc:Choice Requires="p14">
             <p:contentPart p14:bwMode="auto" r:id="rId15">
               <p14:nvContentPartPr>
                 <p14:cNvPr id="14" name="Рукописный ввод 13">
@@ -11894,7 +14050,7 @@
               </p14:xfrm>
             </p:contentPart>
           </mc:Choice>
-          <mc:Fallback>
+          <mc:Fallback xmlns="">
             <p:pic>
               <p:nvPicPr>
                 <p:cNvPr id="14" name="Рукописный ввод 13">
@@ -11925,8 +14081,8 @@
             </p:pic>
           </mc:Fallback>
         </mc:AlternateContent>
-        <mc:AlternateContent xmlns:mc="http://schemas.openxmlformats.org/markup-compatibility/2006">
-          <mc:Choice xmlns:p14="http://schemas.microsoft.com/office/powerpoint/2010/main" Requires="p14">
+        <mc:AlternateContent xmlns:mc="http://schemas.openxmlformats.org/markup-compatibility/2006" xmlns:p14="http://schemas.microsoft.com/office/powerpoint/2010/main">
+          <mc:Choice Requires="p14">
             <p:contentPart p14:bwMode="auto" r:id="rId17">
               <p14:nvContentPartPr>
                 <p14:cNvPr id="15" name="Рукописный ввод 14">
@@ -11945,7 +14101,7 @@
               </p14:xfrm>
             </p:contentPart>
           </mc:Choice>
-          <mc:Fallback>
+          <mc:Fallback xmlns="">
             <p:pic>
               <p:nvPicPr>
                 <p:cNvPr id="15" name="Рукописный ввод 14">
@@ -11976,8 +14132,8 @@
             </p:pic>
           </mc:Fallback>
         </mc:AlternateContent>
-        <mc:AlternateContent xmlns:mc="http://schemas.openxmlformats.org/markup-compatibility/2006">
-          <mc:Choice xmlns:p14="http://schemas.microsoft.com/office/powerpoint/2010/main" Requires="p14">
+        <mc:AlternateContent xmlns:mc="http://schemas.openxmlformats.org/markup-compatibility/2006" xmlns:p14="http://schemas.microsoft.com/office/powerpoint/2010/main">
+          <mc:Choice Requires="p14">
             <p:contentPart p14:bwMode="auto" r:id="rId19">
               <p14:nvContentPartPr>
                 <p14:cNvPr id="16" name="Рукописный ввод 15">
@@ -11996,7 +14152,7 @@
               </p14:xfrm>
             </p:contentPart>
           </mc:Choice>
-          <mc:Fallback>
+          <mc:Fallback xmlns="">
             <p:pic>
               <p:nvPicPr>
                 <p:cNvPr id="16" name="Рукописный ввод 15">
@@ -12027,8 +14183,8 @@
             </p:pic>
           </mc:Fallback>
         </mc:AlternateContent>
-        <mc:AlternateContent xmlns:mc="http://schemas.openxmlformats.org/markup-compatibility/2006">
-          <mc:Choice xmlns:p14="http://schemas.microsoft.com/office/powerpoint/2010/main" Requires="p14">
+        <mc:AlternateContent xmlns:mc="http://schemas.openxmlformats.org/markup-compatibility/2006" xmlns:p14="http://schemas.microsoft.com/office/powerpoint/2010/main">
+          <mc:Choice Requires="p14">
             <p:contentPart p14:bwMode="auto" r:id="rId21">
               <p14:nvContentPartPr>
                 <p14:cNvPr id="17" name="Рукописный ввод 16">
@@ -12047,7 +14203,7 @@
               </p14:xfrm>
             </p:contentPart>
           </mc:Choice>
-          <mc:Fallback>
+          <mc:Fallback xmlns="">
             <p:pic>
               <p:nvPicPr>
                 <p:cNvPr id="17" name="Рукописный ввод 16">
@@ -12130,8 +14286,8 @@
             </a:p>
           </p:txBody>
         </p:sp>
-        <mc:AlternateContent xmlns:mc="http://schemas.openxmlformats.org/markup-compatibility/2006">
-          <mc:Choice xmlns:p14="http://schemas.microsoft.com/office/powerpoint/2010/main" Requires="p14">
+        <mc:AlternateContent xmlns:mc="http://schemas.openxmlformats.org/markup-compatibility/2006" xmlns:p14="http://schemas.microsoft.com/office/powerpoint/2010/main">
+          <mc:Choice Requires="p14">
             <p:contentPart p14:bwMode="auto" r:id="rId23">
               <p14:nvContentPartPr>
                 <p14:cNvPr id="19" name="Рукописный ввод 18">
@@ -12150,7 +14306,7 @@
               </p14:xfrm>
             </p:contentPart>
           </mc:Choice>
-          <mc:Fallback>
+          <mc:Fallback xmlns="">
             <p:pic>
               <p:nvPicPr>
                 <p:cNvPr id="19" name="Рукописный ввод 18">
@@ -12201,8 +14357,8 @@
               <a:chExt cx="601200" cy="667260"/>
             </a:xfrm>
           </p:grpSpPr>
-          <mc:AlternateContent xmlns:mc="http://schemas.openxmlformats.org/markup-compatibility/2006">
-            <mc:Choice xmlns:p14="http://schemas.microsoft.com/office/powerpoint/2010/main" Requires="p14">
+          <mc:AlternateContent xmlns:mc="http://schemas.openxmlformats.org/markup-compatibility/2006" xmlns:p14="http://schemas.microsoft.com/office/powerpoint/2010/main">
+            <mc:Choice Requires="p14">
               <p:contentPart p14:bwMode="auto" r:id="rId25">
                 <p14:nvContentPartPr>
                   <p14:cNvPr id="24" name="Рукописный ввод 23">
@@ -12221,7 +14377,7 @@
                 </p14:xfrm>
               </p:contentPart>
             </mc:Choice>
-            <mc:Fallback>
+            <mc:Fallback xmlns="">
               <p:pic>
                 <p:nvPicPr>
                   <p:cNvPr id="24" name="Рукописный ввод 23">
@@ -12252,8 +14408,8 @@
               </p:pic>
             </mc:Fallback>
           </mc:AlternateContent>
-          <mc:AlternateContent xmlns:mc="http://schemas.openxmlformats.org/markup-compatibility/2006">
-            <mc:Choice xmlns:p14="http://schemas.microsoft.com/office/powerpoint/2010/main" Requires="p14">
+          <mc:AlternateContent xmlns:mc="http://schemas.openxmlformats.org/markup-compatibility/2006" xmlns:p14="http://schemas.microsoft.com/office/powerpoint/2010/main">
+            <mc:Choice Requires="p14">
               <p:contentPart p14:bwMode="auto" r:id="rId27">
                 <p14:nvContentPartPr>
                   <p14:cNvPr id="25" name="Рукописный ввод 24">
@@ -12272,7 +14428,7 @@
                 </p14:xfrm>
               </p:contentPart>
             </mc:Choice>
-            <mc:Fallback>
+            <mc:Fallback xmlns="">
               <p:pic>
                 <p:nvPicPr>
                   <p:cNvPr id="25" name="Рукописный ввод 24">
@@ -12303,8 +14459,8 @@
               </p:pic>
             </mc:Fallback>
           </mc:AlternateContent>
-          <mc:AlternateContent xmlns:mc="http://schemas.openxmlformats.org/markup-compatibility/2006">
-            <mc:Choice xmlns:p14="http://schemas.microsoft.com/office/powerpoint/2010/main" Requires="p14">
+          <mc:AlternateContent xmlns:mc="http://schemas.openxmlformats.org/markup-compatibility/2006" xmlns:p14="http://schemas.microsoft.com/office/powerpoint/2010/main">
+            <mc:Choice Requires="p14">
               <p:contentPart p14:bwMode="auto" r:id="rId28">
                 <p14:nvContentPartPr>
                   <p14:cNvPr id="26" name="Рукописный ввод 25">
@@ -12323,7 +14479,7 @@
                 </p14:xfrm>
               </p:contentPart>
             </mc:Choice>
-            <mc:Fallback>
+            <mc:Fallback xmlns="">
               <p:pic>
                 <p:nvPicPr>
                   <p:cNvPr id="26" name="Рукописный ввод 25">
@@ -12355,8 +14511,8 @@
             </mc:Fallback>
           </mc:AlternateContent>
         </p:grpSp>
-        <mc:AlternateContent xmlns:mc="http://schemas.openxmlformats.org/markup-compatibility/2006">
-          <mc:Choice xmlns:p14="http://schemas.microsoft.com/office/powerpoint/2010/main" Requires="p14">
+        <mc:AlternateContent xmlns:mc="http://schemas.openxmlformats.org/markup-compatibility/2006" xmlns:p14="http://schemas.microsoft.com/office/powerpoint/2010/main">
+          <mc:Choice Requires="p14">
             <p:contentPart p14:bwMode="auto" r:id="rId30">
               <p14:nvContentPartPr>
                 <p14:cNvPr id="21" name="Рукописный ввод 20">
@@ -12375,7 +14531,7 @@
               </p14:xfrm>
             </p:contentPart>
           </mc:Choice>
-          <mc:Fallback>
+          <mc:Fallback xmlns="">
             <p:pic>
               <p:nvPicPr>
                 <p:cNvPr id="21" name="Рукописный ввод 20">
@@ -12406,8 +14562,8 @@
             </p:pic>
           </mc:Fallback>
         </mc:AlternateContent>
-        <mc:AlternateContent xmlns:mc="http://schemas.openxmlformats.org/markup-compatibility/2006">
-          <mc:Choice xmlns:p14="http://schemas.microsoft.com/office/powerpoint/2010/main" Requires="p14">
+        <mc:AlternateContent xmlns:mc="http://schemas.openxmlformats.org/markup-compatibility/2006" xmlns:p14="http://schemas.microsoft.com/office/powerpoint/2010/main">
+          <mc:Choice Requires="p14">
             <p:contentPart p14:bwMode="auto" r:id="rId32">
               <p14:nvContentPartPr>
                 <p14:cNvPr id="22" name="Рукописный ввод 21">
@@ -12426,7 +14582,7 @@
               </p14:xfrm>
             </p:contentPart>
           </mc:Choice>
-          <mc:Fallback>
+          <mc:Fallback xmlns="">
             <p:pic>
               <p:nvPicPr>
                 <p:cNvPr id="22" name="Рукописный ввод 21">
@@ -12457,8 +14613,8 @@
             </p:pic>
           </mc:Fallback>
         </mc:AlternateContent>
-        <mc:AlternateContent xmlns:mc="http://schemas.openxmlformats.org/markup-compatibility/2006">
-          <mc:Choice xmlns:p14="http://schemas.microsoft.com/office/powerpoint/2010/main" Requires="p14">
+        <mc:AlternateContent xmlns:mc="http://schemas.openxmlformats.org/markup-compatibility/2006" xmlns:p14="http://schemas.microsoft.com/office/powerpoint/2010/main">
+          <mc:Choice Requires="p14">
             <p:contentPart p14:bwMode="auto" r:id="rId34">
               <p14:nvContentPartPr>
                 <p14:cNvPr id="23" name="Рукописный ввод 22">
@@ -12477,7 +14633,7 @@
               </p14:xfrm>
             </p:contentPart>
           </mc:Choice>
-          <mc:Fallback>
+          <mc:Fallback xmlns="">
             <p:pic>
               <p:nvPicPr>
                 <p:cNvPr id="23" name="Рукописный ввод 22">
@@ -13446,8 +15602,8 @@
               </a:prstGeom>
             </p:spPr>
           </p:pic>
-          <mc:AlternateContent xmlns:mc="http://schemas.openxmlformats.org/markup-compatibility/2006">
-            <mc:Choice xmlns:p14="http://schemas.microsoft.com/office/powerpoint/2010/main" Requires="p14">
+          <mc:AlternateContent xmlns:mc="http://schemas.openxmlformats.org/markup-compatibility/2006" xmlns:p14="http://schemas.microsoft.com/office/powerpoint/2010/main">
+            <mc:Choice Requires="p14">
               <p:contentPart p14:bwMode="auto" r:id="rId3">
                 <p14:nvContentPartPr>
                   <p14:cNvPr id="10" name="Рукописный ввод 9">
@@ -13466,7 +15622,7 @@
                 </p14:xfrm>
               </p:contentPart>
             </mc:Choice>
-            <mc:Fallback>
+            <mc:Fallback xmlns="">
               <p:pic>
                 <p:nvPicPr>
                   <p:cNvPr id="10" name="Рукописный ввод 9">
@@ -13497,8 +15653,8 @@
               </p:pic>
             </mc:Fallback>
           </mc:AlternateContent>
-          <mc:AlternateContent xmlns:mc="http://schemas.openxmlformats.org/markup-compatibility/2006">
-            <mc:Choice xmlns:p14="http://schemas.microsoft.com/office/powerpoint/2010/main" Requires="p14">
+          <mc:AlternateContent xmlns:mc="http://schemas.openxmlformats.org/markup-compatibility/2006" xmlns:p14="http://schemas.microsoft.com/office/powerpoint/2010/main">
+            <mc:Choice Requires="p14">
               <p:contentPart p14:bwMode="auto" r:id="rId5">
                 <p14:nvContentPartPr>
                   <p14:cNvPr id="11" name="Рукописный ввод 10">
@@ -13517,7 +15673,7 @@
                 </p14:xfrm>
               </p:contentPart>
             </mc:Choice>
-            <mc:Fallback>
+            <mc:Fallback xmlns="">
               <p:pic>
                 <p:nvPicPr>
                   <p:cNvPr id="11" name="Рукописный ввод 10">
@@ -13548,8 +15704,8 @@
               </p:pic>
             </mc:Fallback>
           </mc:AlternateContent>
-          <mc:AlternateContent xmlns:mc="http://schemas.openxmlformats.org/markup-compatibility/2006">
-            <mc:Choice xmlns:p14="http://schemas.microsoft.com/office/powerpoint/2010/main" Requires="p14">
+          <mc:AlternateContent xmlns:mc="http://schemas.openxmlformats.org/markup-compatibility/2006" xmlns:p14="http://schemas.microsoft.com/office/powerpoint/2010/main">
+            <mc:Choice Requires="p14">
               <p:contentPart p14:bwMode="auto" r:id="rId7">
                 <p14:nvContentPartPr>
                   <p14:cNvPr id="12" name="Рукописный ввод 11">
@@ -13568,7 +15724,7 @@
                 </p14:xfrm>
               </p:contentPart>
             </mc:Choice>
-            <mc:Fallback>
+            <mc:Fallback xmlns="">
               <p:pic>
                 <p:nvPicPr>
                   <p:cNvPr id="12" name="Рукописный ввод 11">
@@ -13599,8 +15755,8 @@
               </p:pic>
             </mc:Fallback>
           </mc:AlternateContent>
-          <mc:AlternateContent xmlns:mc="http://schemas.openxmlformats.org/markup-compatibility/2006">
-            <mc:Choice xmlns:p14="http://schemas.microsoft.com/office/powerpoint/2010/main" Requires="p14">
+          <mc:AlternateContent xmlns:mc="http://schemas.openxmlformats.org/markup-compatibility/2006" xmlns:p14="http://schemas.microsoft.com/office/powerpoint/2010/main">
+            <mc:Choice Requires="p14">
               <p:contentPart p14:bwMode="auto" r:id="rId9">
                 <p14:nvContentPartPr>
                   <p14:cNvPr id="13" name="Рукописный ввод 12">
@@ -13619,7 +15775,7 @@
                 </p14:xfrm>
               </p:contentPart>
             </mc:Choice>
-            <mc:Fallback>
+            <mc:Fallback xmlns="">
               <p:pic>
                 <p:nvPicPr>
                   <p:cNvPr id="13" name="Рукописный ввод 12">
@@ -13650,8 +15806,8 @@
               </p:pic>
             </mc:Fallback>
           </mc:AlternateContent>
-          <mc:AlternateContent xmlns:mc="http://schemas.openxmlformats.org/markup-compatibility/2006">
-            <mc:Choice xmlns:p14="http://schemas.microsoft.com/office/powerpoint/2010/main" Requires="p14">
+          <mc:AlternateContent xmlns:mc="http://schemas.openxmlformats.org/markup-compatibility/2006" xmlns:p14="http://schemas.microsoft.com/office/powerpoint/2010/main">
+            <mc:Choice Requires="p14">
               <p:contentPart p14:bwMode="auto" r:id="rId11">
                 <p14:nvContentPartPr>
                   <p14:cNvPr id="14" name="Рукописный ввод 13">
@@ -13670,7 +15826,7 @@
                 </p14:xfrm>
               </p:contentPart>
             </mc:Choice>
-            <mc:Fallback>
+            <mc:Fallback xmlns="">
               <p:pic>
                 <p:nvPicPr>
                   <p:cNvPr id="14" name="Рукописный ввод 13">
@@ -13701,8 +15857,8 @@
               </p:pic>
             </mc:Fallback>
           </mc:AlternateContent>
-          <mc:AlternateContent xmlns:mc="http://schemas.openxmlformats.org/markup-compatibility/2006">
-            <mc:Choice xmlns:p14="http://schemas.microsoft.com/office/powerpoint/2010/main" Requires="p14">
+          <mc:AlternateContent xmlns:mc="http://schemas.openxmlformats.org/markup-compatibility/2006" xmlns:p14="http://schemas.microsoft.com/office/powerpoint/2010/main">
+            <mc:Choice Requires="p14">
               <p:contentPart p14:bwMode="auto" r:id="rId13">
                 <p14:nvContentPartPr>
                   <p14:cNvPr id="15" name="Рукописный ввод 14">
@@ -13721,7 +15877,7 @@
                 </p14:xfrm>
               </p:contentPart>
             </mc:Choice>
-            <mc:Fallback>
+            <mc:Fallback xmlns="">
               <p:pic>
                 <p:nvPicPr>
                   <p:cNvPr id="15" name="Рукописный ввод 14">
@@ -13752,8 +15908,8 @@
               </p:pic>
             </mc:Fallback>
           </mc:AlternateContent>
-          <mc:AlternateContent xmlns:mc="http://schemas.openxmlformats.org/markup-compatibility/2006">
-            <mc:Choice xmlns:p14="http://schemas.microsoft.com/office/powerpoint/2010/main" Requires="p14">
+          <mc:AlternateContent xmlns:mc="http://schemas.openxmlformats.org/markup-compatibility/2006" xmlns:p14="http://schemas.microsoft.com/office/powerpoint/2010/main">
+            <mc:Choice Requires="p14">
               <p:contentPart p14:bwMode="auto" r:id="rId15">
                 <p14:nvContentPartPr>
                   <p14:cNvPr id="16" name="Рукописный ввод 15">
@@ -13772,7 +15928,7 @@
                 </p14:xfrm>
               </p:contentPart>
             </mc:Choice>
-            <mc:Fallback>
+            <mc:Fallback xmlns="">
               <p:pic>
                 <p:nvPicPr>
                   <p:cNvPr id="16" name="Рукописный ввод 15">
@@ -13803,8 +15959,8 @@
               </p:pic>
             </mc:Fallback>
           </mc:AlternateContent>
-          <mc:AlternateContent xmlns:mc="http://schemas.openxmlformats.org/markup-compatibility/2006">
-            <mc:Choice xmlns:p14="http://schemas.microsoft.com/office/powerpoint/2010/main" Requires="p14">
+          <mc:AlternateContent xmlns:mc="http://schemas.openxmlformats.org/markup-compatibility/2006" xmlns:p14="http://schemas.microsoft.com/office/powerpoint/2010/main">
+            <mc:Choice Requires="p14">
               <p:contentPart p14:bwMode="auto" r:id="rId17">
                 <p14:nvContentPartPr>
                   <p14:cNvPr id="17" name="Рукописный ввод 16">
@@ -13823,7 +15979,7 @@
                 </p14:xfrm>
               </p:contentPart>
             </mc:Choice>
-            <mc:Fallback>
+            <mc:Fallback xmlns="">
               <p:pic>
                 <p:nvPicPr>
                   <p:cNvPr id="17" name="Рукописный ввод 16">
@@ -13854,8 +16010,8 @@
               </p:pic>
             </mc:Fallback>
           </mc:AlternateContent>
-          <mc:AlternateContent xmlns:mc="http://schemas.openxmlformats.org/markup-compatibility/2006">
-            <mc:Choice xmlns:p14="http://schemas.microsoft.com/office/powerpoint/2010/main" Requires="p14">
+          <mc:AlternateContent xmlns:mc="http://schemas.openxmlformats.org/markup-compatibility/2006" xmlns:p14="http://schemas.microsoft.com/office/powerpoint/2010/main">
+            <mc:Choice Requires="p14">
               <p:contentPart p14:bwMode="auto" r:id="rId19">
                 <p14:nvContentPartPr>
                   <p14:cNvPr id="18" name="Рукописный ввод 17">
@@ -13874,7 +16030,7 @@
                 </p14:xfrm>
               </p:contentPart>
             </mc:Choice>
-            <mc:Fallback>
+            <mc:Fallback xmlns="">
               <p:pic>
                 <p:nvPicPr>
                   <p:cNvPr id="18" name="Рукописный ввод 17">
@@ -13905,8 +16061,8 @@
               </p:pic>
             </mc:Fallback>
           </mc:AlternateContent>
-          <mc:AlternateContent xmlns:mc="http://schemas.openxmlformats.org/markup-compatibility/2006">
-            <mc:Choice xmlns:p14="http://schemas.microsoft.com/office/powerpoint/2010/main" Requires="p14">
+          <mc:AlternateContent xmlns:mc="http://schemas.openxmlformats.org/markup-compatibility/2006" xmlns:p14="http://schemas.microsoft.com/office/powerpoint/2010/main">
+            <mc:Choice Requires="p14">
               <p:contentPart p14:bwMode="auto" r:id="rId21">
                 <p14:nvContentPartPr>
                   <p14:cNvPr id="19" name="Рукописный ввод 18">
@@ -13925,7 +16081,7 @@
                 </p14:xfrm>
               </p:contentPart>
             </mc:Choice>
-            <mc:Fallback>
+            <mc:Fallback xmlns="">
               <p:pic>
                 <p:nvPicPr>
                   <p:cNvPr id="19" name="Рукописный ввод 18">
@@ -14008,8 +16164,8 @@
               </a:p>
             </p:txBody>
           </p:sp>
-          <mc:AlternateContent xmlns:mc="http://schemas.openxmlformats.org/markup-compatibility/2006">
-            <mc:Choice xmlns:p14="http://schemas.microsoft.com/office/powerpoint/2010/main" Requires="p14">
+          <mc:AlternateContent xmlns:mc="http://schemas.openxmlformats.org/markup-compatibility/2006" xmlns:p14="http://schemas.microsoft.com/office/powerpoint/2010/main">
+            <mc:Choice Requires="p14">
               <p:contentPart p14:bwMode="auto" r:id="rId23">
                 <p14:nvContentPartPr>
                   <p14:cNvPr id="21" name="Рукописный ввод 20">
@@ -14028,7 +16184,7 @@
                 </p14:xfrm>
               </p:contentPart>
             </mc:Choice>
-            <mc:Fallback>
+            <mc:Fallback xmlns="">
               <p:pic>
                 <p:nvPicPr>
                   <p:cNvPr id="21" name="Рукописный ввод 20">
@@ -14079,8 +16235,8 @@
                 <a:chExt cx="601200" cy="667260"/>
               </a:xfrm>
             </p:grpSpPr>
-            <mc:AlternateContent xmlns:mc="http://schemas.openxmlformats.org/markup-compatibility/2006">
-              <mc:Choice xmlns:p14="http://schemas.microsoft.com/office/powerpoint/2010/main" Requires="p14">
+            <mc:AlternateContent xmlns:mc="http://schemas.openxmlformats.org/markup-compatibility/2006" xmlns:p14="http://schemas.microsoft.com/office/powerpoint/2010/main">
+              <mc:Choice Requires="p14">
                 <p:contentPart p14:bwMode="auto" r:id="rId25">
                   <p14:nvContentPartPr>
                     <p14:cNvPr id="26" name="Рукописный ввод 25">
@@ -14099,7 +16255,7 @@
                   </p14:xfrm>
                 </p:contentPart>
               </mc:Choice>
-              <mc:Fallback>
+              <mc:Fallback xmlns="">
                 <p:pic>
                   <p:nvPicPr>
                     <p:cNvPr id="26" name="Рукописный ввод 25">
@@ -14130,8 +16286,8 @@
                 </p:pic>
               </mc:Fallback>
             </mc:AlternateContent>
-            <mc:AlternateContent xmlns:mc="http://schemas.openxmlformats.org/markup-compatibility/2006">
-              <mc:Choice xmlns:p14="http://schemas.microsoft.com/office/powerpoint/2010/main" Requires="p14">
+            <mc:AlternateContent xmlns:mc="http://schemas.openxmlformats.org/markup-compatibility/2006" xmlns:p14="http://schemas.microsoft.com/office/powerpoint/2010/main">
+              <mc:Choice Requires="p14">
                 <p:contentPart p14:bwMode="auto" r:id="rId27">
                   <p14:nvContentPartPr>
                     <p14:cNvPr id="27" name="Рукописный ввод 26">
@@ -14150,7 +16306,7 @@
                   </p14:xfrm>
                 </p:contentPart>
               </mc:Choice>
-              <mc:Fallback>
+              <mc:Fallback xmlns="">
                 <p:pic>
                   <p:nvPicPr>
                     <p:cNvPr id="27" name="Рукописный ввод 26">
@@ -14181,8 +16337,8 @@
                 </p:pic>
               </mc:Fallback>
             </mc:AlternateContent>
-            <mc:AlternateContent xmlns:mc="http://schemas.openxmlformats.org/markup-compatibility/2006">
-              <mc:Choice xmlns:p14="http://schemas.microsoft.com/office/powerpoint/2010/main" Requires="p14">
+            <mc:AlternateContent xmlns:mc="http://schemas.openxmlformats.org/markup-compatibility/2006" xmlns:p14="http://schemas.microsoft.com/office/powerpoint/2010/main">
+              <mc:Choice Requires="p14">
                 <p:contentPart p14:bwMode="auto" r:id="rId28">
                   <p14:nvContentPartPr>
                     <p14:cNvPr id="28" name="Рукописный ввод 27">
@@ -14201,7 +16357,7 @@
                   </p14:xfrm>
                 </p:contentPart>
               </mc:Choice>
-              <mc:Fallback>
+              <mc:Fallback xmlns="">
                 <p:pic>
                   <p:nvPicPr>
                     <p:cNvPr id="28" name="Рукописный ввод 27">
@@ -14233,8 +16389,8 @@
               </mc:Fallback>
             </mc:AlternateContent>
           </p:grpSp>
-          <mc:AlternateContent xmlns:mc="http://schemas.openxmlformats.org/markup-compatibility/2006">
-            <mc:Choice xmlns:p14="http://schemas.microsoft.com/office/powerpoint/2010/main" Requires="p14">
+          <mc:AlternateContent xmlns:mc="http://schemas.openxmlformats.org/markup-compatibility/2006" xmlns:p14="http://schemas.microsoft.com/office/powerpoint/2010/main">
+            <mc:Choice Requires="p14">
               <p:contentPart p14:bwMode="auto" r:id="rId30">
                 <p14:nvContentPartPr>
                   <p14:cNvPr id="23" name="Рукописный ввод 22">
@@ -14253,7 +16409,7 @@
                 </p14:xfrm>
               </p:contentPart>
             </mc:Choice>
-            <mc:Fallback>
+            <mc:Fallback xmlns="">
               <p:pic>
                 <p:nvPicPr>
                   <p:cNvPr id="23" name="Рукописный ввод 22">
@@ -14284,8 +16440,8 @@
               </p:pic>
             </mc:Fallback>
           </mc:AlternateContent>
-          <mc:AlternateContent xmlns:mc="http://schemas.openxmlformats.org/markup-compatibility/2006">
-            <mc:Choice xmlns:p14="http://schemas.microsoft.com/office/powerpoint/2010/main" Requires="p14">
+          <mc:AlternateContent xmlns:mc="http://schemas.openxmlformats.org/markup-compatibility/2006" xmlns:p14="http://schemas.microsoft.com/office/powerpoint/2010/main">
+            <mc:Choice Requires="p14">
               <p:contentPart p14:bwMode="auto" r:id="rId32">
                 <p14:nvContentPartPr>
                   <p14:cNvPr id="24" name="Рукописный ввод 23">
@@ -14304,7 +16460,7 @@
                 </p14:xfrm>
               </p:contentPart>
             </mc:Choice>
-            <mc:Fallback>
+            <mc:Fallback xmlns="">
               <p:pic>
                 <p:nvPicPr>
                   <p:cNvPr id="24" name="Рукописный ввод 23">
@@ -14335,8 +16491,8 @@
               </p:pic>
             </mc:Fallback>
           </mc:AlternateContent>
-          <mc:AlternateContent xmlns:mc="http://schemas.openxmlformats.org/markup-compatibility/2006">
-            <mc:Choice xmlns:p14="http://schemas.microsoft.com/office/powerpoint/2010/main" Requires="p14">
+          <mc:AlternateContent xmlns:mc="http://schemas.openxmlformats.org/markup-compatibility/2006" xmlns:p14="http://schemas.microsoft.com/office/powerpoint/2010/main">
+            <mc:Choice Requires="p14">
               <p:contentPart p14:bwMode="auto" r:id="rId34">
                 <p14:nvContentPartPr>
                   <p14:cNvPr id="25" name="Рукописный ввод 24">
@@ -14355,7 +16511,7 @@
                 </p14:xfrm>
               </p:contentPart>
             </mc:Choice>
-            <mc:Fallback>
+            <mc:Fallback xmlns="">
               <p:pic>
                 <p:nvPicPr>
                   <p:cNvPr id="25" name="Рукописный ввод 24">
@@ -14886,7 +17042,7 @@
         <p:spPr>
           <a:xfrm>
             <a:off x="4764547" y="5717907"/>
-            <a:ext cx="2721603" cy="721164"/>
+            <a:ext cx="1288677" cy="721164"/>
           </a:xfrm>
           <a:prstGeom prst="rect">
             <a:avLst/>
@@ -14938,8 +17094,8 @@
         </p:nvSpPr>
         <p:spPr>
           <a:xfrm>
-            <a:off x="5053263" y="5815015"/>
-            <a:ext cx="2136800" cy="507880"/>
+            <a:off x="4811223" y="5832667"/>
+            <a:ext cx="1295052" cy="551296"/>
           </a:xfrm>
           <a:prstGeom prst="rect">
             <a:avLst/>
@@ -15139,6 +17295,72 @@
           </a:p>
         </p:txBody>
       </p:sp>
+      <p:sp>
+        <p:nvSpPr>
+          <p:cNvPr id="2" name="Прямоугольник 1">
+            <a:hlinkClick r:id="rId39" action="ppaction://hlinksldjump"/>
+            <a:extLst>
+              <a:ext uri="{FF2B5EF4-FFF2-40B4-BE49-F238E27FC236}">
+                <a16:creationId xmlns:a16="http://schemas.microsoft.com/office/drawing/2014/main" id="{2C687EAE-3314-A8EB-9EC9-C1EB45D4F16E}"/>
+              </a:ext>
+            </a:extLst>
+          </p:cNvPr>
+          <p:cNvSpPr/>
+          <p:nvPr/>
+        </p:nvSpPr>
+        <p:spPr>
+          <a:xfrm>
+            <a:off x="6173867" y="5833015"/>
+            <a:ext cx="1295052" cy="551296"/>
+          </a:xfrm>
+          <a:prstGeom prst="rect">
+            <a:avLst/>
+          </a:prstGeom>
+          <a:solidFill>
+            <a:srgbClr val="8A8A8A"/>
+          </a:solidFill>
+          <a:ln>
+            <a:noFill/>
+          </a:ln>
+          <a:effectLst>
+            <a:softEdge rad="0"/>
+          </a:effectLst>
+          <a:scene3d>
+            <a:camera prst="orthographicFront"/>
+            <a:lightRig rig="threePt" dir="t"/>
+          </a:scene3d>
+          <a:sp3d prstMaterial="matte">
+            <a:bevelT prst="relaxedInset"/>
+          </a:sp3d>
+        </p:spPr>
+        <p:style>
+          <a:lnRef idx="2">
+            <a:schemeClr val="accent1">
+              <a:shade val="15000"/>
+            </a:schemeClr>
+          </a:lnRef>
+          <a:fillRef idx="1">
+            <a:schemeClr val="accent1"/>
+          </a:fillRef>
+          <a:effectRef idx="0">
+            <a:schemeClr val="accent1"/>
+          </a:effectRef>
+          <a:fontRef idx="minor">
+            <a:schemeClr val="lt1"/>
+          </a:fontRef>
+        </p:style>
+        <p:txBody>
+          <a:bodyPr rtlCol="0" anchor="ctr"/>
+          <a:lstStyle/>
+          <a:p>
+            <a:pPr algn="ctr"/>
+            <a:r>
+              <a:rPr lang="ru-RU" dirty="0"/>
+              <a:t>Статистика</a:t>
+            </a:r>
+          </a:p>
+        </p:txBody>
+      </p:sp>
     </p:spTree>
     <p:extLst>
       <p:ext uri="{BB962C8B-B14F-4D97-AF65-F5344CB8AC3E}">
@@ -15239,8 +17461,8 @@
             </a:prstGeom>
           </p:spPr>
         </p:pic>
-        <mc:AlternateContent xmlns:mc="http://schemas.openxmlformats.org/markup-compatibility/2006">
-          <mc:Choice xmlns:p14="http://schemas.microsoft.com/office/powerpoint/2010/main" Requires="p14">
+        <mc:AlternateContent xmlns:mc="http://schemas.openxmlformats.org/markup-compatibility/2006" xmlns:p14="http://schemas.microsoft.com/office/powerpoint/2010/main">
+          <mc:Choice Requires="p14">
             <p:contentPart p14:bwMode="auto" r:id="rId3">
               <p14:nvContentPartPr>
                 <p14:cNvPr id="45" name="Рукописный ввод 44">
@@ -15259,7 +17481,7 @@
               </p14:xfrm>
             </p:contentPart>
           </mc:Choice>
-          <mc:Fallback>
+          <mc:Fallback xmlns="">
             <p:pic>
               <p:nvPicPr>
                 <p:cNvPr id="45" name="Рукописный ввод 44">
@@ -15290,8 +17512,8 @@
             </p:pic>
           </mc:Fallback>
         </mc:AlternateContent>
-        <mc:AlternateContent xmlns:mc="http://schemas.openxmlformats.org/markup-compatibility/2006">
-          <mc:Choice xmlns:p14="http://schemas.microsoft.com/office/powerpoint/2010/main" Requires="p14">
+        <mc:AlternateContent xmlns:mc="http://schemas.openxmlformats.org/markup-compatibility/2006" xmlns:p14="http://schemas.microsoft.com/office/powerpoint/2010/main">
+          <mc:Choice Requires="p14">
             <p:contentPart p14:bwMode="auto" r:id="rId5">
               <p14:nvContentPartPr>
                 <p14:cNvPr id="46" name="Рукописный ввод 45">
@@ -15310,7 +17532,7 @@
               </p14:xfrm>
             </p:contentPart>
           </mc:Choice>
-          <mc:Fallback>
+          <mc:Fallback xmlns="">
             <p:pic>
               <p:nvPicPr>
                 <p:cNvPr id="46" name="Рукописный ввод 45">
@@ -15341,8 +17563,8 @@
             </p:pic>
           </mc:Fallback>
         </mc:AlternateContent>
-        <mc:AlternateContent xmlns:mc="http://schemas.openxmlformats.org/markup-compatibility/2006">
-          <mc:Choice xmlns:p14="http://schemas.microsoft.com/office/powerpoint/2010/main" Requires="p14">
+        <mc:AlternateContent xmlns:mc="http://schemas.openxmlformats.org/markup-compatibility/2006" xmlns:p14="http://schemas.microsoft.com/office/powerpoint/2010/main">
+          <mc:Choice Requires="p14">
             <p:contentPart p14:bwMode="auto" r:id="rId7">
               <p14:nvContentPartPr>
                 <p14:cNvPr id="47" name="Рукописный ввод 46">
@@ -15361,7 +17583,7 @@
               </p14:xfrm>
             </p:contentPart>
           </mc:Choice>
-          <mc:Fallback>
+          <mc:Fallback xmlns="">
             <p:pic>
               <p:nvPicPr>
                 <p:cNvPr id="47" name="Рукописный ввод 46">
@@ -15392,8 +17614,8 @@
             </p:pic>
           </mc:Fallback>
         </mc:AlternateContent>
-        <mc:AlternateContent xmlns:mc="http://schemas.openxmlformats.org/markup-compatibility/2006">
-          <mc:Choice xmlns:p14="http://schemas.microsoft.com/office/powerpoint/2010/main" Requires="p14">
+        <mc:AlternateContent xmlns:mc="http://schemas.openxmlformats.org/markup-compatibility/2006" xmlns:p14="http://schemas.microsoft.com/office/powerpoint/2010/main">
+          <mc:Choice Requires="p14">
             <p:contentPart p14:bwMode="auto" r:id="rId9">
               <p14:nvContentPartPr>
                 <p14:cNvPr id="48" name="Рукописный ввод 47">
@@ -15412,7 +17634,7 @@
               </p14:xfrm>
             </p:contentPart>
           </mc:Choice>
-          <mc:Fallback>
+          <mc:Fallback xmlns="">
             <p:pic>
               <p:nvPicPr>
                 <p:cNvPr id="48" name="Рукописный ввод 47">
@@ -15443,8 +17665,8 @@
             </p:pic>
           </mc:Fallback>
         </mc:AlternateContent>
-        <mc:AlternateContent xmlns:mc="http://schemas.openxmlformats.org/markup-compatibility/2006">
-          <mc:Choice xmlns:p14="http://schemas.microsoft.com/office/powerpoint/2010/main" Requires="p14">
+        <mc:AlternateContent xmlns:mc="http://schemas.openxmlformats.org/markup-compatibility/2006" xmlns:p14="http://schemas.microsoft.com/office/powerpoint/2010/main">
+          <mc:Choice Requires="p14">
             <p:contentPart p14:bwMode="auto" r:id="rId11">
               <p14:nvContentPartPr>
                 <p14:cNvPr id="49" name="Рукописный ввод 48">
@@ -15463,7 +17685,7 @@
               </p14:xfrm>
             </p:contentPart>
           </mc:Choice>
-          <mc:Fallback>
+          <mc:Fallback xmlns="">
             <p:pic>
               <p:nvPicPr>
                 <p:cNvPr id="49" name="Рукописный ввод 48">
@@ -15494,8 +17716,8 @@
             </p:pic>
           </mc:Fallback>
         </mc:AlternateContent>
-        <mc:AlternateContent xmlns:mc="http://schemas.openxmlformats.org/markup-compatibility/2006">
-          <mc:Choice xmlns:p14="http://schemas.microsoft.com/office/powerpoint/2010/main" Requires="p14">
+        <mc:AlternateContent xmlns:mc="http://schemas.openxmlformats.org/markup-compatibility/2006" xmlns:p14="http://schemas.microsoft.com/office/powerpoint/2010/main">
+          <mc:Choice Requires="p14">
             <p:contentPart p14:bwMode="auto" r:id="rId13">
               <p14:nvContentPartPr>
                 <p14:cNvPr id="50" name="Рукописный ввод 49">
@@ -15514,7 +17736,7 @@
               </p14:xfrm>
             </p:contentPart>
           </mc:Choice>
-          <mc:Fallback>
+          <mc:Fallback xmlns="">
             <p:pic>
               <p:nvPicPr>
                 <p:cNvPr id="50" name="Рукописный ввод 49">
@@ -15545,8 +17767,8 @@
             </p:pic>
           </mc:Fallback>
         </mc:AlternateContent>
-        <mc:AlternateContent xmlns:mc="http://schemas.openxmlformats.org/markup-compatibility/2006">
-          <mc:Choice xmlns:p14="http://schemas.microsoft.com/office/powerpoint/2010/main" Requires="p14">
+        <mc:AlternateContent xmlns:mc="http://schemas.openxmlformats.org/markup-compatibility/2006" xmlns:p14="http://schemas.microsoft.com/office/powerpoint/2010/main">
+          <mc:Choice Requires="p14">
             <p:contentPart p14:bwMode="auto" r:id="rId15">
               <p14:nvContentPartPr>
                 <p14:cNvPr id="51" name="Рукописный ввод 50">
@@ -15565,7 +17787,7 @@
               </p14:xfrm>
             </p:contentPart>
           </mc:Choice>
-          <mc:Fallback>
+          <mc:Fallback xmlns="">
             <p:pic>
               <p:nvPicPr>
                 <p:cNvPr id="51" name="Рукописный ввод 50">
@@ -15596,8 +17818,8 @@
             </p:pic>
           </mc:Fallback>
         </mc:AlternateContent>
-        <mc:AlternateContent xmlns:mc="http://schemas.openxmlformats.org/markup-compatibility/2006">
-          <mc:Choice xmlns:p14="http://schemas.microsoft.com/office/powerpoint/2010/main" Requires="p14">
+        <mc:AlternateContent xmlns:mc="http://schemas.openxmlformats.org/markup-compatibility/2006" xmlns:p14="http://schemas.microsoft.com/office/powerpoint/2010/main">
+          <mc:Choice Requires="p14">
             <p:contentPart p14:bwMode="auto" r:id="rId17">
               <p14:nvContentPartPr>
                 <p14:cNvPr id="52" name="Рукописный ввод 51">
@@ -15616,7 +17838,7 @@
               </p14:xfrm>
             </p:contentPart>
           </mc:Choice>
-          <mc:Fallback>
+          <mc:Fallback xmlns="">
             <p:pic>
               <p:nvPicPr>
                 <p:cNvPr id="52" name="Рукописный ввод 51">
@@ -15647,8 +17869,8 @@
             </p:pic>
           </mc:Fallback>
         </mc:AlternateContent>
-        <mc:AlternateContent xmlns:mc="http://schemas.openxmlformats.org/markup-compatibility/2006">
-          <mc:Choice xmlns:p14="http://schemas.microsoft.com/office/powerpoint/2010/main" Requires="p14">
+        <mc:AlternateContent xmlns:mc="http://schemas.openxmlformats.org/markup-compatibility/2006" xmlns:p14="http://schemas.microsoft.com/office/powerpoint/2010/main">
+          <mc:Choice Requires="p14">
             <p:contentPart p14:bwMode="auto" r:id="rId19">
               <p14:nvContentPartPr>
                 <p14:cNvPr id="53" name="Рукописный ввод 52">
@@ -15667,7 +17889,7 @@
               </p14:xfrm>
             </p:contentPart>
           </mc:Choice>
-          <mc:Fallback>
+          <mc:Fallback xmlns="">
             <p:pic>
               <p:nvPicPr>
                 <p:cNvPr id="53" name="Рукописный ввод 52">
@@ -15698,8 +17920,8 @@
             </p:pic>
           </mc:Fallback>
         </mc:AlternateContent>
-        <mc:AlternateContent xmlns:mc="http://schemas.openxmlformats.org/markup-compatibility/2006">
-          <mc:Choice xmlns:p14="http://schemas.microsoft.com/office/powerpoint/2010/main" Requires="p14">
+        <mc:AlternateContent xmlns:mc="http://schemas.openxmlformats.org/markup-compatibility/2006" xmlns:p14="http://schemas.microsoft.com/office/powerpoint/2010/main">
+          <mc:Choice Requires="p14">
             <p:contentPart p14:bwMode="auto" r:id="rId21">
               <p14:nvContentPartPr>
                 <p14:cNvPr id="54" name="Рукописный ввод 53">
@@ -15718,7 +17940,7 @@
               </p14:xfrm>
             </p:contentPart>
           </mc:Choice>
-          <mc:Fallback>
+          <mc:Fallback xmlns="">
             <p:pic>
               <p:nvPicPr>
                 <p:cNvPr id="54" name="Рукописный ввод 53">
@@ -15801,8 +18023,8 @@
             </a:p>
           </p:txBody>
         </p:sp>
-        <mc:AlternateContent xmlns:mc="http://schemas.openxmlformats.org/markup-compatibility/2006">
-          <mc:Choice xmlns:p14="http://schemas.microsoft.com/office/powerpoint/2010/main" Requires="p14">
+        <mc:AlternateContent xmlns:mc="http://schemas.openxmlformats.org/markup-compatibility/2006" xmlns:p14="http://schemas.microsoft.com/office/powerpoint/2010/main">
+          <mc:Choice Requires="p14">
             <p:contentPart p14:bwMode="auto" r:id="rId23">
               <p14:nvContentPartPr>
                 <p14:cNvPr id="56" name="Рукописный ввод 55">
@@ -15821,7 +18043,7 @@
               </p14:xfrm>
             </p:contentPart>
           </mc:Choice>
-          <mc:Fallback>
+          <mc:Fallback xmlns="">
             <p:pic>
               <p:nvPicPr>
                 <p:cNvPr id="56" name="Рукописный ввод 55">
@@ -15872,8 +18094,8 @@
               <a:chExt cx="601200" cy="667260"/>
             </a:xfrm>
           </p:grpSpPr>
-          <mc:AlternateContent xmlns:mc="http://schemas.openxmlformats.org/markup-compatibility/2006">
-            <mc:Choice xmlns:p14="http://schemas.microsoft.com/office/powerpoint/2010/main" Requires="p14">
+          <mc:AlternateContent xmlns:mc="http://schemas.openxmlformats.org/markup-compatibility/2006" xmlns:p14="http://schemas.microsoft.com/office/powerpoint/2010/main">
+            <mc:Choice Requires="p14">
               <p:contentPart p14:bwMode="auto" r:id="rId25">
                 <p14:nvContentPartPr>
                   <p14:cNvPr id="61" name="Рукописный ввод 60">
@@ -15892,7 +18114,7 @@
                 </p14:xfrm>
               </p:contentPart>
             </mc:Choice>
-            <mc:Fallback>
+            <mc:Fallback xmlns="">
               <p:pic>
                 <p:nvPicPr>
                   <p:cNvPr id="61" name="Рукописный ввод 60">
@@ -15923,8 +18145,8 @@
               </p:pic>
             </mc:Fallback>
           </mc:AlternateContent>
-          <mc:AlternateContent xmlns:mc="http://schemas.openxmlformats.org/markup-compatibility/2006">
-            <mc:Choice xmlns:p14="http://schemas.microsoft.com/office/powerpoint/2010/main" Requires="p14">
+          <mc:AlternateContent xmlns:mc="http://schemas.openxmlformats.org/markup-compatibility/2006" xmlns:p14="http://schemas.microsoft.com/office/powerpoint/2010/main">
+            <mc:Choice Requires="p14">
               <p:contentPart p14:bwMode="auto" r:id="rId27">
                 <p14:nvContentPartPr>
                   <p14:cNvPr id="62" name="Рукописный ввод 61">
@@ -15943,7 +18165,7 @@
                 </p14:xfrm>
               </p:contentPart>
             </mc:Choice>
-            <mc:Fallback>
+            <mc:Fallback xmlns="">
               <p:pic>
                 <p:nvPicPr>
                   <p:cNvPr id="62" name="Рукописный ввод 61">
@@ -15974,8 +18196,8 @@
               </p:pic>
             </mc:Fallback>
           </mc:AlternateContent>
-          <mc:AlternateContent xmlns:mc="http://schemas.openxmlformats.org/markup-compatibility/2006">
-            <mc:Choice xmlns:p14="http://schemas.microsoft.com/office/powerpoint/2010/main" Requires="p14">
+          <mc:AlternateContent xmlns:mc="http://schemas.openxmlformats.org/markup-compatibility/2006" xmlns:p14="http://schemas.microsoft.com/office/powerpoint/2010/main">
+            <mc:Choice Requires="p14">
               <p:contentPart p14:bwMode="auto" r:id="rId28">
                 <p14:nvContentPartPr>
                   <p14:cNvPr id="63" name="Рукописный ввод 62">
@@ -15994,7 +18216,7 @@
                 </p14:xfrm>
               </p:contentPart>
             </mc:Choice>
-            <mc:Fallback>
+            <mc:Fallback xmlns="">
               <p:pic>
                 <p:nvPicPr>
                   <p:cNvPr id="63" name="Рукописный ввод 62">
@@ -16026,8 +18248,8 @@
             </mc:Fallback>
           </mc:AlternateContent>
         </p:grpSp>
-        <mc:AlternateContent xmlns:mc="http://schemas.openxmlformats.org/markup-compatibility/2006">
-          <mc:Choice xmlns:p14="http://schemas.microsoft.com/office/powerpoint/2010/main" Requires="p14">
+        <mc:AlternateContent xmlns:mc="http://schemas.openxmlformats.org/markup-compatibility/2006" xmlns:p14="http://schemas.microsoft.com/office/powerpoint/2010/main">
+          <mc:Choice Requires="p14">
             <p:contentPart p14:bwMode="auto" r:id="rId30">
               <p14:nvContentPartPr>
                 <p14:cNvPr id="58" name="Рукописный ввод 57">
@@ -16046,7 +18268,7 @@
               </p14:xfrm>
             </p:contentPart>
           </mc:Choice>
-          <mc:Fallback>
+          <mc:Fallback xmlns="">
             <p:pic>
               <p:nvPicPr>
                 <p:cNvPr id="58" name="Рукописный ввод 57">
@@ -16077,8 +18299,8 @@
             </p:pic>
           </mc:Fallback>
         </mc:AlternateContent>
-        <mc:AlternateContent xmlns:mc="http://schemas.openxmlformats.org/markup-compatibility/2006">
-          <mc:Choice xmlns:p14="http://schemas.microsoft.com/office/powerpoint/2010/main" Requires="p14">
+        <mc:AlternateContent xmlns:mc="http://schemas.openxmlformats.org/markup-compatibility/2006" xmlns:p14="http://schemas.microsoft.com/office/powerpoint/2010/main">
+          <mc:Choice Requires="p14">
             <p:contentPart p14:bwMode="auto" r:id="rId32">
               <p14:nvContentPartPr>
                 <p14:cNvPr id="59" name="Рукописный ввод 58">
@@ -16097,7 +18319,7 @@
               </p14:xfrm>
             </p:contentPart>
           </mc:Choice>
-          <mc:Fallback>
+          <mc:Fallback xmlns="">
             <p:pic>
               <p:nvPicPr>
                 <p:cNvPr id="59" name="Рукописный ввод 58">
@@ -16128,8 +18350,8 @@
             </p:pic>
           </mc:Fallback>
         </mc:AlternateContent>
-        <mc:AlternateContent xmlns:mc="http://schemas.openxmlformats.org/markup-compatibility/2006">
-          <mc:Choice xmlns:p14="http://schemas.microsoft.com/office/powerpoint/2010/main" Requires="p14">
+        <mc:AlternateContent xmlns:mc="http://schemas.openxmlformats.org/markup-compatibility/2006" xmlns:p14="http://schemas.microsoft.com/office/powerpoint/2010/main">
+          <mc:Choice Requires="p14">
             <p:contentPart p14:bwMode="auto" r:id="rId34">
               <p14:nvContentPartPr>
                 <p14:cNvPr id="60" name="Рукописный ввод 59">
@@ -16148,7 +18370,7 @@
               </p14:xfrm>
             </p:contentPart>
           </mc:Choice>
-          <mc:Fallback>
+          <mc:Fallback xmlns="">
             <p:pic>
               <p:nvPicPr>
                 <p:cNvPr id="60" name="Рукописный ввод 59">
@@ -16606,8 +18828,8 @@
             </a:prstGeom>
           </p:spPr>
         </p:pic>
-        <mc:AlternateContent xmlns:mc="http://schemas.openxmlformats.org/markup-compatibility/2006">
-          <mc:Choice xmlns:p14="http://schemas.microsoft.com/office/powerpoint/2010/main" Requires="p14">
+        <mc:AlternateContent xmlns:mc="http://schemas.openxmlformats.org/markup-compatibility/2006" xmlns:p14="http://schemas.microsoft.com/office/powerpoint/2010/main">
+          <mc:Choice Requires="p14">
             <p:contentPart p14:bwMode="auto" r:id="rId3">
               <p14:nvContentPartPr>
                 <p14:cNvPr id="33" name="Рукописный ввод 32">
@@ -16626,7 +18848,7 @@
               </p14:xfrm>
             </p:contentPart>
           </mc:Choice>
-          <mc:Fallback>
+          <mc:Fallback xmlns="">
             <p:pic>
               <p:nvPicPr>
                 <p:cNvPr id="33" name="Рукописный ввод 32">
@@ -16657,8 +18879,8 @@
             </p:pic>
           </mc:Fallback>
         </mc:AlternateContent>
-        <mc:AlternateContent xmlns:mc="http://schemas.openxmlformats.org/markup-compatibility/2006">
-          <mc:Choice xmlns:p14="http://schemas.microsoft.com/office/powerpoint/2010/main" Requires="p14">
+        <mc:AlternateContent xmlns:mc="http://schemas.openxmlformats.org/markup-compatibility/2006" xmlns:p14="http://schemas.microsoft.com/office/powerpoint/2010/main">
+          <mc:Choice Requires="p14">
             <p:contentPart p14:bwMode="auto" r:id="rId5">
               <p14:nvContentPartPr>
                 <p14:cNvPr id="34" name="Рукописный ввод 33">
@@ -16677,7 +18899,7 @@
               </p14:xfrm>
             </p:contentPart>
           </mc:Choice>
-          <mc:Fallback>
+          <mc:Fallback xmlns="">
             <p:pic>
               <p:nvPicPr>
                 <p:cNvPr id="34" name="Рукописный ввод 33">
@@ -16708,8 +18930,8 @@
             </p:pic>
           </mc:Fallback>
         </mc:AlternateContent>
-        <mc:AlternateContent xmlns:mc="http://schemas.openxmlformats.org/markup-compatibility/2006">
-          <mc:Choice xmlns:p14="http://schemas.microsoft.com/office/powerpoint/2010/main" Requires="p14">
+        <mc:AlternateContent xmlns:mc="http://schemas.openxmlformats.org/markup-compatibility/2006" xmlns:p14="http://schemas.microsoft.com/office/powerpoint/2010/main">
+          <mc:Choice Requires="p14">
             <p:contentPart p14:bwMode="auto" r:id="rId7">
               <p14:nvContentPartPr>
                 <p14:cNvPr id="35" name="Рукописный ввод 34">
@@ -16728,7 +18950,7 @@
               </p14:xfrm>
             </p:contentPart>
           </mc:Choice>
-          <mc:Fallback>
+          <mc:Fallback xmlns="">
             <p:pic>
               <p:nvPicPr>
                 <p:cNvPr id="35" name="Рукописный ввод 34">
@@ -16759,8 +18981,8 @@
             </p:pic>
           </mc:Fallback>
         </mc:AlternateContent>
-        <mc:AlternateContent xmlns:mc="http://schemas.openxmlformats.org/markup-compatibility/2006">
-          <mc:Choice xmlns:p14="http://schemas.microsoft.com/office/powerpoint/2010/main" Requires="p14">
+        <mc:AlternateContent xmlns:mc="http://schemas.openxmlformats.org/markup-compatibility/2006" xmlns:p14="http://schemas.microsoft.com/office/powerpoint/2010/main">
+          <mc:Choice Requires="p14">
             <p:contentPart p14:bwMode="auto" r:id="rId9">
               <p14:nvContentPartPr>
                 <p14:cNvPr id="36" name="Рукописный ввод 35">
@@ -16779,7 +19001,7 @@
               </p14:xfrm>
             </p:contentPart>
           </mc:Choice>
-          <mc:Fallback>
+          <mc:Fallback xmlns="">
             <p:pic>
               <p:nvPicPr>
                 <p:cNvPr id="36" name="Рукописный ввод 35">
@@ -16810,8 +19032,8 @@
             </p:pic>
           </mc:Fallback>
         </mc:AlternateContent>
-        <mc:AlternateContent xmlns:mc="http://schemas.openxmlformats.org/markup-compatibility/2006">
-          <mc:Choice xmlns:p14="http://schemas.microsoft.com/office/powerpoint/2010/main" Requires="p14">
+        <mc:AlternateContent xmlns:mc="http://schemas.openxmlformats.org/markup-compatibility/2006" xmlns:p14="http://schemas.microsoft.com/office/powerpoint/2010/main">
+          <mc:Choice Requires="p14">
             <p:contentPart p14:bwMode="auto" r:id="rId11">
               <p14:nvContentPartPr>
                 <p14:cNvPr id="37" name="Рукописный ввод 36">
@@ -16830,7 +19052,7 @@
               </p14:xfrm>
             </p:contentPart>
           </mc:Choice>
-          <mc:Fallback>
+          <mc:Fallback xmlns="">
             <p:pic>
               <p:nvPicPr>
                 <p:cNvPr id="37" name="Рукописный ввод 36">
@@ -16861,8 +19083,8 @@
             </p:pic>
           </mc:Fallback>
         </mc:AlternateContent>
-        <mc:AlternateContent xmlns:mc="http://schemas.openxmlformats.org/markup-compatibility/2006">
-          <mc:Choice xmlns:p14="http://schemas.microsoft.com/office/powerpoint/2010/main" Requires="p14">
+        <mc:AlternateContent xmlns:mc="http://schemas.openxmlformats.org/markup-compatibility/2006" xmlns:p14="http://schemas.microsoft.com/office/powerpoint/2010/main">
+          <mc:Choice Requires="p14">
             <p:contentPart p14:bwMode="auto" r:id="rId13">
               <p14:nvContentPartPr>
                 <p14:cNvPr id="38" name="Рукописный ввод 37">
@@ -16881,7 +19103,7 @@
               </p14:xfrm>
             </p:contentPart>
           </mc:Choice>
-          <mc:Fallback>
+          <mc:Fallback xmlns="">
             <p:pic>
               <p:nvPicPr>
                 <p:cNvPr id="38" name="Рукописный ввод 37">
@@ -16912,8 +19134,8 @@
             </p:pic>
           </mc:Fallback>
         </mc:AlternateContent>
-        <mc:AlternateContent xmlns:mc="http://schemas.openxmlformats.org/markup-compatibility/2006">
-          <mc:Choice xmlns:p14="http://schemas.microsoft.com/office/powerpoint/2010/main" Requires="p14">
+        <mc:AlternateContent xmlns:mc="http://schemas.openxmlformats.org/markup-compatibility/2006" xmlns:p14="http://schemas.microsoft.com/office/powerpoint/2010/main">
+          <mc:Choice Requires="p14">
             <p:contentPart p14:bwMode="auto" r:id="rId15">
               <p14:nvContentPartPr>
                 <p14:cNvPr id="39" name="Рукописный ввод 38">
@@ -16932,7 +19154,7 @@
               </p14:xfrm>
             </p:contentPart>
           </mc:Choice>
-          <mc:Fallback>
+          <mc:Fallback xmlns="">
             <p:pic>
               <p:nvPicPr>
                 <p:cNvPr id="39" name="Рукописный ввод 38">
@@ -16963,8 +19185,8 @@
             </p:pic>
           </mc:Fallback>
         </mc:AlternateContent>
-        <mc:AlternateContent xmlns:mc="http://schemas.openxmlformats.org/markup-compatibility/2006">
-          <mc:Choice xmlns:p14="http://schemas.microsoft.com/office/powerpoint/2010/main" Requires="p14">
+        <mc:AlternateContent xmlns:mc="http://schemas.openxmlformats.org/markup-compatibility/2006" xmlns:p14="http://schemas.microsoft.com/office/powerpoint/2010/main">
+          <mc:Choice Requires="p14">
             <p:contentPart p14:bwMode="auto" r:id="rId17">
               <p14:nvContentPartPr>
                 <p14:cNvPr id="40" name="Рукописный ввод 39">
@@ -16983,7 +19205,7 @@
               </p14:xfrm>
             </p:contentPart>
           </mc:Choice>
-          <mc:Fallback>
+          <mc:Fallback xmlns="">
             <p:pic>
               <p:nvPicPr>
                 <p:cNvPr id="40" name="Рукописный ввод 39">
@@ -17014,8 +19236,8 @@
             </p:pic>
           </mc:Fallback>
         </mc:AlternateContent>
-        <mc:AlternateContent xmlns:mc="http://schemas.openxmlformats.org/markup-compatibility/2006">
-          <mc:Choice xmlns:p14="http://schemas.microsoft.com/office/powerpoint/2010/main" Requires="p14">
+        <mc:AlternateContent xmlns:mc="http://schemas.openxmlformats.org/markup-compatibility/2006" xmlns:p14="http://schemas.microsoft.com/office/powerpoint/2010/main">
+          <mc:Choice Requires="p14">
             <p:contentPart p14:bwMode="auto" r:id="rId19">
               <p14:nvContentPartPr>
                 <p14:cNvPr id="41" name="Рукописный ввод 40">
@@ -17034,7 +19256,7 @@
               </p14:xfrm>
             </p:contentPart>
           </mc:Choice>
-          <mc:Fallback>
+          <mc:Fallback xmlns="">
             <p:pic>
               <p:nvPicPr>
                 <p:cNvPr id="41" name="Рукописный ввод 40">
@@ -17065,8 +19287,8 @@
             </p:pic>
           </mc:Fallback>
         </mc:AlternateContent>
-        <mc:AlternateContent xmlns:mc="http://schemas.openxmlformats.org/markup-compatibility/2006">
-          <mc:Choice xmlns:p14="http://schemas.microsoft.com/office/powerpoint/2010/main" Requires="p14">
+        <mc:AlternateContent xmlns:mc="http://schemas.openxmlformats.org/markup-compatibility/2006" xmlns:p14="http://schemas.microsoft.com/office/powerpoint/2010/main">
+          <mc:Choice Requires="p14">
             <p:contentPart p14:bwMode="auto" r:id="rId21">
               <p14:nvContentPartPr>
                 <p14:cNvPr id="42" name="Рукописный ввод 41">
@@ -17085,7 +19307,7 @@
               </p14:xfrm>
             </p:contentPart>
           </mc:Choice>
-          <mc:Fallback>
+          <mc:Fallback xmlns="">
             <p:pic>
               <p:nvPicPr>
                 <p:cNvPr id="42" name="Рукописный ввод 41">
@@ -17168,8 +19390,8 @@
             </a:p>
           </p:txBody>
         </p:sp>
-        <mc:AlternateContent xmlns:mc="http://schemas.openxmlformats.org/markup-compatibility/2006">
-          <mc:Choice xmlns:p14="http://schemas.microsoft.com/office/powerpoint/2010/main" Requires="p14">
+        <mc:AlternateContent xmlns:mc="http://schemas.openxmlformats.org/markup-compatibility/2006" xmlns:p14="http://schemas.microsoft.com/office/powerpoint/2010/main">
+          <mc:Choice Requires="p14">
             <p:contentPart p14:bwMode="auto" r:id="rId23">
               <p14:nvContentPartPr>
                 <p14:cNvPr id="44" name="Рукописный ввод 43">
@@ -17188,7 +19410,7 @@
               </p14:xfrm>
             </p:contentPart>
           </mc:Choice>
-          <mc:Fallback>
+          <mc:Fallback xmlns="">
             <p:pic>
               <p:nvPicPr>
                 <p:cNvPr id="44" name="Рукописный ввод 43">
@@ -17239,8 +19461,8 @@
               <a:chExt cx="601200" cy="667260"/>
             </a:xfrm>
           </p:grpSpPr>
-          <mc:AlternateContent xmlns:mc="http://schemas.openxmlformats.org/markup-compatibility/2006">
-            <mc:Choice xmlns:p14="http://schemas.microsoft.com/office/powerpoint/2010/main" Requires="p14">
+          <mc:AlternateContent xmlns:mc="http://schemas.openxmlformats.org/markup-compatibility/2006" xmlns:p14="http://schemas.microsoft.com/office/powerpoint/2010/main">
+            <mc:Choice Requires="p14">
               <p:contentPart p14:bwMode="auto" r:id="rId25">
                 <p14:nvContentPartPr>
                   <p14:cNvPr id="49" name="Рукописный ввод 48">
@@ -17259,7 +19481,7 @@
                 </p14:xfrm>
               </p:contentPart>
             </mc:Choice>
-            <mc:Fallback>
+            <mc:Fallback xmlns="">
               <p:pic>
                 <p:nvPicPr>
                   <p:cNvPr id="49" name="Рукописный ввод 48">
@@ -17290,8 +19512,8 @@
               </p:pic>
             </mc:Fallback>
           </mc:AlternateContent>
-          <mc:AlternateContent xmlns:mc="http://schemas.openxmlformats.org/markup-compatibility/2006">
-            <mc:Choice xmlns:p14="http://schemas.microsoft.com/office/powerpoint/2010/main" Requires="p14">
+          <mc:AlternateContent xmlns:mc="http://schemas.openxmlformats.org/markup-compatibility/2006" xmlns:p14="http://schemas.microsoft.com/office/powerpoint/2010/main">
+            <mc:Choice Requires="p14">
               <p:contentPart p14:bwMode="auto" r:id="rId27">
                 <p14:nvContentPartPr>
                   <p14:cNvPr id="50" name="Рукописный ввод 49">
@@ -17310,7 +19532,7 @@
                 </p14:xfrm>
               </p:contentPart>
             </mc:Choice>
-            <mc:Fallback>
+            <mc:Fallback xmlns="">
               <p:pic>
                 <p:nvPicPr>
                   <p:cNvPr id="50" name="Рукописный ввод 49">
@@ -17341,8 +19563,8 @@
               </p:pic>
             </mc:Fallback>
           </mc:AlternateContent>
-          <mc:AlternateContent xmlns:mc="http://schemas.openxmlformats.org/markup-compatibility/2006">
-            <mc:Choice xmlns:p14="http://schemas.microsoft.com/office/powerpoint/2010/main" Requires="p14">
+          <mc:AlternateContent xmlns:mc="http://schemas.openxmlformats.org/markup-compatibility/2006" xmlns:p14="http://schemas.microsoft.com/office/powerpoint/2010/main">
+            <mc:Choice Requires="p14">
               <p:contentPart p14:bwMode="auto" r:id="rId28">
                 <p14:nvContentPartPr>
                   <p14:cNvPr id="51" name="Рукописный ввод 50">
@@ -17361,7 +19583,7 @@
                 </p14:xfrm>
               </p:contentPart>
             </mc:Choice>
-            <mc:Fallback>
+            <mc:Fallback xmlns="">
               <p:pic>
                 <p:nvPicPr>
                   <p:cNvPr id="51" name="Рукописный ввод 50">
@@ -17393,8 +19615,8 @@
             </mc:Fallback>
           </mc:AlternateContent>
         </p:grpSp>
-        <mc:AlternateContent xmlns:mc="http://schemas.openxmlformats.org/markup-compatibility/2006">
-          <mc:Choice xmlns:p14="http://schemas.microsoft.com/office/powerpoint/2010/main" Requires="p14">
+        <mc:AlternateContent xmlns:mc="http://schemas.openxmlformats.org/markup-compatibility/2006" xmlns:p14="http://schemas.microsoft.com/office/powerpoint/2010/main">
+          <mc:Choice Requires="p14">
             <p:contentPart p14:bwMode="auto" r:id="rId30">
               <p14:nvContentPartPr>
                 <p14:cNvPr id="46" name="Рукописный ввод 45">
@@ -17413,7 +19635,7 @@
               </p14:xfrm>
             </p:contentPart>
           </mc:Choice>
-          <mc:Fallback>
+          <mc:Fallback xmlns="">
             <p:pic>
               <p:nvPicPr>
                 <p:cNvPr id="46" name="Рукописный ввод 45">
@@ -17444,8 +19666,8 @@
             </p:pic>
           </mc:Fallback>
         </mc:AlternateContent>
-        <mc:AlternateContent xmlns:mc="http://schemas.openxmlformats.org/markup-compatibility/2006">
-          <mc:Choice xmlns:p14="http://schemas.microsoft.com/office/powerpoint/2010/main" Requires="p14">
+        <mc:AlternateContent xmlns:mc="http://schemas.openxmlformats.org/markup-compatibility/2006" xmlns:p14="http://schemas.microsoft.com/office/powerpoint/2010/main">
+          <mc:Choice Requires="p14">
             <p:contentPart p14:bwMode="auto" r:id="rId32">
               <p14:nvContentPartPr>
                 <p14:cNvPr id="47" name="Рукописный ввод 46">
@@ -17464,7 +19686,7 @@
               </p14:xfrm>
             </p:contentPart>
           </mc:Choice>
-          <mc:Fallback>
+          <mc:Fallback xmlns="">
             <p:pic>
               <p:nvPicPr>
                 <p:cNvPr id="47" name="Рукописный ввод 46">
@@ -17495,8 +19717,8 @@
             </p:pic>
           </mc:Fallback>
         </mc:AlternateContent>
-        <mc:AlternateContent xmlns:mc="http://schemas.openxmlformats.org/markup-compatibility/2006">
-          <mc:Choice xmlns:p14="http://schemas.microsoft.com/office/powerpoint/2010/main" Requires="p14">
+        <mc:AlternateContent xmlns:mc="http://schemas.openxmlformats.org/markup-compatibility/2006" xmlns:p14="http://schemas.microsoft.com/office/powerpoint/2010/main">
+          <mc:Choice Requires="p14">
             <p:contentPart p14:bwMode="auto" r:id="rId34">
               <p14:nvContentPartPr>
                 <p14:cNvPr id="48" name="Рукописный ввод 47">
@@ -17515,7 +19737,7 @@
               </p14:xfrm>
             </p:contentPart>
           </mc:Choice>
-          <mc:Fallback>
+          <mc:Fallback xmlns="">
             <p:pic>
               <p:nvPicPr>
                 <p:cNvPr id="48" name="Рукописный ввод 47">
@@ -17822,56 +20044,1177 @@
           <a:chExt cx="0" cy="0"/>
         </a:xfrm>
       </p:grpSpPr>
-      <p:sp>
-        <p:nvSpPr>
-          <p:cNvPr id="2" name="Заголовок 1">
+      <p:grpSp>
+        <p:nvGrpSpPr>
+          <p:cNvPr id="4" name="Группа 3">
             <a:extLst>
               <a:ext uri="{FF2B5EF4-FFF2-40B4-BE49-F238E27FC236}">
-                <a16:creationId xmlns:a16="http://schemas.microsoft.com/office/drawing/2014/main" id="{11ED7BE4-14EF-E1E5-E695-9B42FD31F51E}"/>
+                <a16:creationId xmlns:a16="http://schemas.microsoft.com/office/drawing/2014/main" id="{190870A2-B631-C2D2-11F4-8D98B3E4C5CC}"/>
               </a:ext>
             </a:extLst>
           </p:cNvPr>
-          <p:cNvSpPr>
-            <a:spLocks noGrp="1"/>
-          </p:cNvSpPr>
-          <p:nvPr>
-            <p:ph type="title"/>
-          </p:nvPr>
+          <p:cNvGrpSpPr/>
+          <p:nvPr/>
+        </p:nvGrpSpPr>
+        <p:grpSpPr>
+          <a:xfrm>
+            <a:off x="2322458" y="-3196562"/>
+            <a:ext cx="7567634" cy="13251124"/>
+            <a:chOff x="2322458" y="-3196562"/>
+            <a:chExt cx="7567634" cy="13251124"/>
+          </a:xfrm>
+        </p:grpSpPr>
+        <p:pic>
+          <p:nvPicPr>
+            <p:cNvPr id="5" name="Рисунок 4">
+              <a:extLst>
+                <a:ext uri="{FF2B5EF4-FFF2-40B4-BE49-F238E27FC236}">
+                  <a16:creationId xmlns:a16="http://schemas.microsoft.com/office/drawing/2014/main" id="{9B26722D-BDF7-BD56-816A-FF73B1A85312}"/>
+                </a:ext>
+              </a:extLst>
+            </p:cNvPr>
+            <p:cNvPicPr>
+              <a:picLocks noChangeAspect="1"/>
+            </p:cNvPicPr>
+            <p:nvPr/>
+          </p:nvPicPr>
+          <p:blipFill>
+            <a:blip r:embed="rId2">
+              <a:extLst>
+                <a:ext uri="{28A0092B-C50C-407E-A947-70E740481C1C}">
+                  <a14:useLocalDpi xmlns:a14="http://schemas.microsoft.com/office/drawing/2010/main" val="0"/>
+                </a:ext>
+              </a:extLst>
+            </a:blip>
+            <a:stretch>
+              <a:fillRect/>
+            </a:stretch>
+          </p:blipFill>
+          <p:spPr>
+            <a:xfrm>
+              <a:off x="2322458" y="-3196562"/>
+              <a:ext cx="7567634" cy="13251124"/>
+            </a:xfrm>
+            <a:prstGeom prst="rect">
+              <a:avLst/>
+            </a:prstGeom>
+          </p:spPr>
+        </p:pic>
+        <mc:AlternateContent xmlns:mc="http://schemas.openxmlformats.org/markup-compatibility/2006" xmlns:p14="http://schemas.microsoft.com/office/powerpoint/2010/main">
+          <mc:Choice Requires="p14">
+            <p:contentPart p14:bwMode="auto" r:id="rId3">
+              <p14:nvContentPartPr>
+                <p14:cNvPr id="6" name="Рукописный ввод 5">
+                  <a:extLst>
+                    <a:ext uri="{FF2B5EF4-FFF2-40B4-BE49-F238E27FC236}">
+                      <a16:creationId xmlns:a16="http://schemas.microsoft.com/office/drawing/2014/main" id="{C9985FB6-CF7E-6A64-392A-DF61D60F139F}"/>
+                    </a:ext>
+                  </a:extLst>
+                </p14:cNvPr>
+                <p14:cNvContentPartPr/>
+                <p14:nvPr/>
+              </p14:nvContentPartPr>
+              <p14:xfrm>
+                <a:off x="5132475" y="1693935"/>
+                <a:ext cx="1650240" cy="1097280"/>
+              </p14:xfrm>
+            </p:contentPart>
+          </mc:Choice>
+          <mc:Fallback xmlns="">
+            <p:pic>
+              <p:nvPicPr>
+                <p:cNvPr id="33" name="Рукописный ввод 32">
+                  <a:extLst>
+                    <a:ext uri="{FF2B5EF4-FFF2-40B4-BE49-F238E27FC236}">
+                      <a16:creationId xmlns:a16="http://schemas.microsoft.com/office/drawing/2014/main" id="{A0429EA5-A029-43B2-8393-535B87AE57F4}"/>
+                    </a:ext>
+                  </a:extLst>
+                </p:cNvPr>
+                <p:cNvPicPr/>
+                <p:nvPr/>
+              </p:nvPicPr>
+              <p:blipFill>
+                <a:blip r:embed="rId4"/>
+                <a:stretch>
+                  <a:fillRect/>
+                </a:stretch>
+              </p:blipFill>
+              <p:spPr>
+                <a:xfrm>
+                  <a:off x="5126355" y="1687815"/>
+                  <a:ext cx="1662480" cy="1109520"/>
+                </a:xfrm>
+                <a:prstGeom prst="rect">
+                  <a:avLst/>
+                </a:prstGeom>
+              </p:spPr>
+            </p:pic>
+          </mc:Fallback>
+        </mc:AlternateContent>
+        <mc:AlternateContent xmlns:mc="http://schemas.openxmlformats.org/markup-compatibility/2006" xmlns:p14="http://schemas.microsoft.com/office/powerpoint/2010/main">
+          <mc:Choice Requires="p14">
+            <p:contentPart p14:bwMode="auto" r:id="rId5">
+              <p14:nvContentPartPr>
+                <p14:cNvPr id="7" name="Рукописный ввод 6">
+                  <a:extLst>
+                    <a:ext uri="{FF2B5EF4-FFF2-40B4-BE49-F238E27FC236}">
+                      <a16:creationId xmlns:a16="http://schemas.microsoft.com/office/drawing/2014/main" id="{2114E554-9215-1CED-EF69-1952734AC9C5}"/>
+                    </a:ext>
+                  </a:extLst>
+                </p14:cNvPr>
+                <p14:cNvContentPartPr/>
+                <p14:nvPr/>
+              </p14:nvContentPartPr>
+              <p14:xfrm>
+                <a:off x="4675069" y="187882"/>
+                <a:ext cx="80280" cy="79920"/>
+              </p14:xfrm>
+            </p:contentPart>
+          </mc:Choice>
+          <mc:Fallback xmlns="">
+            <p:pic>
+              <p:nvPicPr>
+                <p:cNvPr id="34" name="Рукописный ввод 33">
+                  <a:extLst>
+                    <a:ext uri="{FF2B5EF4-FFF2-40B4-BE49-F238E27FC236}">
+                      <a16:creationId xmlns:a16="http://schemas.microsoft.com/office/drawing/2014/main" id="{FE2C8EDD-455F-B44E-C1CB-A1A1BF905E96}"/>
+                    </a:ext>
+                  </a:extLst>
+                </p:cNvPr>
+                <p:cNvPicPr/>
+                <p:nvPr/>
+              </p:nvPicPr>
+              <p:blipFill>
+                <a:blip r:embed="rId6"/>
+                <a:stretch>
+                  <a:fillRect/>
+                </a:stretch>
+              </p:blipFill>
+              <p:spPr>
+                <a:xfrm>
+                  <a:off x="4657069" y="170242"/>
+                  <a:ext cx="115920" cy="115560"/>
+                </a:xfrm>
+                <a:prstGeom prst="rect">
+                  <a:avLst/>
+                </a:prstGeom>
+              </p:spPr>
+            </p:pic>
+          </mc:Fallback>
+        </mc:AlternateContent>
+        <mc:AlternateContent xmlns:mc="http://schemas.openxmlformats.org/markup-compatibility/2006" xmlns:p14="http://schemas.microsoft.com/office/powerpoint/2010/main">
+          <mc:Choice Requires="p14">
+            <p:contentPart p14:bwMode="auto" r:id="rId7">
+              <p14:nvContentPartPr>
+                <p14:cNvPr id="8" name="Рукописный ввод 7">
+                  <a:extLst>
+                    <a:ext uri="{FF2B5EF4-FFF2-40B4-BE49-F238E27FC236}">
+                      <a16:creationId xmlns:a16="http://schemas.microsoft.com/office/drawing/2014/main" id="{6DDB14B7-C4EA-C9B1-86CD-10562CD1EC79}"/>
+                    </a:ext>
+                  </a:extLst>
+                </p14:cNvPr>
+                <p14:cNvContentPartPr/>
+                <p14:nvPr/>
+              </p14:nvContentPartPr>
+              <p14:xfrm>
+                <a:off x="4868460" y="774480"/>
+                <a:ext cx="1853640" cy="1215000"/>
+              </p14:xfrm>
+            </p:contentPart>
+          </mc:Choice>
+          <mc:Fallback xmlns="">
+            <p:pic>
+              <p:nvPicPr>
+                <p:cNvPr id="35" name="Рукописный ввод 34">
+                  <a:extLst>
+                    <a:ext uri="{FF2B5EF4-FFF2-40B4-BE49-F238E27FC236}">
+                      <a16:creationId xmlns:a16="http://schemas.microsoft.com/office/drawing/2014/main" id="{2020AE6F-0BBE-36E4-F8D0-EBFE816D0866}"/>
+                    </a:ext>
+                  </a:extLst>
+                </p:cNvPr>
+                <p:cNvPicPr/>
+                <p:nvPr/>
+              </p:nvPicPr>
+              <p:blipFill>
+                <a:blip r:embed="rId8"/>
+                <a:stretch>
+                  <a:fillRect/>
+                </a:stretch>
+              </p:blipFill>
+              <p:spPr>
+                <a:xfrm>
+                  <a:off x="4850820" y="756480"/>
+                  <a:ext cx="1889280" cy="1250640"/>
+                </a:xfrm>
+                <a:prstGeom prst="rect">
+                  <a:avLst/>
+                </a:prstGeom>
+              </p:spPr>
+            </p:pic>
+          </mc:Fallback>
+        </mc:AlternateContent>
+        <mc:AlternateContent xmlns:mc="http://schemas.openxmlformats.org/markup-compatibility/2006" xmlns:p14="http://schemas.microsoft.com/office/powerpoint/2010/main">
+          <mc:Choice Requires="p14">
+            <p:contentPart p14:bwMode="auto" r:id="rId9">
+              <p14:nvContentPartPr>
+                <p14:cNvPr id="9" name="Рукописный ввод 8">
+                  <a:extLst>
+                    <a:ext uri="{FF2B5EF4-FFF2-40B4-BE49-F238E27FC236}">
+                      <a16:creationId xmlns:a16="http://schemas.microsoft.com/office/drawing/2014/main" id="{4AE51B2E-0675-B9DF-6BE8-204EDD65C441}"/>
+                    </a:ext>
+                  </a:extLst>
+                </p14:cNvPr>
+                <p14:cNvContentPartPr/>
+                <p14:nvPr/>
+              </p14:nvContentPartPr>
+              <p14:xfrm>
+                <a:off x="4814464" y="223800"/>
+                <a:ext cx="1238760" cy="264600"/>
+              </p14:xfrm>
+            </p:contentPart>
+          </mc:Choice>
+          <mc:Fallback xmlns="">
+            <p:pic>
+              <p:nvPicPr>
+                <p:cNvPr id="36" name="Рукописный ввод 35">
+                  <a:extLst>
+                    <a:ext uri="{FF2B5EF4-FFF2-40B4-BE49-F238E27FC236}">
+                      <a16:creationId xmlns:a16="http://schemas.microsoft.com/office/drawing/2014/main" id="{9B6B2F17-A763-DA54-9147-738C9ADE0344}"/>
+                    </a:ext>
+                  </a:extLst>
+                </p:cNvPr>
+                <p:cNvPicPr/>
+                <p:nvPr/>
+              </p:nvPicPr>
+              <p:blipFill>
+                <a:blip r:embed="rId10"/>
+                <a:stretch>
+                  <a:fillRect/>
+                </a:stretch>
+              </p:blipFill>
+              <p:spPr>
+                <a:xfrm>
+                  <a:off x="4796824" y="205800"/>
+                  <a:ext cx="1274400" cy="300240"/>
+                </a:xfrm>
+                <a:prstGeom prst="rect">
+                  <a:avLst/>
+                </a:prstGeom>
+              </p:spPr>
+            </p:pic>
+          </mc:Fallback>
+        </mc:AlternateContent>
+        <mc:AlternateContent xmlns:mc="http://schemas.openxmlformats.org/markup-compatibility/2006" xmlns:p14="http://schemas.microsoft.com/office/powerpoint/2010/main">
+          <mc:Choice Requires="p14">
+            <p:contentPart p14:bwMode="auto" r:id="rId11">
+              <p14:nvContentPartPr>
+                <p14:cNvPr id="10" name="Рукописный ввод 9">
+                  <a:extLst>
+                    <a:ext uri="{FF2B5EF4-FFF2-40B4-BE49-F238E27FC236}">
+                      <a16:creationId xmlns:a16="http://schemas.microsoft.com/office/drawing/2014/main" id="{7D1013E4-2A87-9CCF-D691-926AEB41D2A1}"/>
+                    </a:ext>
+                  </a:extLst>
+                </p14:cNvPr>
+                <p14:cNvContentPartPr/>
+                <p14:nvPr/>
+              </p14:nvContentPartPr>
+              <p14:xfrm>
+                <a:off x="5529064" y="458520"/>
+                <a:ext cx="648000" cy="6840"/>
+              </p14:xfrm>
+            </p:contentPart>
+          </mc:Choice>
+          <mc:Fallback xmlns="">
+            <p:pic>
+              <p:nvPicPr>
+                <p:cNvPr id="37" name="Рукописный ввод 36">
+                  <a:extLst>
+                    <a:ext uri="{FF2B5EF4-FFF2-40B4-BE49-F238E27FC236}">
+                      <a16:creationId xmlns:a16="http://schemas.microsoft.com/office/drawing/2014/main" id="{C5565FC7-A7A8-BD39-5759-340317F495CF}"/>
+                    </a:ext>
+                  </a:extLst>
+                </p:cNvPr>
+                <p:cNvPicPr/>
+                <p:nvPr/>
+              </p:nvPicPr>
+              <p:blipFill>
+                <a:blip r:embed="rId12"/>
+                <a:stretch>
+                  <a:fillRect/>
+                </a:stretch>
+              </p:blipFill>
+              <p:spPr>
+                <a:xfrm>
+                  <a:off x="5511064" y="440520"/>
+                  <a:ext cx="683640" cy="42480"/>
+                </a:xfrm>
+                <a:prstGeom prst="rect">
+                  <a:avLst/>
+                </a:prstGeom>
+              </p:spPr>
+            </p:pic>
+          </mc:Fallback>
+        </mc:AlternateContent>
+        <mc:AlternateContent xmlns:mc="http://schemas.openxmlformats.org/markup-compatibility/2006" xmlns:p14="http://schemas.microsoft.com/office/powerpoint/2010/main">
+          <mc:Choice Requires="p14">
+            <p:contentPart p14:bwMode="auto" r:id="rId13">
+              <p14:nvContentPartPr>
+                <p14:cNvPr id="11" name="Рукописный ввод 10">
+                  <a:extLst>
+                    <a:ext uri="{FF2B5EF4-FFF2-40B4-BE49-F238E27FC236}">
+                      <a16:creationId xmlns:a16="http://schemas.microsoft.com/office/drawing/2014/main" id="{E9ACF359-EE42-1C29-BBCB-2E239FF35742}"/>
+                    </a:ext>
+                  </a:extLst>
+                </p14:cNvPr>
+                <p14:cNvContentPartPr/>
+                <p14:nvPr/>
+              </p14:nvContentPartPr>
+              <p14:xfrm>
+                <a:off x="6504821" y="223080"/>
+                <a:ext cx="1091520" cy="388800"/>
+              </p14:xfrm>
+            </p:contentPart>
+          </mc:Choice>
+          <mc:Fallback xmlns="">
+            <p:pic>
+              <p:nvPicPr>
+                <p:cNvPr id="38" name="Рукописный ввод 37">
+                  <a:extLst>
+                    <a:ext uri="{FF2B5EF4-FFF2-40B4-BE49-F238E27FC236}">
+                      <a16:creationId xmlns:a16="http://schemas.microsoft.com/office/drawing/2014/main" id="{08E3A68D-E997-1CF4-D37B-C261BDEBA481}"/>
+                    </a:ext>
+                  </a:extLst>
+                </p:cNvPr>
+                <p:cNvPicPr/>
+                <p:nvPr/>
+              </p:nvPicPr>
+              <p:blipFill>
+                <a:blip r:embed="rId14"/>
+                <a:stretch>
+                  <a:fillRect/>
+                </a:stretch>
+              </p:blipFill>
+              <p:spPr>
+                <a:xfrm>
+                  <a:off x="6487181" y="205440"/>
+                  <a:ext cx="1127160" cy="424440"/>
+                </a:xfrm>
+                <a:prstGeom prst="rect">
+                  <a:avLst/>
+                </a:prstGeom>
+              </p:spPr>
+            </p:pic>
+          </mc:Fallback>
+        </mc:AlternateContent>
+        <mc:AlternateContent xmlns:mc="http://schemas.openxmlformats.org/markup-compatibility/2006" xmlns:p14="http://schemas.microsoft.com/office/powerpoint/2010/main">
+          <mc:Choice Requires="p14">
+            <p:contentPart p14:bwMode="auto" r:id="rId15">
+              <p14:nvContentPartPr>
+                <p14:cNvPr id="12" name="Рукописный ввод 11">
+                  <a:extLst>
+                    <a:ext uri="{FF2B5EF4-FFF2-40B4-BE49-F238E27FC236}">
+                      <a16:creationId xmlns:a16="http://schemas.microsoft.com/office/drawing/2014/main" id="{8F04A428-A212-53F8-2D14-F655F86D9AD8}"/>
+                    </a:ext>
+                  </a:extLst>
+                </p14:cNvPr>
+                <p14:cNvContentPartPr/>
+                <p14:nvPr/>
+              </p14:nvContentPartPr>
+              <p14:xfrm>
+                <a:off x="6106275" y="446940"/>
+                <a:ext cx="428040" cy="38880"/>
+              </p14:xfrm>
+            </p:contentPart>
+          </mc:Choice>
+          <mc:Fallback xmlns="">
+            <p:pic>
+              <p:nvPicPr>
+                <p:cNvPr id="39" name="Рукописный ввод 38">
+                  <a:extLst>
+                    <a:ext uri="{FF2B5EF4-FFF2-40B4-BE49-F238E27FC236}">
+                      <a16:creationId xmlns:a16="http://schemas.microsoft.com/office/drawing/2014/main" id="{DC7E4D04-1746-BD85-9A1B-81CC13B7CF5D}"/>
+                    </a:ext>
+                  </a:extLst>
+                </p:cNvPr>
+                <p:cNvPicPr/>
+                <p:nvPr/>
+              </p:nvPicPr>
+              <p:blipFill>
+                <a:blip r:embed="rId16"/>
+                <a:stretch>
+                  <a:fillRect/>
+                </a:stretch>
+              </p:blipFill>
+              <p:spPr>
+                <a:xfrm>
+                  <a:off x="6088275" y="429300"/>
+                  <a:ext cx="463680" cy="74520"/>
+                </a:xfrm>
+                <a:prstGeom prst="rect">
+                  <a:avLst/>
+                </a:prstGeom>
+              </p:spPr>
+            </p:pic>
+          </mc:Fallback>
+        </mc:AlternateContent>
+        <mc:AlternateContent xmlns:mc="http://schemas.openxmlformats.org/markup-compatibility/2006" xmlns:p14="http://schemas.microsoft.com/office/powerpoint/2010/main">
+          <mc:Choice Requires="p14">
+            <p:contentPart p14:bwMode="auto" r:id="rId17">
+              <p14:nvContentPartPr>
+                <p14:cNvPr id="13" name="Рукописный ввод 12">
+                  <a:extLst>
+                    <a:ext uri="{FF2B5EF4-FFF2-40B4-BE49-F238E27FC236}">
+                      <a16:creationId xmlns:a16="http://schemas.microsoft.com/office/drawing/2014/main" id="{8A8F805C-5BC3-6A01-7DB7-85B9E85EA2F3}"/>
+                    </a:ext>
+                  </a:extLst>
+                </p14:cNvPr>
+                <p14:cNvContentPartPr/>
+                <p14:nvPr/>
+              </p14:nvContentPartPr>
+              <p14:xfrm>
+                <a:off x="6905475" y="980820"/>
+                <a:ext cx="360" cy="360"/>
+              </p14:xfrm>
+            </p:contentPart>
+          </mc:Choice>
+          <mc:Fallback xmlns="">
+            <p:pic>
+              <p:nvPicPr>
+                <p:cNvPr id="40" name="Рукописный ввод 39">
+                  <a:extLst>
+                    <a:ext uri="{FF2B5EF4-FFF2-40B4-BE49-F238E27FC236}">
+                      <a16:creationId xmlns:a16="http://schemas.microsoft.com/office/drawing/2014/main" id="{59AA900D-8222-5E43-D7A0-1E158150B472}"/>
+                    </a:ext>
+                  </a:extLst>
+                </p:cNvPr>
+                <p:cNvPicPr/>
+                <p:nvPr/>
+              </p:nvPicPr>
+              <p:blipFill>
+                <a:blip r:embed="rId18"/>
+                <a:stretch>
+                  <a:fillRect/>
+                </a:stretch>
+              </p:blipFill>
+              <p:spPr>
+                <a:xfrm>
+                  <a:off x="6887475" y="962820"/>
+                  <a:ext cx="36000" cy="36000"/>
+                </a:xfrm>
+                <a:prstGeom prst="rect">
+                  <a:avLst/>
+                </a:prstGeom>
+              </p:spPr>
+            </p:pic>
+          </mc:Fallback>
+        </mc:AlternateContent>
+        <mc:AlternateContent xmlns:mc="http://schemas.openxmlformats.org/markup-compatibility/2006" xmlns:p14="http://schemas.microsoft.com/office/powerpoint/2010/main">
+          <mc:Choice Requires="p14">
+            <p:contentPart p14:bwMode="auto" r:id="rId19">
+              <p14:nvContentPartPr>
+                <p14:cNvPr id="14" name="Рукописный ввод 13">
+                  <a:extLst>
+                    <a:ext uri="{FF2B5EF4-FFF2-40B4-BE49-F238E27FC236}">
+                      <a16:creationId xmlns:a16="http://schemas.microsoft.com/office/drawing/2014/main" id="{CC586F83-EE8E-5625-D99F-AA97505F1219}"/>
+                    </a:ext>
+                  </a:extLst>
+                </p14:cNvPr>
+                <p14:cNvContentPartPr/>
+                <p14:nvPr/>
+              </p14:nvContentPartPr>
+              <p14:xfrm>
+                <a:off x="7562738" y="618975"/>
+                <a:ext cx="10440" cy="338400"/>
+              </p14:xfrm>
+            </p:contentPart>
+          </mc:Choice>
+          <mc:Fallback xmlns="">
+            <p:pic>
+              <p:nvPicPr>
+                <p:cNvPr id="41" name="Рукописный ввод 40">
+                  <a:extLst>
+                    <a:ext uri="{FF2B5EF4-FFF2-40B4-BE49-F238E27FC236}">
+                      <a16:creationId xmlns:a16="http://schemas.microsoft.com/office/drawing/2014/main" id="{2408FAEB-1940-C13A-B8CD-1ECAAB72A343}"/>
+                    </a:ext>
+                  </a:extLst>
+                </p:cNvPr>
+                <p:cNvPicPr/>
+                <p:nvPr/>
+              </p:nvPicPr>
+              <p:blipFill>
+                <a:blip r:embed="rId20"/>
+                <a:stretch>
+                  <a:fillRect/>
+                </a:stretch>
+              </p:blipFill>
+              <p:spPr>
+                <a:xfrm>
+                  <a:off x="7526738" y="582975"/>
+                  <a:ext cx="82080" cy="410040"/>
+                </a:xfrm>
+                <a:prstGeom prst="rect">
+                  <a:avLst/>
+                </a:prstGeom>
+              </p:spPr>
+            </p:pic>
+          </mc:Fallback>
+        </mc:AlternateContent>
+        <mc:AlternateContent xmlns:mc="http://schemas.openxmlformats.org/markup-compatibility/2006" xmlns:p14="http://schemas.microsoft.com/office/powerpoint/2010/main">
+          <mc:Choice Requires="p14">
+            <p:contentPart p14:bwMode="auto" r:id="rId21">
+              <p14:nvContentPartPr>
+                <p14:cNvPr id="15" name="Рукописный ввод 14">
+                  <a:extLst>
+                    <a:ext uri="{FF2B5EF4-FFF2-40B4-BE49-F238E27FC236}">
+                      <a16:creationId xmlns:a16="http://schemas.microsoft.com/office/drawing/2014/main" id="{96140D09-301F-3B62-3322-596D7A9189DC}"/>
+                    </a:ext>
+                  </a:extLst>
+                </p14:cNvPr>
+                <p14:cNvContentPartPr/>
+                <p14:nvPr/>
+              </p14:nvContentPartPr>
+              <p14:xfrm>
+                <a:off x="7486151" y="972180"/>
+                <a:ext cx="91080" cy="1007640"/>
+              </p14:xfrm>
+            </p:contentPart>
+          </mc:Choice>
+          <mc:Fallback xmlns="">
+            <p:pic>
+              <p:nvPicPr>
+                <p:cNvPr id="42" name="Рукописный ввод 41">
+                  <a:extLst>
+                    <a:ext uri="{FF2B5EF4-FFF2-40B4-BE49-F238E27FC236}">
+                      <a16:creationId xmlns:a16="http://schemas.microsoft.com/office/drawing/2014/main" id="{B0E5B9BD-51E5-6E57-6D0F-5C803E2F6961}"/>
+                    </a:ext>
+                  </a:extLst>
+                </p:cNvPr>
+                <p:cNvPicPr/>
+                <p:nvPr/>
+              </p:nvPicPr>
+              <p:blipFill>
+                <a:blip r:embed="rId22"/>
+                <a:stretch>
+                  <a:fillRect/>
+                </a:stretch>
+              </p:blipFill>
+              <p:spPr>
+                <a:xfrm>
+                  <a:off x="7450151" y="936540"/>
+                  <a:ext cx="162720" cy="1079280"/>
+                </a:xfrm>
+                <a:prstGeom prst="rect">
+                  <a:avLst/>
+                </a:prstGeom>
+              </p:spPr>
+            </p:pic>
+          </mc:Fallback>
+        </mc:AlternateContent>
+        <p:sp>
+          <p:nvSpPr>
+            <p:cNvPr id="16" name="Прямоугольник 15">
+              <a:extLst>
+                <a:ext uri="{FF2B5EF4-FFF2-40B4-BE49-F238E27FC236}">
+                  <a16:creationId xmlns:a16="http://schemas.microsoft.com/office/drawing/2014/main" id="{98C0CE1E-2BDD-51D7-85BB-5F48280FBC33}"/>
+                </a:ext>
+              </a:extLst>
+            </p:cNvPr>
+            <p:cNvSpPr/>
+            <p:nvPr/>
+          </p:nvSpPr>
+          <p:spPr>
+            <a:xfrm>
+              <a:off x="4610100" y="548640"/>
+              <a:ext cx="3016404" cy="5690385"/>
+            </a:xfrm>
+            <a:prstGeom prst="rect">
+              <a:avLst/>
+            </a:prstGeom>
+            <a:solidFill>
+              <a:srgbClr val="333333"/>
+            </a:solidFill>
+            <a:ln>
+              <a:noFill/>
+            </a:ln>
+          </p:spPr>
+          <p:style>
+            <a:lnRef idx="2">
+              <a:schemeClr val="accent1">
+                <a:shade val="15000"/>
+              </a:schemeClr>
+            </a:lnRef>
+            <a:fillRef idx="1">
+              <a:schemeClr val="accent1"/>
+            </a:fillRef>
+            <a:effectRef idx="0">
+              <a:schemeClr val="accent1"/>
+            </a:effectRef>
+            <a:fontRef idx="minor">
+              <a:schemeClr val="lt1"/>
+            </a:fontRef>
+          </p:style>
+          <p:txBody>
+            <a:bodyPr rtlCol="0" anchor="ctr"/>
+            <a:lstStyle/>
+            <a:p>
+              <a:pPr algn="ctr"/>
+              <a:endParaRPr lang="ru-RU"/>
+            </a:p>
+          </p:txBody>
+        </p:sp>
+        <mc:AlternateContent xmlns:mc="http://schemas.openxmlformats.org/markup-compatibility/2006" xmlns:p14="http://schemas.microsoft.com/office/powerpoint/2010/main">
+          <mc:Choice Requires="p14">
+            <p:contentPart p14:bwMode="auto" r:id="rId23">
+              <p14:nvContentPartPr>
+                <p14:cNvPr id="17" name="Рукописный ввод 16">
+                  <a:extLst>
+                    <a:ext uri="{FF2B5EF4-FFF2-40B4-BE49-F238E27FC236}">
+                      <a16:creationId xmlns:a16="http://schemas.microsoft.com/office/drawing/2014/main" id="{702FD6AC-E6F2-F92E-1053-FF33A7D323D5}"/>
+                    </a:ext>
+                  </a:extLst>
+                </p14:cNvPr>
+                <p14:cNvContentPartPr/>
+                <p14:nvPr/>
+              </p14:nvContentPartPr>
+              <p14:xfrm>
+                <a:off x="4693980" y="294540"/>
+                <a:ext cx="2840760" cy="322920"/>
+              </p14:xfrm>
+            </p:contentPart>
+          </mc:Choice>
+          <mc:Fallback xmlns="">
+            <p:pic>
+              <p:nvPicPr>
+                <p:cNvPr id="44" name="Рукописный ввод 43">
+                  <a:extLst>
+                    <a:ext uri="{FF2B5EF4-FFF2-40B4-BE49-F238E27FC236}">
+                      <a16:creationId xmlns:a16="http://schemas.microsoft.com/office/drawing/2014/main" id="{74E84BBA-6D47-4C3F-3C52-F1F76CF15A61}"/>
+                    </a:ext>
+                  </a:extLst>
+                </p:cNvPr>
+                <p:cNvPicPr/>
+                <p:nvPr/>
+              </p:nvPicPr>
+              <p:blipFill>
+                <a:blip r:embed="rId24"/>
+                <a:stretch>
+                  <a:fillRect/>
+                </a:stretch>
+              </p:blipFill>
+              <p:spPr>
+                <a:xfrm>
+                  <a:off x="4631340" y="231900"/>
+                  <a:ext cx="2966400" cy="448560"/>
+                </a:xfrm>
+                <a:prstGeom prst="rect">
+                  <a:avLst/>
+                </a:prstGeom>
+              </p:spPr>
+            </p:pic>
+          </mc:Fallback>
+        </mc:AlternateContent>
+        <p:grpSp>
+          <p:nvGrpSpPr>
+            <p:cNvPr id="18" name="Группа 17">
+              <a:extLst>
+                <a:ext uri="{FF2B5EF4-FFF2-40B4-BE49-F238E27FC236}">
+                  <a16:creationId xmlns:a16="http://schemas.microsoft.com/office/drawing/2014/main" id="{D9B792FF-14D7-3FDF-BA46-AEC106B66623}"/>
+                </a:ext>
+              </a:extLst>
+            </p:cNvPr>
+            <p:cNvGrpSpPr/>
+            <p:nvPr/>
+          </p:nvGrpSpPr>
+          <p:grpSpPr>
+            <a:xfrm>
+              <a:off x="4838340" y="249000"/>
+              <a:ext cx="601200" cy="667260"/>
+              <a:chOff x="4838340" y="249000"/>
+              <a:chExt cx="601200" cy="667260"/>
+            </a:xfrm>
+          </p:grpSpPr>
+          <mc:AlternateContent xmlns:mc="http://schemas.openxmlformats.org/markup-compatibility/2006" xmlns:p14="http://schemas.microsoft.com/office/powerpoint/2010/main">
+            <mc:Choice Requires="p14">
+              <p:contentPart p14:bwMode="auto" r:id="rId25">
+                <p14:nvContentPartPr>
+                  <p14:cNvPr id="22" name="Рукописный ввод 21">
+                    <a:extLst>
+                      <a:ext uri="{FF2B5EF4-FFF2-40B4-BE49-F238E27FC236}">
+                        <a16:creationId xmlns:a16="http://schemas.microsoft.com/office/drawing/2014/main" id="{D9983E75-3E27-C8A8-04DB-9D73654129F1}"/>
+                      </a:ext>
+                    </a:extLst>
+                  </p14:cNvPr>
+                  <p14:cNvContentPartPr/>
+                  <p14:nvPr/>
+                </p14:nvContentPartPr>
+                <p14:xfrm>
+                  <a:off x="5320264" y="249000"/>
+                  <a:ext cx="37440" cy="129960"/>
+                </p14:xfrm>
+              </p:contentPart>
+            </mc:Choice>
+            <mc:Fallback xmlns="">
+              <p:pic>
+                <p:nvPicPr>
+                  <p:cNvPr id="49" name="Рукописный ввод 48">
+                    <a:extLst>
+                      <a:ext uri="{FF2B5EF4-FFF2-40B4-BE49-F238E27FC236}">
+                        <a16:creationId xmlns:a16="http://schemas.microsoft.com/office/drawing/2014/main" id="{4A675F69-B088-6C7A-0F60-ADDB965FE16D}"/>
+                      </a:ext>
+                    </a:extLst>
+                  </p:cNvPr>
+                  <p:cNvPicPr/>
+                  <p:nvPr/>
+                </p:nvPicPr>
+                <p:blipFill>
+                  <a:blip r:embed="rId26"/>
+                  <a:stretch>
+                    <a:fillRect/>
+                  </a:stretch>
+                </p:blipFill>
+                <p:spPr>
+                  <a:xfrm>
+                    <a:off x="5302624" y="231000"/>
+                    <a:ext cx="73080" cy="165600"/>
+                  </a:xfrm>
+                  <a:prstGeom prst="rect">
+                    <a:avLst/>
+                  </a:prstGeom>
+                </p:spPr>
+              </p:pic>
+            </mc:Fallback>
+          </mc:AlternateContent>
+          <mc:AlternateContent xmlns:mc="http://schemas.openxmlformats.org/markup-compatibility/2006" xmlns:p14="http://schemas.microsoft.com/office/powerpoint/2010/main">
+            <mc:Choice Requires="p14">
+              <p:contentPart p14:bwMode="auto" r:id="rId27">
+                <p14:nvContentPartPr>
+                  <p14:cNvPr id="23" name="Рукописный ввод 22">
+                    <a:extLst>
+                      <a:ext uri="{FF2B5EF4-FFF2-40B4-BE49-F238E27FC236}">
+                        <a16:creationId xmlns:a16="http://schemas.microsoft.com/office/drawing/2014/main" id="{08FF8EAD-5A83-988F-BD81-C450FE310178}"/>
+                      </a:ext>
+                    </a:extLst>
+                  </p14:cNvPr>
+                  <p14:cNvContentPartPr/>
+                  <p14:nvPr/>
+                </p14:nvContentPartPr>
+                <p14:xfrm>
+                  <a:off x="5340784" y="361680"/>
+                  <a:ext cx="360" cy="360"/>
+                </p14:xfrm>
+              </p:contentPart>
+            </mc:Choice>
+            <mc:Fallback xmlns="">
+              <p:pic>
+                <p:nvPicPr>
+                  <p:cNvPr id="50" name="Рукописный ввод 49">
+                    <a:extLst>
+                      <a:ext uri="{FF2B5EF4-FFF2-40B4-BE49-F238E27FC236}">
+                        <a16:creationId xmlns:a16="http://schemas.microsoft.com/office/drawing/2014/main" id="{1AEC002D-BAC1-0E80-F422-C3DDF3E47FE4}"/>
+                      </a:ext>
+                    </a:extLst>
+                  </p:cNvPr>
+                  <p:cNvPicPr/>
+                  <p:nvPr/>
+                </p:nvPicPr>
+                <p:blipFill>
+                  <a:blip r:embed="rId18"/>
+                  <a:stretch>
+                    <a:fillRect/>
+                  </a:stretch>
+                </p:blipFill>
+                <p:spPr>
+                  <a:xfrm>
+                    <a:off x="5323144" y="344040"/>
+                    <a:ext cx="36000" cy="36000"/>
+                  </a:xfrm>
+                  <a:prstGeom prst="rect">
+                    <a:avLst/>
+                  </a:prstGeom>
+                </p:spPr>
+              </p:pic>
+            </mc:Fallback>
+          </mc:AlternateContent>
+          <mc:AlternateContent xmlns:mc="http://schemas.openxmlformats.org/markup-compatibility/2006" xmlns:p14="http://schemas.microsoft.com/office/powerpoint/2010/main">
+            <mc:Choice Requires="p14">
+              <p:contentPart p14:bwMode="auto" r:id="rId28">
+                <p14:nvContentPartPr>
+                  <p14:cNvPr id="24" name="Рукописный ввод 23">
+                    <a:extLst>
+                      <a:ext uri="{FF2B5EF4-FFF2-40B4-BE49-F238E27FC236}">
+                        <a16:creationId xmlns:a16="http://schemas.microsoft.com/office/drawing/2014/main" id="{F73BDDCB-4775-2A17-F9CD-7F22118276E9}"/>
+                      </a:ext>
+                    </a:extLst>
+                  </p14:cNvPr>
+                  <p14:cNvContentPartPr/>
+                  <p14:nvPr/>
+                </p14:nvContentPartPr>
+                <p14:xfrm>
+                  <a:off x="4838340" y="281580"/>
+                  <a:ext cx="601200" cy="634680"/>
+                </p14:xfrm>
+              </p:contentPart>
+            </mc:Choice>
+            <mc:Fallback xmlns="">
+              <p:pic>
+                <p:nvPicPr>
+                  <p:cNvPr id="51" name="Рукописный ввод 50">
+                    <a:extLst>
+                      <a:ext uri="{FF2B5EF4-FFF2-40B4-BE49-F238E27FC236}">
+                        <a16:creationId xmlns:a16="http://schemas.microsoft.com/office/drawing/2014/main" id="{97189FCF-31BA-09C7-DF5F-9D7DF4D20AA7}"/>
+                      </a:ext>
+                    </a:extLst>
+                  </p:cNvPr>
+                  <p:cNvPicPr/>
+                  <p:nvPr/>
+                </p:nvPicPr>
+                <p:blipFill>
+                  <a:blip r:embed="rId29"/>
+                  <a:stretch>
+                    <a:fillRect/>
+                  </a:stretch>
+                </p:blipFill>
+                <p:spPr>
+                  <a:xfrm>
+                    <a:off x="4775700" y="218940"/>
+                    <a:ext cx="726840" cy="760320"/>
+                  </a:xfrm>
+                  <a:prstGeom prst="rect">
+                    <a:avLst/>
+                  </a:prstGeom>
+                </p:spPr>
+              </p:pic>
+            </mc:Fallback>
+          </mc:AlternateContent>
+        </p:grpSp>
+        <mc:AlternateContent xmlns:mc="http://schemas.openxmlformats.org/markup-compatibility/2006" xmlns:p14="http://schemas.microsoft.com/office/powerpoint/2010/main">
+          <mc:Choice Requires="p14">
+            <p:contentPart p14:bwMode="auto" r:id="rId30">
+              <p14:nvContentPartPr>
+                <p14:cNvPr id="19" name="Рукописный ввод 18">
+                  <a:extLst>
+                    <a:ext uri="{FF2B5EF4-FFF2-40B4-BE49-F238E27FC236}">
+                      <a16:creationId xmlns:a16="http://schemas.microsoft.com/office/drawing/2014/main" id="{9F014971-12A2-9ED5-658F-00A664AC6605}"/>
+                    </a:ext>
+                  </a:extLst>
+                </p14:cNvPr>
+                <p14:cNvContentPartPr/>
+                <p14:nvPr/>
+              </p14:nvContentPartPr>
+              <p14:xfrm>
+                <a:off x="4705235" y="6273675"/>
+                <a:ext cx="360" cy="360"/>
+              </p14:xfrm>
+            </p:contentPart>
+          </mc:Choice>
+          <mc:Fallback xmlns="">
+            <p:pic>
+              <p:nvPicPr>
+                <p:cNvPr id="46" name="Рукописный ввод 45">
+                  <a:extLst>
+                    <a:ext uri="{FF2B5EF4-FFF2-40B4-BE49-F238E27FC236}">
+                      <a16:creationId xmlns:a16="http://schemas.microsoft.com/office/drawing/2014/main" id="{1F5E721B-708C-EADF-49C1-C62F9C1D0799}"/>
+                    </a:ext>
+                  </a:extLst>
+                </p:cNvPr>
+                <p:cNvPicPr/>
+                <p:nvPr/>
+              </p:nvPicPr>
+              <p:blipFill>
+                <a:blip r:embed="rId31"/>
+                <a:stretch>
+                  <a:fillRect/>
+                </a:stretch>
+              </p:blipFill>
+              <p:spPr>
+                <a:xfrm>
+                  <a:off x="4642235" y="6210675"/>
+                  <a:ext cx="126000" cy="126000"/>
+                </a:xfrm>
+                <a:prstGeom prst="rect">
+                  <a:avLst/>
+                </a:prstGeom>
+              </p:spPr>
+            </p:pic>
+          </mc:Fallback>
+        </mc:AlternateContent>
+        <mc:AlternateContent xmlns:mc="http://schemas.openxmlformats.org/markup-compatibility/2006" xmlns:p14="http://schemas.microsoft.com/office/powerpoint/2010/main">
+          <mc:Choice Requires="p14">
+            <p:contentPart p14:bwMode="auto" r:id="rId32">
+              <p14:nvContentPartPr>
+                <p14:cNvPr id="20" name="Рукописный ввод 19">
+                  <a:extLst>
+                    <a:ext uri="{FF2B5EF4-FFF2-40B4-BE49-F238E27FC236}">
+                      <a16:creationId xmlns:a16="http://schemas.microsoft.com/office/drawing/2014/main" id="{D5DB6E5D-F943-F667-C6DA-ABD9D6AAD967}"/>
+                    </a:ext>
+                  </a:extLst>
+                </p14:cNvPr>
+                <p14:cNvContentPartPr/>
+                <p14:nvPr/>
+              </p14:nvContentPartPr>
+              <p14:xfrm>
+                <a:off x="4746275" y="6200595"/>
+                <a:ext cx="2795760" cy="324720"/>
+              </p14:xfrm>
+            </p:contentPart>
+          </mc:Choice>
+          <mc:Fallback xmlns="">
+            <p:pic>
+              <p:nvPicPr>
+                <p:cNvPr id="47" name="Рукописный ввод 46">
+                  <a:extLst>
+                    <a:ext uri="{FF2B5EF4-FFF2-40B4-BE49-F238E27FC236}">
+                      <a16:creationId xmlns:a16="http://schemas.microsoft.com/office/drawing/2014/main" id="{BACE4C15-D239-90B4-AB16-B0FF93F78546}"/>
+                    </a:ext>
+                  </a:extLst>
+                </p:cNvPr>
+                <p:cNvPicPr/>
+                <p:nvPr/>
+              </p:nvPicPr>
+              <p:blipFill>
+                <a:blip r:embed="rId33"/>
+                <a:stretch>
+                  <a:fillRect/>
+                </a:stretch>
+              </p:blipFill>
+              <p:spPr>
+                <a:xfrm>
+                  <a:off x="4683635" y="6137595"/>
+                  <a:ext cx="2921400" cy="450360"/>
+                </a:xfrm>
+                <a:prstGeom prst="rect">
+                  <a:avLst/>
+                </a:prstGeom>
+              </p:spPr>
+            </p:pic>
+          </mc:Fallback>
+        </mc:AlternateContent>
+        <mc:AlternateContent xmlns:mc="http://schemas.openxmlformats.org/markup-compatibility/2006" xmlns:p14="http://schemas.microsoft.com/office/powerpoint/2010/main">
+          <mc:Choice Requires="p14">
+            <p:contentPart p14:bwMode="auto" r:id="rId34">
+              <p14:nvContentPartPr>
+                <p14:cNvPr id="21" name="Рукописный ввод 20">
+                  <a:extLst>
+                    <a:ext uri="{FF2B5EF4-FFF2-40B4-BE49-F238E27FC236}">
+                      <a16:creationId xmlns:a16="http://schemas.microsoft.com/office/drawing/2014/main" id="{AB660BD1-1E1F-2F4B-4753-8D9B24E58094}"/>
+                    </a:ext>
+                  </a:extLst>
+                </p14:cNvPr>
+                <p14:cNvContentPartPr/>
+                <p14:nvPr/>
+              </p14:nvContentPartPr>
+              <p14:xfrm>
+                <a:off x="4692275" y="6241275"/>
+                <a:ext cx="533880" cy="277920"/>
+              </p14:xfrm>
+            </p:contentPart>
+          </mc:Choice>
+          <mc:Fallback xmlns="">
+            <p:pic>
+              <p:nvPicPr>
+                <p:cNvPr id="48" name="Рукописный ввод 47">
+                  <a:extLst>
+                    <a:ext uri="{FF2B5EF4-FFF2-40B4-BE49-F238E27FC236}">
+                      <a16:creationId xmlns:a16="http://schemas.microsoft.com/office/drawing/2014/main" id="{3EBC88D7-DADE-7BFF-62EC-35AA8730A83C}"/>
+                    </a:ext>
+                  </a:extLst>
+                </p:cNvPr>
+                <p:cNvPicPr/>
+                <p:nvPr/>
+              </p:nvPicPr>
+              <p:blipFill>
+                <a:blip r:embed="rId35"/>
+                <a:stretch>
+                  <a:fillRect/>
+                </a:stretch>
+              </p:blipFill>
+              <p:spPr>
+                <a:xfrm>
+                  <a:off x="4629275" y="6178275"/>
+                  <a:ext cx="659520" cy="403560"/>
+                </a:xfrm>
+                <a:prstGeom prst="rect">
+                  <a:avLst/>
+                </a:prstGeom>
+              </p:spPr>
+            </p:pic>
+          </mc:Fallback>
+        </mc:AlternateContent>
+      </p:grpSp>
+      <p:sp>
+        <p:nvSpPr>
+          <p:cNvPr id="25" name="Прямоугольник 24">
+            <a:extLst>
+              <a:ext uri="{FF2B5EF4-FFF2-40B4-BE49-F238E27FC236}">
+                <a16:creationId xmlns:a16="http://schemas.microsoft.com/office/drawing/2014/main" id="{6213A578-4F28-AB5D-04BB-5E5DF6C11E8C}"/>
+              </a:ext>
+            </a:extLst>
+          </p:cNvPr>
+          <p:cNvSpPr/>
+          <p:nvPr/>
         </p:nvSpPr>
-        <p:spPr/>
+        <p:spPr>
+          <a:xfrm>
+            <a:off x="4764547" y="5717907"/>
+            <a:ext cx="2721603" cy="721164"/>
+          </a:xfrm>
+          <a:prstGeom prst="rect">
+            <a:avLst/>
+          </a:prstGeom>
+          <a:solidFill>
+            <a:srgbClr val="333333"/>
+          </a:solidFill>
+          <a:ln>
+            <a:noFill/>
+          </a:ln>
+        </p:spPr>
+        <p:style>
+          <a:lnRef idx="2">
+            <a:schemeClr val="accent1">
+              <a:shade val="15000"/>
+            </a:schemeClr>
+          </a:lnRef>
+          <a:fillRef idx="1">
+            <a:schemeClr val="accent1"/>
+          </a:fillRef>
+          <a:effectRef idx="0">
+            <a:schemeClr val="accent1"/>
+          </a:effectRef>
+          <a:fontRef idx="minor">
+            <a:schemeClr val="lt1"/>
+          </a:fontRef>
+        </p:style>
         <p:txBody>
-          <a:bodyPr/>
+          <a:bodyPr rtlCol="0" anchor="ctr"/>
           <a:lstStyle/>
           <a:p>
+            <a:pPr algn="ctr"/>
             <a:endParaRPr lang="ru-RU"/>
           </a:p>
         </p:txBody>
       </p:sp>
       <p:sp>
         <p:nvSpPr>
-          <p:cNvPr id="3" name="Объект 2">
+          <p:cNvPr id="26" name="Прямоугольник 25">
+            <a:hlinkClick r:id="rId36" action="ppaction://hlinksldjump"/>
             <a:extLst>
               <a:ext uri="{FF2B5EF4-FFF2-40B4-BE49-F238E27FC236}">
-                <a16:creationId xmlns:a16="http://schemas.microsoft.com/office/drawing/2014/main" id="{259EE364-9B74-80B3-CC97-F3AA8D244B5D}"/>
+                <a16:creationId xmlns:a16="http://schemas.microsoft.com/office/drawing/2014/main" id="{5062BEC1-CDBF-072A-0905-82845ECEC730}"/>
               </a:ext>
             </a:extLst>
           </p:cNvPr>
-          <p:cNvSpPr>
-            <a:spLocks noGrp="1"/>
-          </p:cNvSpPr>
-          <p:nvPr>
-            <p:ph idx="1"/>
-          </p:nvPr>
+          <p:cNvSpPr/>
+          <p:nvPr/>
         </p:nvSpPr>
-        <p:spPr/>
+        <p:spPr>
+          <a:xfrm>
+            <a:off x="5053263" y="5815015"/>
+            <a:ext cx="2136800" cy="507880"/>
+          </a:xfrm>
+          <a:prstGeom prst="rect">
+            <a:avLst/>
+          </a:prstGeom>
+          <a:solidFill>
+            <a:srgbClr val="8A8A8A"/>
+          </a:solidFill>
+          <a:ln>
+            <a:noFill/>
+          </a:ln>
+          <a:effectLst>
+            <a:softEdge rad="0"/>
+          </a:effectLst>
+          <a:scene3d>
+            <a:camera prst="orthographicFront"/>
+            <a:lightRig rig="threePt" dir="t"/>
+          </a:scene3d>
+          <a:sp3d prstMaterial="matte">
+            <a:bevelT prst="relaxedInset"/>
+          </a:sp3d>
+        </p:spPr>
+        <p:style>
+          <a:lnRef idx="2">
+            <a:schemeClr val="accent1">
+              <a:shade val="15000"/>
+            </a:schemeClr>
+          </a:lnRef>
+          <a:fillRef idx="1">
+            <a:schemeClr val="accent1"/>
+          </a:fillRef>
+          <a:effectRef idx="0">
+            <a:schemeClr val="accent1"/>
+          </a:effectRef>
+          <a:fontRef idx="minor">
+            <a:schemeClr val="lt1"/>
+          </a:fontRef>
+        </p:style>
         <p:txBody>
-          <a:bodyPr/>
+          <a:bodyPr rtlCol="0" anchor="ctr"/>
           <a:lstStyle/>
           <a:p>
-            <a:endParaRPr lang="ru-RU"/>
+            <a:pPr algn="ctr"/>
+            <a:r>
+              <a:rPr lang="ru-RU" dirty="0"/>
+              <a:t>Закрыть</a:t>
+            </a:r>
           </a:p>
         </p:txBody>
       </p:sp>
+      <p:graphicFrame>
+        <p:nvGraphicFramePr>
+          <p:cNvPr id="34" name="Диаграмма 33">
+            <a:extLst>
+              <a:ext uri="{FF2B5EF4-FFF2-40B4-BE49-F238E27FC236}">
+                <a16:creationId xmlns:a16="http://schemas.microsoft.com/office/drawing/2014/main" id="{16AFCC13-0696-6C89-6419-15BDAF558546}"/>
+              </a:ext>
+            </a:extLst>
+          </p:cNvPr>
+          <p:cNvGraphicFramePr/>
+          <p:nvPr>
+            <p:extLst>
+              <p:ext uri="{D42A27DB-BD31-4B8C-83A1-F6EECF244321}">
+                <p14:modId xmlns:p14="http://schemas.microsoft.com/office/powerpoint/2010/main" val="2785946346"/>
+              </p:ext>
+            </p:extLst>
+          </p:nvPr>
+        </p:nvGraphicFramePr>
+        <p:xfrm>
+          <a:off x="4682403" y="549403"/>
+          <a:ext cx="2850172" cy="2739329"/>
+        </p:xfrm>
+        <a:graphic>
+          <a:graphicData uri="http://schemas.openxmlformats.org/drawingml/2006/chart">
+            <c:chart xmlns:c="http://schemas.openxmlformats.org/drawingml/2006/chart" xmlns:r="http://schemas.openxmlformats.org/officeDocument/2006/relationships" r:id="rId37"/>
+          </a:graphicData>
+        </a:graphic>
+      </p:graphicFrame>
+      <p:graphicFrame>
+        <p:nvGraphicFramePr>
+          <p:cNvPr id="35" name="Диаграмма 34">
+            <a:extLst>
+              <a:ext uri="{FF2B5EF4-FFF2-40B4-BE49-F238E27FC236}">
+                <a16:creationId xmlns:a16="http://schemas.microsoft.com/office/drawing/2014/main" id="{A6BE632C-5C52-3D99-232B-1EF12731CFD1}"/>
+              </a:ext>
+            </a:extLst>
+          </p:cNvPr>
+          <p:cNvGraphicFramePr/>
+          <p:nvPr>
+            <p:extLst>
+              <p:ext uri="{D42A27DB-BD31-4B8C-83A1-F6EECF244321}">
+                <p14:modId xmlns:p14="http://schemas.microsoft.com/office/powerpoint/2010/main" val="3123741988"/>
+              </p:ext>
+            </p:extLst>
+          </p:nvPr>
+        </p:nvGraphicFramePr>
+        <p:xfrm>
+          <a:off x="4637747" y="3149883"/>
+          <a:ext cx="2850172" cy="2548597"/>
+        </p:xfrm>
+        <a:graphic>
+          <a:graphicData uri="http://schemas.openxmlformats.org/drawingml/2006/chart">
+            <c:chart xmlns:c="http://schemas.openxmlformats.org/drawingml/2006/chart" xmlns:r="http://schemas.openxmlformats.org/officeDocument/2006/relationships" r:id="rId38"/>
+          </a:graphicData>
+        </a:graphic>
+      </p:graphicFrame>
     </p:spTree>
     <p:extLst>
       <p:ext uri="{BB962C8B-B14F-4D97-AF65-F5344CB8AC3E}">
